--- a/docs/changeable_document_files/alpha ppt.pptx
+++ b/docs/changeable_document_files/alpha ppt.pptx
@@ -61,7 +61,7 @@
       </p:grpSpPr>
       <p:sp>
         <p:nvSpPr>
-          <p:cNvPr id="26" name="PlaceHolder 1"/>
+          <p:cNvPr id="23" name="PlaceHolder 1"/>
           <p:cNvSpPr>
             <a:spLocks noGrp="1"/>
           </p:cNvSpPr>
@@ -71,8 +71,8 @@
         </p:nvSpPr>
         <p:spPr>
           <a:xfrm>
-            <a:off x="838080" y="365040"/>
-            <a:ext cx="10515240" cy="1325160"/>
+            <a:off x="609480" y="273600"/>
+            <a:ext cx="10972440" cy="1144800"/>
           </a:xfrm>
           <a:prstGeom prst="rect">
             <a:avLst/>
@@ -81,23 +81,24 @@
         <p:txBody>
           <a:bodyPr lIns="0" rIns="0" tIns="0" bIns="0" anchor="ctr"/>
           <a:p>
-            <a:endParaRPr b="0" lang="he-IL" sz="1800" spc="-1" strike="noStrike">
-              <a:solidFill>
-                <a:srgbClr val="000000"/>
-              </a:solidFill>
-              <a:uFill>
-                <a:solidFill>
-                  <a:srgbClr val="ffffff"/>
-                </a:solidFill>
-              </a:uFill>
-              <a:latin typeface="Calibri"/>
-            </a:endParaRPr>
-          </a:p>
-        </p:txBody>
-      </p:sp>
-      <p:sp>
-        <p:nvSpPr>
-          <p:cNvPr id="27" name="PlaceHolder 2"/>
+            <a:pPr algn="ctr"/>
+            <a:endParaRPr b="0" lang="en-US" sz="4400" spc="-1" strike="noStrike">
+              <a:solidFill>
+                <a:srgbClr val="000000"/>
+              </a:solidFill>
+              <a:uFill>
+                <a:solidFill>
+                  <a:srgbClr val="ffffff"/>
+                </a:solidFill>
+              </a:uFill>
+              <a:latin typeface="Arial"/>
+            </a:endParaRPr>
+          </a:p>
+        </p:txBody>
+      </p:sp>
+      <p:sp>
+        <p:nvSpPr>
+          <p:cNvPr id="24" name="PlaceHolder 2"/>
           <p:cNvSpPr>
             <a:spLocks noGrp="1"/>
           </p:cNvSpPr>
@@ -107,8 +108,8 @@
         </p:nvSpPr>
         <p:spPr>
           <a:xfrm>
-            <a:off x="838080" y="1825560"/>
-            <a:ext cx="10515240" cy="2075040"/>
+            <a:off x="609480" y="1604520"/>
+            <a:ext cx="10972440" cy="1896840"/>
           </a:xfrm>
           <a:prstGeom prst="rect">
             <a:avLst/>
@@ -119,23 +120,23 @@
             <a:normAutofit/>
           </a:bodyPr>
           <a:p>
-            <a:endParaRPr b="0" lang="he-IL" sz="2800" spc="-1" strike="noStrike">
-              <a:solidFill>
-                <a:srgbClr val="000000"/>
-              </a:solidFill>
-              <a:uFill>
-                <a:solidFill>
-                  <a:srgbClr val="ffffff"/>
-                </a:solidFill>
-              </a:uFill>
-              <a:latin typeface="Calibri"/>
-            </a:endParaRPr>
-          </a:p>
-        </p:txBody>
-      </p:sp>
-      <p:sp>
-        <p:nvSpPr>
-          <p:cNvPr id="28" name="PlaceHolder 3"/>
+            <a:endParaRPr b="0" lang="en-US" sz="3200" spc="-1" strike="noStrike">
+              <a:solidFill>
+                <a:srgbClr val="000000"/>
+              </a:solidFill>
+              <a:uFill>
+                <a:solidFill>
+                  <a:srgbClr val="ffffff"/>
+                </a:solidFill>
+              </a:uFill>
+              <a:latin typeface="Arial"/>
+            </a:endParaRPr>
+          </a:p>
+        </p:txBody>
+      </p:sp>
+      <p:sp>
+        <p:nvSpPr>
+          <p:cNvPr id="25" name="PlaceHolder 3"/>
           <p:cNvSpPr>
             <a:spLocks noGrp="1"/>
           </p:cNvSpPr>
@@ -145,8 +146,8 @@
         </p:nvSpPr>
         <p:spPr>
           <a:xfrm>
-            <a:off x="838080" y="4098240"/>
-            <a:ext cx="10515240" cy="2075040"/>
+            <a:off x="609480" y="3682080"/>
+            <a:ext cx="10972440" cy="1896840"/>
           </a:xfrm>
           <a:prstGeom prst="rect">
             <a:avLst/>
@@ -157,16 +158,16 @@
             <a:normAutofit/>
           </a:bodyPr>
           <a:p>
-            <a:endParaRPr b="0" lang="he-IL" sz="2800" spc="-1" strike="noStrike">
-              <a:solidFill>
-                <a:srgbClr val="000000"/>
-              </a:solidFill>
-              <a:uFill>
-                <a:solidFill>
-                  <a:srgbClr val="ffffff"/>
-                </a:solidFill>
-              </a:uFill>
-              <a:latin typeface="Calibri"/>
+            <a:endParaRPr b="0" lang="en-US" sz="3200" spc="-1" strike="noStrike">
+              <a:solidFill>
+                <a:srgbClr val="000000"/>
+              </a:solidFill>
+              <a:uFill>
+                <a:solidFill>
+                  <a:srgbClr val="ffffff"/>
+                </a:solidFill>
+              </a:uFill>
+              <a:latin typeface="Arial"/>
             </a:endParaRPr>
           </a:p>
         </p:txBody>
@@ -195,7 +196,7 @@
       </p:grpSpPr>
       <p:sp>
         <p:nvSpPr>
-          <p:cNvPr id="29" name="PlaceHolder 1"/>
+          <p:cNvPr id="26" name="PlaceHolder 1"/>
           <p:cNvSpPr>
             <a:spLocks noGrp="1"/>
           </p:cNvSpPr>
@@ -205,8 +206,8 @@
         </p:nvSpPr>
         <p:spPr>
           <a:xfrm>
-            <a:off x="838080" y="365040"/>
-            <a:ext cx="10515240" cy="1325160"/>
+            <a:off x="609480" y="273600"/>
+            <a:ext cx="10972440" cy="1144800"/>
           </a:xfrm>
           <a:prstGeom prst="rect">
             <a:avLst/>
@@ -215,23 +216,24 @@
         <p:txBody>
           <a:bodyPr lIns="0" rIns="0" tIns="0" bIns="0" anchor="ctr"/>
           <a:p>
-            <a:endParaRPr b="0" lang="he-IL" sz="1800" spc="-1" strike="noStrike">
-              <a:solidFill>
-                <a:srgbClr val="000000"/>
-              </a:solidFill>
-              <a:uFill>
-                <a:solidFill>
-                  <a:srgbClr val="ffffff"/>
-                </a:solidFill>
-              </a:uFill>
-              <a:latin typeface="Calibri"/>
-            </a:endParaRPr>
-          </a:p>
-        </p:txBody>
-      </p:sp>
-      <p:sp>
-        <p:nvSpPr>
-          <p:cNvPr id="30" name="PlaceHolder 2"/>
+            <a:pPr algn="ctr"/>
+            <a:endParaRPr b="0" lang="en-US" sz="4400" spc="-1" strike="noStrike">
+              <a:solidFill>
+                <a:srgbClr val="000000"/>
+              </a:solidFill>
+              <a:uFill>
+                <a:solidFill>
+                  <a:srgbClr val="ffffff"/>
+                </a:solidFill>
+              </a:uFill>
+              <a:latin typeface="Arial"/>
+            </a:endParaRPr>
+          </a:p>
+        </p:txBody>
+      </p:sp>
+      <p:sp>
+        <p:nvSpPr>
+          <p:cNvPr id="27" name="PlaceHolder 2"/>
           <p:cNvSpPr>
             <a:spLocks noGrp="1"/>
           </p:cNvSpPr>
@@ -241,8 +243,8 @@
         </p:nvSpPr>
         <p:spPr>
           <a:xfrm>
-            <a:off x="838080" y="1825560"/>
-            <a:ext cx="5131080" cy="2075040"/>
+            <a:off x="609480" y="1604520"/>
+            <a:ext cx="5354280" cy="1896840"/>
           </a:xfrm>
           <a:prstGeom prst="rect">
             <a:avLst/>
@@ -253,23 +255,23 @@
             <a:normAutofit/>
           </a:bodyPr>
           <a:p>
-            <a:endParaRPr b="0" lang="he-IL" sz="2800" spc="-1" strike="noStrike">
-              <a:solidFill>
-                <a:srgbClr val="000000"/>
-              </a:solidFill>
-              <a:uFill>
-                <a:solidFill>
-                  <a:srgbClr val="ffffff"/>
-                </a:solidFill>
-              </a:uFill>
-              <a:latin typeface="Calibri"/>
-            </a:endParaRPr>
-          </a:p>
-        </p:txBody>
-      </p:sp>
-      <p:sp>
-        <p:nvSpPr>
-          <p:cNvPr id="31" name="PlaceHolder 3"/>
+            <a:endParaRPr b="0" lang="en-US" sz="3200" spc="-1" strike="noStrike">
+              <a:solidFill>
+                <a:srgbClr val="000000"/>
+              </a:solidFill>
+              <a:uFill>
+                <a:solidFill>
+                  <a:srgbClr val="ffffff"/>
+                </a:solidFill>
+              </a:uFill>
+              <a:latin typeface="Arial"/>
+            </a:endParaRPr>
+          </a:p>
+        </p:txBody>
+      </p:sp>
+      <p:sp>
+        <p:nvSpPr>
+          <p:cNvPr id="28" name="PlaceHolder 3"/>
           <p:cNvSpPr>
             <a:spLocks noGrp="1"/>
           </p:cNvSpPr>
@@ -279,8 +281,8 @@
         </p:nvSpPr>
         <p:spPr>
           <a:xfrm>
-            <a:off x="6226200" y="1825560"/>
-            <a:ext cx="5131080" cy="2075040"/>
+            <a:off x="6231960" y="1604520"/>
+            <a:ext cx="5354280" cy="1896840"/>
           </a:xfrm>
           <a:prstGeom prst="rect">
             <a:avLst/>
@@ -291,23 +293,23 @@
             <a:normAutofit/>
           </a:bodyPr>
           <a:p>
-            <a:endParaRPr b="0" lang="he-IL" sz="2800" spc="-1" strike="noStrike">
-              <a:solidFill>
-                <a:srgbClr val="000000"/>
-              </a:solidFill>
-              <a:uFill>
-                <a:solidFill>
-                  <a:srgbClr val="ffffff"/>
-                </a:solidFill>
-              </a:uFill>
-              <a:latin typeface="Calibri"/>
-            </a:endParaRPr>
-          </a:p>
-        </p:txBody>
-      </p:sp>
-      <p:sp>
-        <p:nvSpPr>
-          <p:cNvPr id="32" name="PlaceHolder 4"/>
+            <a:endParaRPr b="0" lang="en-US" sz="3200" spc="-1" strike="noStrike">
+              <a:solidFill>
+                <a:srgbClr val="000000"/>
+              </a:solidFill>
+              <a:uFill>
+                <a:solidFill>
+                  <a:srgbClr val="ffffff"/>
+                </a:solidFill>
+              </a:uFill>
+              <a:latin typeface="Arial"/>
+            </a:endParaRPr>
+          </a:p>
+        </p:txBody>
+      </p:sp>
+      <p:sp>
+        <p:nvSpPr>
+          <p:cNvPr id="29" name="PlaceHolder 4"/>
           <p:cNvSpPr>
             <a:spLocks noGrp="1"/>
           </p:cNvSpPr>
@@ -317,8 +319,8 @@
         </p:nvSpPr>
         <p:spPr>
           <a:xfrm>
-            <a:off x="6226200" y="4098240"/>
-            <a:ext cx="5131080" cy="2075040"/>
+            <a:off x="6231960" y="3682080"/>
+            <a:ext cx="5354280" cy="1896840"/>
           </a:xfrm>
           <a:prstGeom prst="rect">
             <a:avLst/>
@@ -329,23 +331,23 @@
             <a:normAutofit/>
           </a:bodyPr>
           <a:p>
-            <a:endParaRPr b="0" lang="he-IL" sz="2800" spc="-1" strike="noStrike">
-              <a:solidFill>
-                <a:srgbClr val="000000"/>
-              </a:solidFill>
-              <a:uFill>
-                <a:solidFill>
-                  <a:srgbClr val="ffffff"/>
-                </a:solidFill>
-              </a:uFill>
-              <a:latin typeface="Calibri"/>
-            </a:endParaRPr>
-          </a:p>
-        </p:txBody>
-      </p:sp>
-      <p:sp>
-        <p:nvSpPr>
-          <p:cNvPr id="33" name="PlaceHolder 5"/>
+            <a:endParaRPr b="0" lang="en-US" sz="3200" spc="-1" strike="noStrike">
+              <a:solidFill>
+                <a:srgbClr val="000000"/>
+              </a:solidFill>
+              <a:uFill>
+                <a:solidFill>
+                  <a:srgbClr val="ffffff"/>
+                </a:solidFill>
+              </a:uFill>
+              <a:latin typeface="Arial"/>
+            </a:endParaRPr>
+          </a:p>
+        </p:txBody>
+      </p:sp>
+      <p:sp>
+        <p:nvSpPr>
+          <p:cNvPr id="30" name="PlaceHolder 5"/>
           <p:cNvSpPr>
             <a:spLocks noGrp="1"/>
           </p:cNvSpPr>
@@ -355,8 +357,8 @@
         </p:nvSpPr>
         <p:spPr>
           <a:xfrm>
-            <a:off x="838080" y="4098240"/>
-            <a:ext cx="5131080" cy="2075040"/>
+            <a:off x="609480" y="3682080"/>
+            <a:ext cx="5354280" cy="1896840"/>
           </a:xfrm>
           <a:prstGeom prst="rect">
             <a:avLst/>
@@ -367,16 +369,16 @@
             <a:normAutofit/>
           </a:bodyPr>
           <a:p>
-            <a:endParaRPr b="0" lang="he-IL" sz="2800" spc="-1" strike="noStrike">
-              <a:solidFill>
-                <a:srgbClr val="000000"/>
-              </a:solidFill>
-              <a:uFill>
-                <a:solidFill>
-                  <a:srgbClr val="ffffff"/>
-                </a:solidFill>
-              </a:uFill>
-              <a:latin typeface="Calibri"/>
+            <a:endParaRPr b="0" lang="en-US" sz="3200" spc="-1" strike="noStrike">
+              <a:solidFill>
+                <a:srgbClr val="000000"/>
+              </a:solidFill>
+              <a:uFill>
+                <a:solidFill>
+                  <a:srgbClr val="ffffff"/>
+                </a:solidFill>
+              </a:uFill>
+              <a:latin typeface="Arial"/>
             </a:endParaRPr>
           </a:p>
         </p:txBody>
@@ -405,7 +407,7 @@
       </p:grpSpPr>
       <p:sp>
         <p:nvSpPr>
-          <p:cNvPr id="34" name="PlaceHolder 1"/>
+          <p:cNvPr id="31" name="PlaceHolder 1"/>
           <p:cNvSpPr>
             <a:spLocks noGrp="1"/>
           </p:cNvSpPr>
@@ -415,8 +417,8 @@
         </p:nvSpPr>
         <p:spPr>
           <a:xfrm>
-            <a:off x="838080" y="365040"/>
-            <a:ext cx="10515240" cy="1325160"/>
+            <a:off x="609480" y="273600"/>
+            <a:ext cx="10972440" cy="1144800"/>
           </a:xfrm>
           <a:prstGeom prst="rect">
             <a:avLst/>
@@ -425,23 +427,24 @@
         <p:txBody>
           <a:bodyPr lIns="0" rIns="0" tIns="0" bIns="0" anchor="ctr"/>
           <a:p>
-            <a:endParaRPr b="0" lang="he-IL" sz="1800" spc="-1" strike="noStrike">
-              <a:solidFill>
-                <a:srgbClr val="000000"/>
-              </a:solidFill>
-              <a:uFill>
-                <a:solidFill>
-                  <a:srgbClr val="ffffff"/>
-                </a:solidFill>
-              </a:uFill>
-              <a:latin typeface="Calibri"/>
-            </a:endParaRPr>
-          </a:p>
-        </p:txBody>
-      </p:sp>
-      <p:sp>
-        <p:nvSpPr>
-          <p:cNvPr id="35" name="PlaceHolder 2"/>
+            <a:pPr algn="ctr"/>
+            <a:endParaRPr b="0" lang="en-US" sz="4400" spc="-1" strike="noStrike">
+              <a:solidFill>
+                <a:srgbClr val="000000"/>
+              </a:solidFill>
+              <a:uFill>
+                <a:solidFill>
+                  <a:srgbClr val="ffffff"/>
+                </a:solidFill>
+              </a:uFill>
+              <a:latin typeface="Arial"/>
+            </a:endParaRPr>
+          </a:p>
+        </p:txBody>
+      </p:sp>
+      <p:sp>
+        <p:nvSpPr>
+          <p:cNvPr id="32" name="PlaceHolder 2"/>
           <p:cNvSpPr>
             <a:spLocks noGrp="1"/>
           </p:cNvSpPr>
@@ -451,8 +454,8 @@
         </p:nvSpPr>
         <p:spPr>
           <a:xfrm>
-            <a:off x="838080" y="1825560"/>
-            <a:ext cx="3385800" cy="2075040"/>
+            <a:off x="609480" y="1604520"/>
+            <a:ext cx="3533040" cy="1896840"/>
           </a:xfrm>
           <a:prstGeom prst="rect">
             <a:avLst/>
@@ -463,23 +466,23 @@
             <a:normAutofit/>
           </a:bodyPr>
           <a:p>
-            <a:endParaRPr b="0" lang="he-IL" sz="2800" spc="-1" strike="noStrike">
-              <a:solidFill>
-                <a:srgbClr val="000000"/>
-              </a:solidFill>
-              <a:uFill>
-                <a:solidFill>
-                  <a:srgbClr val="ffffff"/>
-                </a:solidFill>
-              </a:uFill>
-              <a:latin typeface="Calibri"/>
-            </a:endParaRPr>
-          </a:p>
-        </p:txBody>
-      </p:sp>
-      <p:sp>
-        <p:nvSpPr>
-          <p:cNvPr id="36" name="PlaceHolder 3"/>
+            <a:endParaRPr b="0" lang="en-US" sz="3200" spc="-1" strike="noStrike">
+              <a:solidFill>
+                <a:srgbClr val="000000"/>
+              </a:solidFill>
+              <a:uFill>
+                <a:solidFill>
+                  <a:srgbClr val="ffffff"/>
+                </a:solidFill>
+              </a:uFill>
+              <a:latin typeface="Arial"/>
+            </a:endParaRPr>
+          </a:p>
+        </p:txBody>
+      </p:sp>
+      <p:sp>
+        <p:nvSpPr>
+          <p:cNvPr id="33" name="PlaceHolder 3"/>
           <p:cNvSpPr>
             <a:spLocks noGrp="1"/>
           </p:cNvSpPr>
@@ -489,8 +492,8 @@
         </p:nvSpPr>
         <p:spPr>
           <a:xfrm>
-            <a:off x="4393440" y="1825560"/>
-            <a:ext cx="3385800" cy="2075040"/>
+            <a:off x="4319640" y="1604520"/>
+            <a:ext cx="3533040" cy="1896840"/>
           </a:xfrm>
           <a:prstGeom prst="rect">
             <a:avLst/>
@@ -501,23 +504,23 @@
             <a:normAutofit/>
           </a:bodyPr>
           <a:p>
-            <a:endParaRPr b="0" lang="he-IL" sz="2800" spc="-1" strike="noStrike">
-              <a:solidFill>
-                <a:srgbClr val="000000"/>
-              </a:solidFill>
-              <a:uFill>
-                <a:solidFill>
-                  <a:srgbClr val="ffffff"/>
-                </a:solidFill>
-              </a:uFill>
-              <a:latin typeface="Calibri"/>
-            </a:endParaRPr>
-          </a:p>
-        </p:txBody>
-      </p:sp>
-      <p:sp>
-        <p:nvSpPr>
-          <p:cNvPr id="37" name="PlaceHolder 4"/>
+            <a:endParaRPr b="0" lang="en-US" sz="3200" spc="-1" strike="noStrike">
+              <a:solidFill>
+                <a:srgbClr val="000000"/>
+              </a:solidFill>
+              <a:uFill>
+                <a:solidFill>
+                  <a:srgbClr val="ffffff"/>
+                </a:solidFill>
+              </a:uFill>
+              <a:latin typeface="Arial"/>
+            </a:endParaRPr>
+          </a:p>
+        </p:txBody>
+      </p:sp>
+      <p:sp>
+        <p:nvSpPr>
+          <p:cNvPr id="34" name="PlaceHolder 4"/>
           <p:cNvSpPr>
             <a:spLocks noGrp="1"/>
           </p:cNvSpPr>
@@ -527,8 +530,8 @@
         </p:nvSpPr>
         <p:spPr>
           <a:xfrm>
-            <a:off x="7949160" y="1825560"/>
-            <a:ext cx="3385800" cy="2075040"/>
+            <a:off x="8029800" y="1604520"/>
+            <a:ext cx="3533040" cy="1896840"/>
           </a:xfrm>
           <a:prstGeom prst="rect">
             <a:avLst/>
@@ -539,23 +542,23 @@
             <a:normAutofit/>
           </a:bodyPr>
           <a:p>
-            <a:endParaRPr b="0" lang="he-IL" sz="2800" spc="-1" strike="noStrike">
-              <a:solidFill>
-                <a:srgbClr val="000000"/>
-              </a:solidFill>
-              <a:uFill>
-                <a:solidFill>
-                  <a:srgbClr val="ffffff"/>
-                </a:solidFill>
-              </a:uFill>
-              <a:latin typeface="Calibri"/>
-            </a:endParaRPr>
-          </a:p>
-        </p:txBody>
-      </p:sp>
-      <p:sp>
-        <p:nvSpPr>
-          <p:cNvPr id="38" name="PlaceHolder 5"/>
+            <a:endParaRPr b="0" lang="en-US" sz="3200" spc="-1" strike="noStrike">
+              <a:solidFill>
+                <a:srgbClr val="000000"/>
+              </a:solidFill>
+              <a:uFill>
+                <a:solidFill>
+                  <a:srgbClr val="ffffff"/>
+                </a:solidFill>
+              </a:uFill>
+              <a:latin typeface="Arial"/>
+            </a:endParaRPr>
+          </a:p>
+        </p:txBody>
+      </p:sp>
+      <p:sp>
+        <p:nvSpPr>
+          <p:cNvPr id="35" name="PlaceHolder 5"/>
           <p:cNvSpPr>
             <a:spLocks noGrp="1"/>
           </p:cNvSpPr>
@@ -565,8 +568,8 @@
         </p:nvSpPr>
         <p:spPr>
           <a:xfrm>
-            <a:off x="7949160" y="4098240"/>
-            <a:ext cx="3385800" cy="2075040"/>
+            <a:off x="8029800" y="3682080"/>
+            <a:ext cx="3533040" cy="1896840"/>
           </a:xfrm>
           <a:prstGeom prst="rect">
             <a:avLst/>
@@ -577,23 +580,23 @@
             <a:normAutofit/>
           </a:bodyPr>
           <a:p>
-            <a:endParaRPr b="0" lang="he-IL" sz="2800" spc="-1" strike="noStrike">
-              <a:solidFill>
-                <a:srgbClr val="000000"/>
-              </a:solidFill>
-              <a:uFill>
-                <a:solidFill>
-                  <a:srgbClr val="ffffff"/>
-                </a:solidFill>
-              </a:uFill>
-              <a:latin typeface="Calibri"/>
-            </a:endParaRPr>
-          </a:p>
-        </p:txBody>
-      </p:sp>
-      <p:sp>
-        <p:nvSpPr>
-          <p:cNvPr id="39" name="PlaceHolder 6"/>
+            <a:endParaRPr b="0" lang="en-US" sz="3200" spc="-1" strike="noStrike">
+              <a:solidFill>
+                <a:srgbClr val="000000"/>
+              </a:solidFill>
+              <a:uFill>
+                <a:solidFill>
+                  <a:srgbClr val="ffffff"/>
+                </a:solidFill>
+              </a:uFill>
+              <a:latin typeface="Arial"/>
+            </a:endParaRPr>
+          </a:p>
+        </p:txBody>
+      </p:sp>
+      <p:sp>
+        <p:nvSpPr>
+          <p:cNvPr id="36" name="PlaceHolder 6"/>
           <p:cNvSpPr>
             <a:spLocks noGrp="1"/>
           </p:cNvSpPr>
@@ -603,8 +606,8 @@
         </p:nvSpPr>
         <p:spPr>
           <a:xfrm>
-            <a:off x="4393440" y="4098240"/>
-            <a:ext cx="3385800" cy="2075040"/>
+            <a:off x="4319640" y="3682080"/>
+            <a:ext cx="3533040" cy="1896840"/>
           </a:xfrm>
           <a:prstGeom prst="rect">
             <a:avLst/>
@@ -615,23 +618,23 @@
             <a:normAutofit/>
           </a:bodyPr>
           <a:p>
-            <a:endParaRPr b="0" lang="he-IL" sz="2800" spc="-1" strike="noStrike">
-              <a:solidFill>
-                <a:srgbClr val="000000"/>
-              </a:solidFill>
-              <a:uFill>
-                <a:solidFill>
-                  <a:srgbClr val="ffffff"/>
-                </a:solidFill>
-              </a:uFill>
-              <a:latin typeface="Calibri"/>
-            </a:endParaRPr>
-          </a:p>
-        </p:txBody>
-      </p:sp>
-      <p:sp>
-        <p:nvSpPr>
-          <p:cNvPr id="40" name="PlaceHolder 7"/>
+            <a:endParaRPr b="0" lang="en-US" sz="3200" spc="-1" strike="noStrike">
+              <a:solidFill>
+                <a:srgbClr val="000000"/>
+              </a:solidFill>
+              <a:uFill>
+                <a:solidFill>
+                  <a:srgbClr val="ffffff"/>
+                </a:solidFill>
+              </a:uFill>
+              <a:latin typeface="Arial"/>
+            </a:endParaRPr>
+          </a:p>
+        </p:txBody>
+      </p:sp>
+      <p:sp>
+        <p:nvSpPr>
+          <p:cNvPr id="37" name="PlaceHolder 7"/>
           <p:cNvSpPr>
             <a:spLocks noGrp="1"/>
           </p:cNvSpPr>
@@ -641,8 +644,8 @@
         </p:nvSpPr>
         <p:spPr>
           <a:xfrm>
-            <a:off x="838080" y="4098240"/>
-            <a:ext cx="3385800" cy="2075040"/>
+            <a:off x="609480" y="3682080"/>
+            <a:ext cx="3533040" cy="1896840"/>
           </a:xfrm>
           <a:prstGeom prst="rect">
             <a:avLst/>
@@ -653,16 +656,16 @@
             <a:normAutofit/>
           </a:bodyPr>
           <a:p>
-            <a:endParaRPr b="0" lang="he-IL" sz="2800" spc="-1" strike="noStrike">
-              <a:solidFill>
-                <a:srgbClr val="000000"/>
-              </a:solidFill>
-              <a:uFill>
-                <a:solidFill>
-                  <a:srgbClr val="ffffff"/>
-                </a:solidFill>
-              </a:uFill>
-              <a:latin typeface="Calibri"/>
+            <a:endParaRPr b="0" lang="en-US" sz="3200" spc="-1" strike="noStrike">
+              <a:solidFill>
+                <a:srgbClr val="000000"/>
+              </a:solidFill>
+              <a:uFill>
+                <a:solidFill>
+                  <a:srgbClr val="ffffff"/>
+                </a:solidFill>
+              </a:uFill>
+              <a:latin typeface="Arial"/>
             </a:endParaRPr>
           </a:p>
         </p:txBody>
@@ -713,7 +716,7 @@
       </p:grpSpPr>
       <p:sp>
         <p:nvSpPr>
-          <p:cNvPr id="46" name="PlaceHolder 1"/>
+          <p:cNvPr id="40" name="PlaceHolder 1"/>
           <p:cNvSpPr>
             <a:spLocks noGrp="1"/>
           </p:cNvSpPr>
@@ -723,8 +726,8 @@
         </p:nvSpPr>
         <p:spPr>
           <a:xfrm>
-            <a:off x="838080" y="365040"/>
-            <a:ext cx="10515240" cy="1325160"/>
+            <a:off x="609480" y="273600"/>
+            <a:ext cx="10972440" cy="1144800"/>
           </a:xfrm>
           <a:prstGeom prst="rect">
             <a:avLst/>
@@ -733,23 +736,24 @@
         <p:txBody>
           <a:bodyPr lIns="0" rIns="0" tIns="0" bIns="0" anchor="ctr"/>
           <a:p>
-            <a:endParaRPr b="0" lang="he-IL" sz="1800" spc="-1" strike="noStrike">
-              <a:solidFill>
-                <a:srgbClr val="000000"/>
-              </a:solidFill>
-              <a:uFill>
-                <a:solidFill>
-                  <a:srgbClr val="ffffff"/>
-                </a:solidFill>
-              </a:uFill>
-              <a:latin typeface="Calibri"/>
-            </a:endParaRPr>
-          </a:p>
-        </p:txBody>
-      </p:sp>
-      <p:sp>
-        <p:nvSpPr>
-          <p:cNvPr id="47" name="PlaceHolder 2"/>
+            <a:pPr algn="ctr"/>
+            <a:endParaRPr b="0" lang="en-US" sz="4400" spc="-1" strike="noStrike">
+              <a:solidFill>
+                <a:srgbClr val="000000"/>
+              </a:solidFill>
+              <a:uFill>
+                <a:solidFill>
+                  <a:srgbClr val="ffffff"/>
+                </a:solidFill>
+              </a:uFill>
+              <a:latin typeface="Arial"/>
+            </a:endParaRPr>
+          </a:p>
+        </p:txBody>
+      </p:sp>
+      <p:sp>
+        <p:nvSpPr>
+          <p:cNvPr id="41" name="PlaceHolder 2"/>
           <p:cNvSpPr>
             <a:spLocks noGrp="1"/>
           </p:cNvSpPr>
@@ -759,8 +763,8 @@
         </p:nvSpPr>
         <p:spPr>
           <a:xfrm>
-            <a:off x="838080" y="1825560"/>
-            <a:ext cx="10515240" cy="4350960"/>
+            <a:off x="609480" y="1604520"/>
+            <a:ext cx="10972440" cy="3977280"/>
           </a:xfrm>
           <a:prstGeom prst="rect">
             <a:avLst/>
@@ -808,7 +812,7 @@
       </p:grpSpPr>
       <p:sp>
         <p:nvSpPr>
-          <p:cNvPr id="48" name="PlaceHolder 1"/>
+          <p:cNvPr id="42" name="PlaceHolder 1"/>
           <p:cNvSpPr>
             <a:spLocks noGrp="1"/>
           </p:cNvSpPr>
@@ -818,8 +822,8 @@
         </p:nvSpPr>
         <p:spPr>
           <a:xfrm>
-            <a:off x="838080" y="365040"/>
-            <a:ext cx="10515240" cy="1325160"/>
+            <a:off x="609480" y="273600"/>
+            <a:ext cx="10972440" cy="1144800"/>
           </a:xfrm>
           <a:prstGeom prst="rect">
             <a:avLst/>
@@ -828,23 +832,24 @@
         <p:txBody>
           <a:bodyPr lIns="0" rIns="0" tIns="0" bIns="0" anchor="ctr"/>
           <a:p>
-            <a:endParaRPr b="0" lang="he-IL" sz="1800" spc="-1" strike="noStrike">
-              <a:solidFill>
-                <a:srgbClr val="000000"/>
-              </a:solidFill>
-              <a:uFill>
-                <a:solidFill>
-                  <a:srgbClr val="ffffff"/>
-                </a:solidFill>
-              </a:uFill>
-              <a:latin typeface="Calibri"/>
-            </a:endParaRPr>
-          </a:p>
-        </p:txBody>
-      </p:sp>
-      <p:sp>
-        <p:nvSpPr>
-          <p:cNvPr id="49" name="PlaceHolder 2"/>
+            <a:pPr algn="ctr"/>
+            <a:endParaRPr b="0" lang="en-US" sz="4400" spc="-1" strike="noStrike">
+              <a:solidFill>
+                <a:srgbClr val="000000"/>
+              </a:solidFill>
+              <a:uFill>
+                <a:solidFill>
+                  <a:srgbClr val="ffffff"/>
+                </a:solidFill>
+              </a:uFill>
+              <a:latin typeface="Arial"/>
+            </a:endParaRPr>
+          </a:p>
+        </p:txBody>
+      </p:sp>
+      <p:sp>
+        <p:nvSpPr>
+          <p:cNvPr id="43" name="PlaceHolder 2"/>
           <p:cNvSpPr>
             <a:spLocks noGrp="1"/>
           </p:cNvSpPr>
@@ -854,8 +859,8 @@
         </p:nvSpPr>
         <p:spPr>
           <a:xfrm>
-            <a:off x="838080" y="1825560"/>
-            <a:ext cx="10515240" cy="4350960"/>
+            <a:off x="609480" y="1604520"/>
+            <a:ext cx="10972440" cy="3977280"/>
           </a:xfrm>
           <a:prstGeom prst="rect">
             <a:avLst/>
@@ -866,16 +871,16 @@
             <a:normAutofit/>
           </a:bodyPr>
           <a:p>
-            <a:endParaRPr b="0" lang="he-IL" sz="2800" spc="-1" strike="noStrike">
-              <a:solidFill>
-                <a:srgbClr val="000000"/>
-              </a:solidFill>
-              <a:uFill>
-                <a:solidFill>
-                  <a:srgbClr val="ffffff"/>
-                </a:solidFill>
-              </a:uFill>
-              <a:latin typeface="Calibri"/>
+            <a:endParaRPr b="0" lang="en-US" sz="3200" spc="-1" strike="noStrike">
+              <a:solidFill>
+                <a:srgbClr val="000000"/>
+              </a:solidFill>
+              <a:uFill>
+                <a:solidFill>
+                  <a:srgbClr val="ffffff"/>
+                </a:solidFill>
+              </a:uFill>
+              <a:latin typeface="Arial"/>
             </a:endParaRPr>
           </a:p>
         </p:txBody>
@@ -904,7 +909,7 @@
       </p:grpSpPr>
       <p:sp>
         <p:nvSpPr>
-          <p:cNvPr id="50" name="PlaceHolder 1"/>
+          <p:cNvPr id="44" name="PlaceHolder 1"/>
           <p:cNvSpPr>
             <a:spLocks noGrp="1"/>
           </p:cNvSpPr>
@@ -914,8 +919,8 @@
         </p:nvSpPr>
         <p:spPr>
           <a:xfrm>
-            <a:off x="838080" y="365040"/>
-            <a:ext cx="10515240" cy="1325160"/>
+            <a:off x="609480" y="273600"/>
+            <a:ext cx="10972440" cy="1144800"/>
           </a:xfrm>
           <a:prstGeom prst="rect">
             <a:avLst/>
@@ -924,23 +929,24 @@
         <p:txBody>
           <a:bodyPr lIns="0" rIns="0" tIns="0" bIns="0" anchor="ctr"/>
           <a:p>
-            <a:endParaRPr b="0" lang="he-IL" sz="1800" spc="-1" strike="noStrike">
-              <a:solidFill>
-                <a:srgbClr val="000000"/>
-              </a:solidFill>
-              <a:uFill>
-                <a:solidFill>
-                  <a:srgbClr val="ffffff"/>
-                </a:solidFill>
-              </a:uFill>
-              <a:latin typeface="Calibri"/>
-            </a:endParaRPr>
-          </a:p>
-        </p:txBody>
-      </p:sp>
-      <p:sp>
-        <p:nvSpPr>
-          <p:cNvPr id="51" name="PlaceHolder 2"/>
+            <a:pPr algn="ctr"/>
+            <a:endParaRPr b="0" lang="en-US" sz="4400" spc="-1" strike="noStrike">
+              <a:solidFill>
+                <a:srgbClr val="000000"/>
+              </a:solidFill>
+              <a:uFill>
+                <a:solidFill>
+                  <a:srgbClr val="ffffff"/>
+                </a:solidFill>
+              </a:uFill>
+              <a:latin typeface="Arial"/>
+            </a:endParaRPr>
+          </a:p>
+        </p:txBody>
+      </p:sp>
+      <p:sp>
+        <p:nvSpPr>
+          <p:cNvPr id="45" name="PlaceHolder 2"/>
           <p:cNvSpPr>
             <a:spLocks noGrp="1"/>
           </p:cNvSpPr>
@@ -950,8 +956,8 @@
         </p:nvSpPr>
         <p:spPr>
           <a:xfrm>
-            <a:off x="838080" y="1825560"/>
-            <a:ext cx="5131080" cy="4350960"/>
+            <a:off x="609480" y="1604520"/>
+            <a:ext cx="5354280" cy="3977280"/>
           </a:xfrm>
           <a:prstGeom prst="rect">
             <a:avLst/>
@@ -962,23 +968,23 @@
             <a:normAutofit/>
           </a:bodyPr>
           <a:p>
-            <a:endParaRPr b="0" lang="he-IL" sz="2800" spc="-1" strike="noStrike">
-              <a:solidFill>
-                <a:srgbClr val="000000"/>
-              </a:solidFill>
-              <a:uFill>
-                <a:solidFill>
-                  <a:srgbClr val="ffffff"/>
-                </a:solidFill>
-              </a:uFill>
-              <a:latin typeface="Calibri"/>
-            </a:endParaRPr>
-          </a:p>
-        </p:txBody>
-      </p:sp>
-      <p:sp>
-        <p:nvSpPr>
-          <p:cNvPr id="52" name="PlaceHolder 3"/>
+            <a:endParaRPr b="0" lang="en-US" sz="3200" spc="-1" strike="noStrike">
+              <a:solidFill>
+                <a:srgbClr val="000000"/>
+              </a:solidFill>
+              <a:uFill>
+                <a:solidFill>
+                  <a:srgbClr val="ffffff"/>
+                </a:solidFill>
+              </a:uFill>
+              <a:latin typeface="Arial"/>
+            </a:endParaRPr>
+          </a:p>
+        </p:txBody>
+      </p:sp>
+      <p:sp>
+        <p:nvSpPr>
+          <p:cNvPr id="46" name="PlaceHolder 3"/>
           <p:cNvSpPr>
             <a:spLocks noGrp="1"/>
           </p:cNvSpPr>
@@ -988,8 +994,8 @@
         </p:nvSpPr>
         <p:spPr>
           <a:xfrm>
-            <a:off x="6226200" y="1825560"/>
-            <a:ext cx="5131080" cy="4350960"/>
+            <a:off x="6231960" y="1604520"/>
+            <a:ext cx="5354280" cy="3977280"/>
           </a:xfrm>
           <a:prstGeom prst="rect">
             <a:avLst/>
@@ -1000,16 +1006,16 @@
             <a:normAutofit/>
           </a:bodyPr>
           <a:p>
-            <a:endParaRPr b="0" lang="he-IL" sz="2800" spc="-1" strike="noStrike">
-              <a:solidFill>
-                <a:srgbClr val="000000"/>
-              </a:solidFill>
-              <a:uFill>
-                <a:solidFill>
-                  <a:srgbClr val="ffffff"/>
-                </a:solidFill>
-              </a:uFill>
-              <a:latin typeface="Calibri"/>
+            <a:endParaRPr b="0" lang="en-US" sz="3200" spc="-1" strike="noStrike">
+              <a:solidFill>
+                <a:srgbClr val="000000"/>
+              </a:solidFill>
+              <a:uFill>
+                <a:solidFill>
+                  <a:srgbClr val="ffffff"/>
+                </a:solidFill>
+              </a:uFill>
+              <a:latin typeface="Arial"/>
             </a:endParaRPr>
           </a:p>
         </p:txBody>
@@ -1038,7 +1044,7 @@
       </p:grpSpPr>
       <p:sp>
         <p:nvSpPr>
-          <p:cNvPr id="53" name="PlaceHolder 1"/>
+          <p:cNvPr id="47" name="PlaceHolder 1"/>
           <p:cNvSpPr>
             <a:spLocks noGrp="1"/>
           </p:cNvSpPr>
@@ -1048,8 +1054,8 @@
         </p:nvSpPr>
         <p:spPr>
           <a:xfrm>
-            <a:off x="838080" y="365040"/>
-            <a:ext cx="10515240" cy="1325160"/>
+            <a:off x="609480" y="273600"/>
+            <a:ext cx="10972440" cy="1144800"/>
           </a:xfrm>
           <a:prstGeom prst="rect">
             <a:avLst/>
@@ -1058,16 +1064,17 @@
         <p:txBody>
           <a:bodyPr lIns="0" rIns="0" tIns="0" bIns="0" anchor="ctr"/>
           <a:p>
-            <a:endParaRPr b="0" lang="he-IL" sz="1800" spc="-1" strike="noStrike">
-              <a:solidFill>
-                <a:srgbClr val="000000"/>
-              </a:solidFill>
-              <a:uFill>
-                <a:solidFill>
-                  <a:srgbClr val="ffffff"/>
-                </a:solidFill>
-              </a:uFill>
-              <a:latin typeface="Calibri"/>
+            <a:pPr algn="ctr"/>
+            <a:endParaRPr b="0" lang="en-US" sz="4400" spc="-1" strike="noStrike">
+              <a:solidFill>
+                <a:srgbClr val="000000"/>
+              </a:solidFill>
+              <a:uFill>
+                <a:solidFill>
+                  <a:srgbClr val="ffffff"/>
+                </a:solidFill>
+              </a:uFill>
+              <a:latin typeface="Arial"/>
             </a:endParaRPr>
           </a:p>
         </p:txBody>
@@ -1096,7 +1103,7 @@
       </p:grpSpPr>
       <p:sp>
         <p:nvSpPr>
-          <p:cNvPr id="54" name="PlaceHolder 1"/>
+          <p:cNvPr id="48" name="PlaceHolder 1"/>
           <p:cNvSpPr>
             <a:spLocks noGrp="1"/>
           </p:cNvSpPr>
@@ -1106,8 +1113,8 @@
         </p:nvSpPr>
         <p:spPr>
           <a:xfrm>
-            <a:off x="838080" y="365040"/>
-            <a:ext cx="10515240" cy="6144120"/>
+            <a:off x="609480" y="273600"/>
+            <a:ext cx="10972440" cy="5307840"/>
           </a:xfrm>
           <a:prstGeom prst="rect">
             <a:avLst/>
@@ -1155,7 +1162,7 @@
       </p:grpSpPr>
       <p:sp>
         <p:nvSpPr>
-          <p:cNvPr id="55" name="PlaceHolder 1"/>
+          <p:cNvPr id="49" name="PlaceHolder 1"/>
           <p:cNvSpPr>
             <a:spLocks noGrp="1"/>
           </p:cNvSpPr>
@@ -1165,8 +1172,8 @@
         </p:nvSpPr>
         <p:spPr>
           <a:xfrm>
-            <a:off x="838080" y="365040"/>
-            <a:ext cx="10515240" cy="1325160"/>
+            <a:off x="609480" y="273600"/>
+            <a:ext cx="10972440" cy="1144800"/>
           </a:xfrm>
           <a:prstGeom prst="rect">
             <a:avLst/>
@@ -1175,23 +1182,24 @@
         <p:txBody>
           <a:bodyPr lIns="0" rIns="0" tIns="0" bIns="0" anchor="ctr"/>
           <a:p>
-            <a:endParaRPr b="0" lang="he-IL" sz="1800" spc="-1" strike="noStrike">
-              <a:solidFill>
-                <a:srgbClr val="000000"/>
-              </a:solidFill>
-              <a:uFill>
-                <a:solidFill>
-                  <a:srgbClr val="ffffff"/>
-                </a:solidFill>
-              </a:uFill>
-              <a:latin typeface="Calibri"/>
-            </a:endParaRPr>
-          </a:p>
-        </p:txBody>
-      </p:sp>
-      <p:sp>
-        <p:nvSpPr>
-          <p:cNvPr id="56" name="PlaceHolder 2"/>
+            <a:pPr algn="ctr"/>
+            <a:endParaRPr b="0" lang="en-US" sz="4400" spc="-1" strike="noStrike">
+              <a:solidFill>
+                <a:srgbClr val="000000"/>
+              </a:solidFill>
+              <a:uFill>
+                <a:solidFill>
+                  <a:srgbClr val="ffffff"/>
+                </a:solidFill>
+              </a:uFill>
+              <a:latin typeface="Arial"/>
+            </a:endParaRPr>
+          </a:p>
+        </p:txBody>
+      </p:sp>
+      <p:sp>
+        <p:nvSpPr>
+          <p:cNvPr id="50" name="PlaceHolder 2"/>
           <p:cNvSpPr>
             <a:spLocks noGrp="1"/>
           </p:cNvSpPr>
@@ -1201,8 +1209,8 @@
         </p:nvSpPr>
         <p:spPr>
           <a:xfrm>
-            <a:off x="838080" y="1825560"/>
-            <a:ext cx="5131080" cy="2075040"/>
+            <a:off x="609480" y="1604520"/>
+            <a:ext cx="5354280" cy="1896840"/>
           </a:xfrm>
           <a:prstGeom prst="rect">
             <a:avLst/>
@@ -1213,23 +1221,23 @@
             <a:normAutofit/>
           </a:bodyPr>
           <a:p>
-            <a:endParaRPr b="0" lang="he-IL" sz="2800" spc="-1" strike="noStrike">
-              <a:solidFill>
-                <a:srgbClr val="000000"/>
-              </a:solidFill>
-              <a:uFill>
-                <a:solidFill>
-                  <a:srgbClr val="ffffff"/>
-                </a:solidFill>
-              </a:uFill>
-              <a:latin typeface="Calibri"/>
-            </a:endParaRPr>
-          </a:p>
-        </p:txBody>
-      </p:sp>
-      <p:sp>
-        <p:nvSpPr>
-          <p:cNvPr id="57" name="PlaceHolder 3"/>
+            <a:endParaRPr b="0" lang="en-US" sz="3200" spc="-1" strike="noStrike">
+              <a:solidFill>
+                <a:srgbClr val="000000"/>
+              </a:solidFill>
+              <a:uFill>
+                <a:solidFill>
+                  <a:srgbClr val="ffffff"/>
+                </a:solidFill>
+              </a:uFill>
+              <a:latin typeface="Arial"/>
+            </a:endParaRPr>
+          </a:p>
+        </p:txBody>
+      </p:sp>
+      <p:sp>
+        <p:nvSpPr>
+          <p:cNvPr id="51" name="PlaceHolder 3"/>
           <p:cNvSpPr>
             <a:spLocks noGrp="1"/>
           </p:cNvSpPr>
@@ -1239,8 +1247,8 @@
         </p:nvSpPr>
         <p:spPr>
           <a:xfrm>
-            <a:off x="838080" y="4098240"/>
-            <a:ext cx="5131080" cy="2075040"/>
+            <a:off x="609480" y="3682080"/>
+            <a:ext cx="5354280" cy="1896840"/>
           </a:xfrm>
           <a:prstGeom prst="rect">
             <a:avLst/>
@@ -1251,23 +1259,23 @@
             <a:normAutofit/>
           </a:bodyPr>
           <a:p>
-            <a:endParaRPr b="0" lang="he-IL" sz="2800" spc="-1" strike="noStrike">
-              <a:solidFill>
-                <a:srgbClr val="000000"/>
-              </a:solidFill>
-              <a:uFill>
-                <a:solidFill>
-                  <a:srgbClr val="ffffff"/>
-                </a:solidFill>
-              </a:uFill>
-              <a:latin typeface="Calibri"/>
-            </a:endParaRPr>
-          </a:p>
-        </p:txBody>
-      </p:sp>
-      <p:sp>
-        <p:nvSpPr>
-          <p:cNvPr id="58" name="PlaceHolder 4"/>
+            <a:endParaRPr b="0" lang="en-US" sz="3200" spc="-1" strike="noStrike">
+              <a:solidFill>
+                <a:srgbClr val="000000"/>
+              </a:solidFill>
+              <a:uFill>
+                <a:solidFill>
+                  <a:srgbClr val="ffffff"/>
+                </a:solidFill>
+              </a:uFill>
+              <a:latin typeface="Arial"/>
+            </a:endParaRPr>
+          </a:p>
+        </p:txBody>
+      </p:sp>
+      <p:sp>
+        <p:nvSpPr>
+          <p:cNvPr id="52" name="PlaceHolder 4"/>
           <p:cNvSpPr>
             <a:spLocks noGrp="1"/>
           </p:cNvSpPr>
@@ -1277,8 +1285,8 @@
         </p:nvSpPr>
         <p:spPr>
           <a:xfrm>
-            <a:off x="6226200" y="1825560"/>
-            <a:ext cx="5131080" cy="4350960"/>
+            <a:off x="6231960" y="1604520"/>
+            <a:ext cx="5354280" cy="3977280"/>
           </a:xfrm>
           <a:prstGeom prst="rect">
             <a:avLst/>
@@ -1289,16 +1297,16 @@
             <a:normAutofit/>
           </a:bodyPr>
           <a:p>
-            <a:endParaRPr b="0" lang="he-IL" sz="2800" spc="-1" strike="noStrike">
-              <a:solidFill>
-                <a:srgbClr val="000000"/>
-              </a:solidFill>
-              <a:uFill>
-                <a:solidFill>
-                  <a:srgbClr val="ffffff"/>
-                </a:solidFill>
-              </a:uFill>
-              <a:latin typeface="Calibri"/>
+            <a:endParaRPr b="0" lang="en-US" sz="3200" spc="-1" strike="noStrike">
+              <a:solidFill>
+                <a:srgbClr val="000000"/>
+              </a:solidFill>
+              <a:uFill>
+                <a:solidFill>
+                  <a:srgbClr val="ffffff"/>
+                </a:solidFill>
+              </a:uFill>
+              <a:latin typeface="Arial"/>
             </a:endParaRPr>
           </a:p>
         </p:txBody>
@@ -1327,7 +1335,7 @@
       </p:grpSpPr>
       <p:sp>
         <p:nvSpPr>
-          <p:cNvPr id="5" name="PlaceHolder 1"/>
+          <p:cNvPr id="2" name="PlaceHolder 1"/>
           <p:cNvSpPr>
             <a:spLocks noGrp="1"/>
           </p:cNvSpPr>
@@ -1337,8 +1345,8 @@
         </p:nvSpPr>
         <p:spPr>
           <a:xfrm>
-            <a:off x="838080" y="365040"/>
-            <a:ext cx="10515240" cy="1325160"/>
+            <a:off x="609480" y="273600"/>
+            <a:ext cx="10972440" cy="1144800"/>
           </a:xfrm>
           <a:prstGeom prst="rect">
             <a:avLst/>
@@ -1347,23 +1355,24 @@
         <p:txBody>
           <a:bodyPr lIns="0" rIns="0" tIns="0" bIns="0" anchor="ctr"/>
           <a:p>
-            <a:endParaRPr b="0" lang="he-IL" sz="1800" spc="-1" strike="noStrike">
-              <a:solidFill>
-                <a:srgbClr val="000000"/>
-              </a:solidFill>
-              <a:uFill>
-                <a:solidFill>
-                  <a:srgbClr val="ffffff"/>
-                </a:solidFill>
-              </a:uFill>
-              <a:latin typeface="Calibri"/>
-            </a:endParaRPr>
-          </a:p>
-        </p:txBody>
-      </p:sp>
-      <p:sp>
-        <p:nvSpPr>
-          <p:cNvPr id="6" name="PlaceHolder 2"/>
+            <a:pPr algn="ctr"/>
+            <a:endParaRPr b="0" lang="en-US" sz="4400" spc="-1" strike="noStrike">
+              <a:solidFill>
+                <a:srgbClr val="000000"/>
+              </a:solidFill>
+              <a:uFill>
+                <a:solidFill>
+                  <a:srgbClr val="ffffff"/>
+                </a:solidFill>
+              </a:uFill>
+              <a:latin typeface="Arial"/>
+            </a:endParaRPr>
+          </a:p>
+        </p:txBody>
+      </p:sp>
+      <p:sp>
+        <p:nvSpPr>
+          <p:cNvPr id="3" name="PlaceHolder 2"/>
           <p:cNvSpPr>
             <a:spLocks noGrp="1"/>
           </p:cNvSpPr>
@@ -1373,8 +1382,8 @@
         </p:nvSpPr>
         <p:spPr>
           <a:xfrm>
-            <a:off x="838080" y="1825560"/>
-            <a:ext cx="10515240" cy="4350960"/>
+            <a:off x="609480" y="1604520"/>
+            <a:ext cx="10972440" cy="3977280"/>
           </a:xfrm>
           <a:prstGeom prst="rect">
             <a:avLst/>
@@ -1422,7 +1431,7 @@
       </p:grpSpPr>
       <p:sp>
         <p:nvSpPr>
-          <p:cNvPr id="59" name="PlaceHolder 1"/>
+          <p:cNvPr id="53" name="PlaceHolder 1"/>
           <p:cNvSpPr>
             <a:spLocks noGrp="1"/>
           </p:cNvSpPr>
@@ -1432,8 +1441,8 @@
         </p:nvSpPr>
         <p:spPr>
           <a:xfrm>
-            <a:off x="838080" y="365040"/>
-            <a:ext cx="10515240" cy="1325160"/>
+            <a:off x="609480" y="273600"/>
+            <a:ext cx="10972440" cy="1144800"/>
           </a:xfrm>
           <a:prstGeom prst="rect">
             <a:avLst/>
@@ -1442,23 +1451,24 @@
         <p:txBody>
           <a:bodyPr lIns="0" rIns="0" tIns="0" bIns="0" anchor="ctr"/>
           <a:p>
-            <a:endParaRPr b="0" lang="he-IL" sz="1800" spc="-1" strike="noStrike">
-              <a:solidFill>
-                <a:srgbClr val="000000"/>
-              </a:solidFill>
-              <a:uFill>
-                <a:solidFill>
-                  <a:srgbClr val="ffffff"/>
-                </a:solidFill>
-              </a:uFill>
-              <a:latin typeface="Calibri"/>
-            </a:endParaRPr>
-          </a:p>
-        </p:txBody>
-      </p:sp>
-      <p:sp>
-        <p:nvSpPr>
-          <p:cNvPr id="60" name="PlaceHolder 2"/>
+            <a:pPr algn="ctr"/>
+            <a:endParaRPr b="0" lang="en-US" sz="4400" spc="-1" strike="noStrike">
+              <a:solidFill>
+                <a:srgbClr val="000000"/>
+              </a:solidFill>
+              <a:uFill>
+                <a:solidFill>
+                  <a:srgbClr val="ffffff"/>
+                </a:solidFill>
+              </a:uFill>
+              <a:latin typeface="Arial"/>
+            </a:endParaRPr>
+          </a:p>
+        </p:txBody>
+      </p:sp>
+      <p:sp>
+        <p:nvSpPr>
+          <p:cNvPr id="54" name="PlaceHolder 2"/>
           <p:cNvSpPr>
             <a:spLocks noGrp="1"/>
           </p:cNvSpPr>
@@ -1468,8 +1478,8 @@
         </p:nvSpPr>
         <p:spPr>
           <a:xfrm>
-            <a:off x="838080" y="1825560"/>
-            <a:ext cx="5131080" cy="4350960"/>
+            <a:off x="609480" y="1604520"/>
+            <a:ext cx="5354280" cy="3977280"/>
           </a:xfrm>
           <a:prstGeom prst="rect">
             <a:avLst/>
@@ -1480,23 +1490,23 @@
             <a:normAutofit/>
           </a:bodyPr>
           <a:p>
-            <a:endParaRPr b="0" lang="he-IL" sz="2800" spc="-1" strike="noStrike">
-              <a:solidFill>
-                <a:srgbClr val="000000"/>
-              </a:solidFill>
-              <a:uFill>
-                <a:solidFill>
-                  <a:srgbClr val="ffffff"/>
-                </a:solidFill>
-              </a:uFill>
-              <a:latin typeface="Calibri"/>
-            </a:endParaRPr>
-          </a:p>
-        </p:txBody>
-      </p:sp>
-      <p:sp>
-        <p:nvSpPr>
-          <p:cNvPr id="61" name="PlaceHolder 3"/>
+            <a:endParaRPr b="0" lang="en-US" sz="3200" spc="-1" strike="noStrike">
+              <a:solidFill>
+                <a:srgbClr val="000000"/>
+              </a:solidFill>
+              <a:uFill>
+                <a:solidFill>
+                  <a:srgbClr val="ffffff"/>
+                </a:solidFill>
+              </a:uFill>
+              <a:latin typeface="Arial"/>
+            </a:endParaRPr>
+          </a:p>
+        </p:txBody>
+      </p:sp>
+      <p:sp>
+        <p:nvSpPr>
+          <p:cNvPr id="55" name="PlaceHolder 3"/>
           <p:cNvSpPr>
             <a:spLocks noGrp="1"/>
           </p:cNvSpPr>
@@ -1506,8 +1516,8 @@
         </p:nvSpPr>
         <p:spPr>
           <a:xfrm>
-            <a:off x="6226200" y="1825560"/>
-            <a:ext cx="5131080" cy="2075040"/>
+            <a:off x="6231960" y="1604520"/>
+            <a:ext cx="5354280" cy="1896840"/>
           </a:xfrm>
           <a:prstGeom prst="rect">
             <a:avLst/>
@@ -1518,23 +1528,23 @@
             <a:normAutofit/>
           </a:bodyPr>
           <a:p>
-            <a:endParaRPr b="0" lang="he-IL" sz="2800" spc="-1" strike="noStrike">
-              <a:solidFill>
-                <a:srgbClr val="000000"/>
-              </a:solidFill>
-              <a:uFill>
-                <a:solidFill>
-                  <a:srgbClr val="ffffff"/>
-                </a:solidFill>
-              </a:uFill>
-              <a:latin typeface="Calibri"/>
-            </a:endParaRPr>
-          </a:p>
-        </p:txBody>
-      </p:sp>
-      <p:sp>
-        <p:nvSpPr>
-          <p:cNvPr id="62" name="PlaceHolder 4"/>
+            <a:endParaRPr b="0" lang="en-US" sz="3200" spc="-1" strike="noStrike">
+              <a:solidFill>
+                <a:srgbClr val="000000"/>
+              </a:solidFill>
+              <a:uFill>
+                <a:solidFill>
+                  <a:srgbClr val="ffffff"/>
+                </a:solidFill>
+              </a:uFill>
+              <a:latin typeface="Arial"/>
+            </a:endParaRPr>
+          </a:p>
+        </p:txBody>
+      </p:sp>
+      <p:sp>
+        <p:nvSpPr>
+          <p:cNvPr id="56" name="PlaceHolder 4"/>
           <p:cNvSpPr>
             <a:spLocks noGrp="1"/>
           </p:cNvSpPr>
@@ -1544,8 +1554,8 @@
         </p:nvSpPr>
         <p:spPr>
           <a:xfrm>
-            <a:off x="6226200" y="4098240"/>
-            <a:ext cx="5131080" cy="2075040"/>
+            <a:off x="6231960" y="3682080"/>
+            <a:ext cx="5354280" cy="1896840"/>
           </a:xfrm>
           <a:prstGeom prst="rect">
             <a:avLst/>
@@ -1556,16 +1566,16 @@
             <a:normAutofit/>
           </a:bodyPr>
           <a:p>
-            <a:endParaRPr b="0" lang="he-IL" sz="2800" spc="-1" strike="noStrike">
-              <a:solidFill>
-                <a:srgbClr val="000000"/>
-              </a:solidFill>
-              <a:uFill>
-                <a:solidFill>
-                  <a:srgbClr val="ffffff"/>
-                </a:solidFill>
-              </a:uFill>
-              <a:latin typeface="Calibri"/>
+            <a:endParaRPr b="0" lang="en-US" sz="3200" spc="-1" strike="noStrike">
+              <a:solidFill>
+                <a:srgbClr val="000000"/>
+              </a:solidFill>
+              <a:uFill>
+                <a:solidFill>
+                  <a:srgbClr val="ffffff"/>
+                </a:solidFill>
+              </a:uFill>
+              <a:latin typeface="Arial"/>
             </a:endParaRPr>
           </a:p>
         </p:txBody>
@@ -1594,7 +1604,7 @@
       </p:grpSpPr>
       <p:sp>
         <p:nvSpPr>
-          <p:cNvPr id="63" name="PlaceHolder 1"/>
+          <p:cNvPr id="57" name="PlaceHolder 1"/>
           <p:cNvSpPr>
             <a:spLocks noGrp="1"/>
           </p:cNvSpPr>
@@ -1604,8 +1614,8 @@
         </p:nvSpPr>
         <p:spPr>
           <a:xfrm>
-            <a:off x="838080" y="365040"/>
-            <a:ext cx="10515240" cy="1325160"/>
+            <a:off x="609480" y="273600"/>
+            <a:ext cx="10972440" cy="1144800"/>
           </a:xfrm>
           <a:prstGeom prst="rect">
             <a:avLst/>
@@ -1614,23 +1624,24 @@
         <p:txBody>
           <a:bodyPr lIns="0" rIns="0" tIns="0" bIns="0" anchor="ctr"/>
           <a:p>
-            <a:endParaRPr b="0" lang="he-IL" sz="1800" spc="-1" strike="noStrike">
-              <a:solidFill>
-                <a:srgbClr val="000000"/>
-              </a:solidFill>
-              <a:uFill>
-                <a:solidFill>
-                  <a:srgbClr val="ffffff"/>
-                </a:solidFill>
-              </a:uFill>
-              <a:latin typeface="Calibri"/>
-            </a:endParaRPr>
-          </a:p>
-        </p:txBody>
-      </p:sp>
-      <p:sp>
-        <p:nvSpPr>
-          <p:cNvPr id="64" name="PlaceHolder 2"/>
+            <a:pPr algn="ctr"/>
+            <a:endParaRPr b="0" lang="en-US" sz="4400" spc="-1" strike="noStrike">
+              <a:solidFill>
+                <a:srgbClr val="000000"/>
+              </a:solidFill>
+              <a:uFill>
+                <a:solidFill>
+                  <a:srgbClr val="ffffff"/>
+                </a:solidFill>
+              </a:uFill>
+              <a:latin typeface="Arial"/>
+            </a:endParaRPr>
+          </a:p>
+        </p:txBody>
+      </p:sp>
+      <p:sp>
+        <p:nvSpPr>
+          <p:cNvPr id="58" name="PlaceHolder 2"/>
           <p:cNvSpPr>
             <a:spLocks noGrp="1"/>
           </p:cNvSpPr>
@@ -1640,8 +1651,8 @@
         </p:nvSpPr>
         <p:spPr>
           <a:xfrm>
-            <a:off x="838080" y="1825560"/>
-            <a:ext cx="5131080" cy="2075040"/>
+            <a:off x="609480" y="1604520"/>
+            <a:ext cx="5354280" cy="1896840"/>
           </a:xfrm>
           <a:prstGeom prst="rect">
             <a:avLst/>
@@ -1652,23 +1663,23 @@
             <a:normAutofit/>
           </a:bodyPr>
           <a:p>
-            <a:endParaRPr b="0" lang="he-IL" sz="2800" spc="-1" strike="noStrike">
-              <a:solidFill>
-                <a:srgbClr val="000000"/>
-              </a:solidFill>
-              <a:uFill>
-                <a:solidFill>
-                  <a:srgbClr val="ffffff"/>
-                </a:solidFill>
-              </a:uFill>
-              <a:latin typeface="Calibri"/>
-            </a:endParaRPr>
-          </a:p>
-        </p:txBody>
-      </p:sp>
-      <p:sp>
-        <p:nvSpPr>
-          <p:cNvPr id="65" name="PlaceHolder 3"/>
+            <a:endParaRPr b="0" lang="en-US" sz="3200" spc="-1" strike="noStrike">
+              <a:solidFill>
+                <a:srgbClr val="000000"/>
+              </a:solidFill>
+              <a:uFill>
+                <a:solidFill>
+                  <a:srgbClr val="ffffff"/>
+                </a:solidFill>
+              </a:uFill>
+              <a:latin typeface="Arial"/>
+            </a:endParaRPr>
+          </a:p>
+        </p:txBody>
+      </p:sp>
+      <p:sp>
+        <p:nvSpPr>
+          <p:cNvPr id="59" name="PlaceHolder 3"/>
           <p:cNvSpPr>
             <a:spLocks noGrp="1"/>
           </p:cNvSpPr>
@@ -1678,8 +1689,8 @@
         </p:nvSpPr>
         <p:spPr>
           <a:xfrm>
-            <a:off x="6226200" y="1825560"/>
-            <a:ext cx="5131080" cy="2075040"/>
+            <a:off x="6231960" y="1604520"/>
+            <a:ext cx="5354280" cy="1896840"/>
           </a:xfrm>
           <a:prstGeom prst="rect">
             <a:avLst/>
@@ -1690,23 +1701,23 @@
             <a:normAutofit/>
           </a:bodyPr>
           <a:p>
-            <a:endParaRPr b="0" lang="he-IL" sz="2800" spc="-1" strike="noStrike">
-              <a:solidFill>
-                <a:srgbClr val="000000"/>
-              </a:solidFill>
-              <a:uFill>
-                <a:solidFill>
-                  <a:srgbClr val="ffffff"/>
-                </a:solidFill>
-              </a:uFill>
-              <a:latin typeface="Calibri"/>
-            </a:endParaRPr>
-          </a:p>
-        </p:txBody>
-      </p:sp>
-      <p:sp>
-        <p:nvSpPr>
-          <p:cNvPr id="66" name="PlaceHolder 4"/>
+            <a:endParaRPr b="0" lang="en-US" sz="3200" spc="-1" strike="noStrike">
+              <a:solidFill>
+                <a:srgbClr val="000000"/>
+              </a:solidFill>
+              <a:uFill>
+                <a:solidFill>
+                  <a:srgbClr val="ffffff"/>
+                </a:solidFill>
+              </a:uFill>
+              <a:latin typeface="Arial"/>
+            </a:endParaRPr>
+          </a:p>
+        </p:txBody>
+      </p:sp>
+      <p:sp>
+        <p:nvSpPr>
+          <p:cNvPr id="60" name="PlaceHolder 4"/>
           <p:cNvSpPr>
             <a:spLocks noGrp="1"/>
           </p:cNvSpPr>
@@ -1716,8 +1727,8 @@
         </p:nvSpPr>
         <p:spPr>
           <a:xfrm>
-            <a:off x="838080" y="4098240"/>
-            <a:ext cx="10515240" cy="2075040"/>
+            <a:off x="609480" y="3682080"/>
+            <a:ext cx="10972440" cy="1896840"/>
           </a:xfrm>
           <a:prstGeom prst="rect">
             <a:avLst/>
@@ -1728,16 +1739,16 @@
             <a:normAutofit/>
           </a:bodyPr>
           <a:p>
-            <a:endParaRPr b="0" lang="he-IL" sz="2800" spc="-1" strike="noStrike">
-              <a:solidFill>
-                <a:srgbClr val="000000"/>
-              </a:solidFill>
-              <a:uFill>
-                <a:solidFill>
-                  <a:srgbClr val="ffffff"/>
-                </a:solidFill>
-              </a:uFill>
-              <a:latin typeface="Calibri"/>
+            <a:endParaRPr b="0" lang="en-US" sz="3200" spc="-1" strike="noStrike">
+              <a:solidFill>
+                <a:srgbClr val="000000"/>
+              </a:solidFill>
+              <a:uFill>
+                <a:solidFill>
+                  <a:srgbClr val="ffffff"/>
+                </a:solidFill>
+              </a:uFill>
+              <a:latin typeface="Arial"/>
             </a:endParaRPr>
           </a:p>
         </p:txBody>
@@ -1766,7 +1777,7 @@
       </p:grpSpPr>
       <p:sp>
         <p:nvSpPr>
-          <p:cNvPr id="67" name="PlaceHolder 1"/>
+          <p:cNvPr id="61" name="PlaceHolder 1"/>
           <p:cNvSpPr>
             <a:spLocks noGrp="1"/>
           </p:cNvSpPr>
@@ -1776,8 +1787,8 @@
         </p:nvSpPr>
         <p:spPr>
           <a:xfrm>
-            <a:off x="838080" y="365040"/>
-            <a:ext cx="10515240" cy="1325160"/>
+            <a:off x="609480" y="273600"/>
+            <a:ext cx="10972440" cy="1144800"/>
           </a:xfrm>
           <a:prstGeom prst="rect">
             <a:avLst/>
@@ -1786,23 +1797,24 @@
         <p:txBody>
           <a:bodyPr lIns="0" rIns="0" tIns="0" bIns="0" anchor="ctr"/>
           <a:p>
-            <a:endParaRPr b="0" lang="he-IL" sz="1800" spc="-1" strike="noStrike">
-              <a:solidFill>
-                <a:srgbClr val="000000"/>
-              </a:solidFill>
-              <a:uFill>
-                <a:solidFill>
-                  <a:srgbClr val="ffffff"/>
-                </a:solidFill>
-              </a:uFill>
-              <a:latin typeface="Calibri"/>
-            </a:endParaRPr>
-          </a:p>
-        </p:txBody>
-      </p:sp>
-      <p:sp>
-        <p:nvSpPr>
-          <p:cNvPr id="68" name="PlaceHolder 2"/>
+            <a:pPr algn="ctr"/>
+            <a:endParaRPr b="0" lang="en-US" sz="4400" spc="-1" strike="noStrike">
+              <a:solidFill>
+                <a:srgbClr val="000000"/>
+              </a:solidFill>
+              <a:uFill>
+                <a:solidFill>
+                  <a:srgbClr val="ffffff"/>
+                </a:solidFill>
+              </a:uFill>
+              <a:latin typeface="Arial"/>
+            </a:endParaRPr>
+          </a:p>
+        </p:txBody>
+      </p:sp>
+      <p:sp>
+        <p:nvSpPr>
+          <p:cNvPr id="62" name="PlaceHolder 2"/>
           <p:cNvSpPr>
             <a:spLocks noGrp="1"/>
           </p:cNvSpPr>
@@ -1812,8 +1824,8 @@
         </p:nvSpPr>
         <p:spPr>
           <a:xfrm>
-            <a:off x="838080" y="1825560"/>
-            <a:ext cx="10515240" cy="2075040"/>
+            <a:off x="609480" y="1604520"/>
+            <a:ext cx="10972440" cy="1896840"/>
           </a:xfrm>
           <a:prstGeom prst="rect">
             <a:avLst/>
@@ -1824,23 +1836,23 @@
             <a:normAutofit/>
           </a:bodyPr>
           <a:p>
-            <a:endParaRPr b="0" lang="he-IL" sz="2800" spc="-1" strike="noStrike">
-              <a:solidFill>
-                <a:srgbClr val="000000"/>
-              </a:solidFill>
-              <a:uFill>
-                <a:solidFill>
-                  <a:srgbClr val="ffffff"/>
-                </a:solidFill>
-              </a:uFill>
-              <a:latin typeface="Calibri"/>
-            </a:endParaRPr>
-          </a:p>
-        </p:txBody>
-      </p:sp>
-      <p:sp>
-        <p:nvSpPr>
-          <p:cNvPr id="69" name="PlaceHolder 3"/>
+            <a:endParaRPr b="0" lang="en-US" sz="3200" spc="-1" strike="noStrike">
+              <a:solidFill>
+                <a:srgbClr val="000000"/>
+              </a:solidFill>
+              <a:uFill>
+                <a:solidFill>
+                  <a:srgbClr val="ffffff"/>
+                </a:solidFill>
+              </a:uFill>
+              <a:latin typeface="Arial"/>
+            </a:endParaRPr>
+          </a:p>
+        </p:txBody>
+      </p:sp>
+      <p:sp>
+        <p:nvSpPr>
+          <p:cNvPr id="63" name="PlaceHolder 3"/>
           <p:cNvSpPr>
             <a:spLocks noGrp="1"/>
           </p:cNvSpPr>
@@ -1850,8 +1862,8 @@
         </p:nvSpPr>
         <p:spPr>
           <a:xfrm>
-            <a:off x="838080" y="4098240"/>
-            <a:ext cx="10515240" cy="2075040"/>
+            <a:off x="609480" y="3682080"/>
+            <a:ext cx="10972440" cy="1896840"/>
           </a:xfrm>
           <a:prstGeom prst="rect">
             <a:avLst/>
@@ -1862,16 +1874,16 @@
             <a:normAutofit/>
           </a:bodyPr>
           <a:p>
-            <a:endParaRPr b="0" lang="he-IL" sz="2800" spc="-1" strike="noStrike">
-              <a:solidFill>
-                <a:srgbClr val="000000"/>
-              </a:solidFill>
-              <a:uFill>
-                <a:solidFill>
-                  <a:srgbClr val="ffffff"/>
-                </a:solidFill>
-              </a:uFill>
-              <a:latin typeface="Calibri"/>
+            <a:endParaRPr b="0" lang="en-US" sz="3200" spc="-1" strike="noStrike">
+              <a:solidFill>
+                <a:srgbClr val="000000"/>
+              </a:solidFill>
+              <a:uFill>
+                <a:solidFill>
+                  <a:srgbClr val="ffffff"/>
+                </a:solidFill>
+              </a:uFill>
+              <a:latin typeface="Arial"/>
             </a:endParaRPr>
           </a:p>
         </p:txBody>
@@ -1900,7 +1912,7 @@
       </p:grpSpPr>
       <p:sp>
         <p:nvSpPr>
-          <p:cNvPr id="70" name="PlaceHolder 1"/>
+          <p:cNvPr id="64" name="PlaceHolder 1"/>
           <p:cNvSpPr>
             <a:spLocks noGrp="1"/>
           </p:cNvSpPr>
@@ -1910,8 +1922,8 @@
         </p:nvSpPr>
         <p:spPr>
           <a:xfrm>
-            <a:off x="838080" y="365040"/>
-            <a:ext cx="10515240" cy="1325160"/>
+            <a:off x="609480" y="273600"/>
+            <a:ext cx="10972440" cy="1144800"/>
           </a:xfrm>
           <a:prstGeom prst="rect">
             <a:avLst/>
@@ -1920,23 +1932,24 @@
         <p:txBody>
           <a:bodyPr lIns="0" rIns="0" tIns="0" bIns="0" anchor="ctr"/>
           <a:p>
-            <a:endParaRPr b="0" lang="he-IL" sz="1800" spc="-1" strike="noStrike">
-              <a:solidFill>
-                <a:srgbClr val="000000"/>
-              </a:solidFill>
-              <a:uFill>
-                <a:solidFill>
-                  <a:srgbClr val="ffffff"/>
-                </a:solidFill>
-              </a:uFill>
-              <a:latin typeface="Calibri"/>
-            </a:endParaRPr>
-          </a:p>
-        </p:txBody>
-      </p:sp>
-      <p:sp>
-        <p:nvSpPr>
-          <p:cNvPr id="71" name="PlaceHolder 2"/>
+            <a:pPr algn="ctr"/>
+            <a:endParaRPr b="0" lang="en-US" sz="4400" spc="-1" strike="noStrike">
+              <a:solidFill>
+                <a:srgbClr val="000000"/>
+              </a:solidFill>
+              <a:uFill>
+                <a:solidFill>
+                  <a:srgbClr val="ffffff"/>
+                </a:solidFill>
+              </a:uFill>
+              <a:latin typeface="Arial"/>
+            </a:endParaRPr>
+          </a:p>
+        </p:txBody>
+      </p:sp>
+      <p:sp>
+        <p:nvSpPr>
+          <p:cNvPr id="65" name="PlaceHolder 2"/>
           <p:cNvSpPr>
             <a:spLocks noGrp="1"/>
           </p:cNvSpPr>
@@ -1946,8 +1959,8 @@
         </p:nvSpPr>
         <p:spPr>
           <a:xfrm>
-            <a:off x="838080" y="1825560"/>
-            <a:ext cx="5131080" cy="2075040"/>
+            <a:off x="609480" y="1604520"/>
+            <a:ext cx="5354280" cy="1896840"/>
           </a:xfrm>
           <a:prstGeom prst="rect">
             <a:avLst/>
@@ -1958,23 +1971,23 @@
             <a:normAutofit/>
           </a:bodyPr>
           <a:p>
-            <a:endParaRPr b="0" lang="he-IL" sz="2800" spc="-1" strike="noStrike">
-              <a:solidFill>
-                <a:srgbClr val="000000"/>
-              </a:solidFill>
-              <a:uFill>
-                <a:solidFill>
-                  <a:srgbClr val="ffffff"/>
-                </a:solidFill>
-              </a:uFill>
-              <a:latin typeface="Calibri"/>
-            </a:endParaRPr>
-          </a:p>
-        </p:txBody>
-      </p:sp>
-      <p:sp>
-        <p:nvSpPr>
-          <p:cNvPr id="72" name="PlaceHolder 3"/>
+            <a:endParaRPr b="0" lang="en-US" sz="3200" spc="-1" strike="noStrike">
+              <a:solidFill>
+                <a:srgbClr val="000000"/>
+              </a:solidFill>
+              <a:uFill>
+                <a:solidFill>
+                  <a:srgbClr val="ffffff"/>
+                </a:solidFill>
+              </a:uFill>
+              <a:latin typeface="Arial"/>
+            </a:endParaRPr>
+          </a:p>
+        </p:txBody>
+      </p:sp>
+      <p:sp>
+        <p:nvSpPr>
+          <p:cNvPr id="66" name="PlaceHolder 3"/>
           <p:cNvSpPr>
             <a:spLocks noGrp="1"/>
           </p:cNvSpPr>
@@ -1984,8 +1997,8 @@
         </p:nvSpPr>
         <p:spPr>
           <a:xfrm>
-            <a:off x="6226200" y="1825560"/>
-            <a:ext cx="5131080" cy="2075040"/>
+            <a:off x="6231960" y="1604520"/>
+            <a:ext cx="5354280" cy="1896840"/>
           </a:xfrm>
           <a:prstGeom prst="rect">
             <a:avLst/>
@@ -1996,23 +2009,23 @@
             <a:normAutofit/>
           </a:bodyPr>
           <a:p>
-            <a:endParaRPr b="0" lang="he-IL" sz="2800" spc="-1" strike="noStrike">
-              <a:solidFill>
-                <a:srgbClr val="000000"/>
-              </a:solidFill>
-              <a:uFill>
-                <a:solidFill>
-                  <a:srgbClr val="ffffff"/>
-                </a:solidFill>
-              </a:uFill>
-              <a:latin typeface="Calibri"/>
-            </a:endParaRPr>
-          </a:p>
-        </p:txBody>
-      </p:sp>
-      <p:sp>
-        <p:nvSpPr>
-          <p:cNvPr id="73" name="PlaceHolder 4"/>
+            <a:endParaRPr b="0" lang="en-US" sz="3200" spc="-1" strike="noStrike">
+              <a:solidFill>
+                <a:srgbClr val="000000"/>
+              </a:solidFill>
+              <a:uFill>
+                <a:solidFill>
+                  <a:srgbClr val="ffffff"/>
+                </a:solidFill>
+              </a:uFill>
+              <a:latin typeface="Arial"/>
+            </a:endParaRPr>
+          </a:p>
+        </p:txBody>
+      </p:sp>
+      <p:sp>
+        <p:nvSpPr>
+          <p:cNvPr id="67" name="PlaceHolder 4"/>
           <p:cNvSpPr>
             <a:spLocks noGrp="1"/>
           </p:cNvSpPr>
@@ -2022,8 +2035,8 @@
         </p:nvSpPr>
         <p:spPr>
           <a:xfrm>
-            <a:off x="6226200" y="4098240"/>
-            <a:ext cx="5131080" cy="2075040"/>
+            <a:off x="6231960" y="3682080"/>
+            <a:ext cx="5354280" cy="1896840"/>
           </a:xfrm>
           <a:prstGeom prst="rect">
             <a:avLst/>
@@ -2034,23 +2047,23 @@
             <a:normAutofit/>
           </a:bodyPr>
           <a:p>
-            <a:endParaRPr b="0" lang="he-IL" sz="2800" spc="-1" strike="noStrike">
-              <a:solidFill>
-                <a:srgbClr val="000000"/>
-              </a:solidFill>
-              <a:uFill>
-                <a:solidFill>
-                  <a:srgbClr val="ffffff"/>
-                </a:solidFill>
-              </a:uFill>
-              <a:latin typeface="Calibri"/>
-            </a:endParaRPr>
-          </a:p>
-        </p:txBody>
-      </p:sp>
-      <p:sp>
-        <p:nvSpPr>
-          <p:cNvPr id="74" name="PlaceHolder 5"/>
+            <a:endParaRPr b="0" lang="en-US" sz="3200" spc="-1" strike="noStrike">
+              <a:solidFill>
+                <a:srgbClr val="000000"/>
+              </a:solidFill>
+              <a:uFill>
+                <a:solidFill>
+                  <a:srgbClr val="ffffff"/>
+                </a:solidFill>
+              </a:uFill>
+              <a:latin typeface="Arial"/>
+            </a:endParaRPr>
+          </a:p>
+        </p:txBody>
+      </p:sp>
+      <p:sp>
+        <p:nvSpPr>
+          <p:cNvPr id="68" name="PlaceHolder 5"/>
           <p:cNvSpPr>
             <a:spLocks noGrp="1"/>
           </p:cNvSpPr>
@@ -2060,8 +2073,8 @@
         </p:nvSpPr>
         <p:spPr>
           <a:xfrm>
-            <a:off x="838080" y="4098240"/>
-            <a:ext cx="5131080" cy="2075040"/>
+            <a:off x="609480" y="3682080"/>
+            <a:ext cx="5354280" cy="1896840"/>
           </a:xfrm>
           <a:prstGeom prst="rect">
             <a:avLst/>
@@ -2072,16 +2085,16 @@
             <a:normAutofit/>
           </a:bodyPr>
           <a:p>
-            <a:endParaRPr b="0" lang="he-IL" sz="2800" spc="-1" strike="noStrike">
-              <a:solidFill>
-                <a:srgbClr val="000000"/>
-              </a:solidFill>
-              <a:uFill>
-                <a:solidFill>
-                  <a:srgbClr val="ffffff"/>
-                </a:solidFill>
-              </a:uFill>
-              <a:latin typeface="Calibri"/>
+            <a:endParaRPr b="0" lang="en-US" sz="3200" spc="-1" strike="noStrike">
+              <a:solidFill>
+                <a:srgbClr val="000000"/>
+              </a:solidFill>
+              <a:uFill>
+                <a:solidFill>
+                  <a:srgbClr val="ffffff"/>
+                </a:solidFill>
+              </a:uFill>
+              <a:latin typeface="Arial"/>
             </a:endParaRPr>
           </a:p>
         </p:txBody>
@@ -2110,7 +2123,7 @@
       </p:grpSpPr>
       <p:sp>
         <p:nvSpPr>
-          <p:cNvPr id="75" name="PlaceHolder 1"/>
+          <p:cNvPr id="69" name="PlaceHolder 1"/>
           <p:cNvSpPr>
             <a:spLocks noGrp="1"/>
           </p:cNvSpPr>
@@ -2120,8 +2133,8 @@
         </p:nvSpPr>
         <p:spPr>
           <a:xfrm>
-            <a:off x="838080" y="365040"/>
-            <a:ext cx="10515240" cy="1325160"/>
+            <a:off x="609480" y="273600"/>
+            <a:ext cx="10972440" cy="1144800"/>
           </a:xfrm>
           <a:prstGeom prst="rect">
             <a:avLst/>
@@ -2130,23 +2143,24 @@
         <p:txBody>
           <a:bodyPr lIns="0" rIns="0" tIns="0" bIns="0" anchor="ctr"/>
           <a:p>
-            <a:endParaRPr b="0" lang="he-IL" sz="1800" spc="-1" strike="noStrike">
-              <a:solidFill>
-                <a:srgbClr val="000000"/>
-              </a:solidFill>
-              <a:uFill>
-                <a:solidFill>
-                  <a:srgbClr val="ffffff"/>
-                </a:solidFill>
-              </a:uFill>
-              <a:latin typeface="Calibri"/>
-            </a:endParaRPr>
-          </a:p>
-        </p:txBody>
-      </p:sp>
-      <p:sp>
-        <p:nvSpPr>
-          <p:cNvPr id="76" name="PlaceHolder 2"/>
+            <a:pPr algn="ctr"/>
+            <a:endParaRPr b="0" lang="en-US" sz="4400" spc="-1" strike="noStrike">
+              <a:solidFill>
+                <a:srgbClr val="000000"/>
+              </a:solidFill>
+              <a:uFill>
+                <a:solidFill>
+                  <a:srgbClr val="ffffff"/>
+                </a:solidFill>
+              </a:uFill>
+              <a:latin typeface="Arial"/>
+            </a:endParaRPr>
+          </a:p>
+        </p:txBody>
+      </p:sp>
+      <p:sp>
+        <p:nvSpPr>
+          <p:cNvPr id="70" name="PlaceHolder 2"/>
           <p:cNvSpPr>
             <a:spLocks noGrp="1"/>
           </p:cNvSpPr>
@@ -2156,8 +2170,8 @@
         </p:nvSpPr>
         <p:spPr>
           <a:xfrm>
-            <a:off x="838080" y="1825560"/>
-            <a:ext cx="3385800" cy="2075040"/>
+            <a:off x="609480" y="1604520"/>
+            <a:ext cx="3533040" cy="1896840"/>
           </a:xfrm>
           <a:prstGeom prst="rect">
             <a:avLst/>
@@ -2168,23 +2182,23 @@
             <a:normAutofit/>
           </a:bodyPr>
           <a:p>
-            <a:endParaRPr b="0" lang="he-IL" sz="2800" spc="-1" strike="noStrike">
-              <a:solidFill>
-                <a:srgbClr val="000000"/>
-              </a:solidFill>
-              <a:uFill>
-                <a:solidFill>
-                  <a:srgbClr val="ffffff"/>
-                </a:solidFill>
-              </a:uFill>
-              <a:latin typeface="Calibri"/>
-            </a:endParaRPr>
-          </a:p>
-        </p:txBody>
-      </p:sp>
-      <p:sp>
-        <p:nvSpPr>
-          <p:cNvPr id="77" name="PlaceHolder 3"/>
+            <a:endParaRPr b="0" lang="en-US" sz="3200" spc="-1" strike="noStrike">
+              <a:solidFill>
+                <a:srgbClr val="000000"/>
+              </a:solidFill>
+              <a:uFill>
+                <a:solidFill>
+                  <a:srgbClr val="ffffff"/>
+                </a:solidFill>
+              </a:uFill>
+              <a:latin typeface="Arial"/>
+            </a:endParaRPr>
+          </a:p>
+        </p:txBody>
+      </p:sp>
+      <p:sp>
+        <p:nvSpPr>
+          <p:cNvPr id="71" name="PlaceHolder 3"/>
           <p:cNvSpPr>
             <a:spLocks noGrp="1"/>
           </p:cNvSpPr>
@@ -2194,8 +2208,8 @@
         </p:nvSpPr>
         <p:spPr>
           <a:xfrm>
-            <a:off x="4393440" y="1825560"/>
-            <a:ext cx="3385800" cy="2075040"/>
+            <a:off x="4319640" y="1604520"/>
+            <a:ext cx="3533040" cy="1896840"/>
           </a:xfrm>
           <a:prstGeom prst="rect">
             <a:avLst/>
@@ -2206,23 +2220,23 @@
             <a:normAutofit/>
           </a:bodyPr>
           <a:p>
-            <a:endParaRPr b="0" lang="he-IL" sz="2800" spc="-1" strike="noStrike">
-              <a:solidFill>
-                <a:srgbClr val="000000"/>
-              </a:solidFill>
-              <a:uFill>
-                <a:solidFill>
-                  <a:srgbClr val="ffffff"/>
-                </a:solidFill>
-              </a:uFill>
-              <a:latin typeface="Calibri"/>
-            </a:endParaRPr>
-          </a:p>
-        </p:txBody>
-      </p:sp>
-      <p:sp>
-        <p:nvSpPr>
-          <p:cNvPr id="78" name="PlaceHolder 4"/>
+            <a:endParaRPr b="0" lang="en-US" sz="3200" spc="-1" strike="noStrike">
+              <a:solidFill>
+                <a:srgbClr val="000000"/>
+              </a:solidFill>
+              <a:uFill>
+                <a:solidFill>
+                  <a:srgbClr val="ffffff"/>
+                </a:solidFill>
+              </a:uFill>
+              <a:latin typeface="Arial"/>
+            </a:endParaRPr>
+          </a:p>
+        </p:txBody>
+      </p:sp>
+      <p:sp>
+        <p:nvSpPr>
+          <p:cNvPr id="72" name="PlaceHolder 4"/>
           <p:cNvSpPr>
             <a:spLocks noGrp="1"/>
           </p:cNvSpPr>
@@ -2232,8 +2246,8 @@
         </p:nvSpPr>
         <p:spPr>
           <a:xfrm>
-            <a:off x="7949160" y="1825560"/>
-            <a:ext cx="3385800" cy="2075040"/>
+            <a:off x="8029800" y="1604520"/>
+            <a:ext cx="3533040" cy="1896840"/>
           </a:xfrm>
           <a:prstGeom prst="rect">
             <a:avLst/>
@@ -2244,23 +2258,23 @@
             <a:normAutofit/>
           </a:bodyPr>
           <a:p>
-            <a:endParaRPr b="0" lang="he-IL" sz="2800" spc="-1" strike="noStrike">
-              <a:solidFill>
-                <a:srgbClr val="000000"/>
-              </a:solidFill>
-              <a:uFill>
-                <a:solidFill>
-                  <a:srgbClr val="ffffff"/>
-                </a:solidFill>
-              </a:uFill>
-              <a:latin typeface="Calibri"/>
-            </a:endParaRPr>
-          </a:p>
-        </p:txBody>
-      </p:sp>
-      <p:sp>
-        <p:nvSpPr>
-          <p:cNvPr id="79" name="PlaceHolder 5"/>
+            <a:endParaRPr b="0" lang="en-US" sz="3200" spc="-1" strike="noStrike">
+              <a:solidFill>
+                <a:srgbClr val="000000"/>
+              </a:solidFill>
+              <a:uFill>
+                <a:solidFill>
+                  <a:srgbClr val="ffffff"/>
+                </a:solidFill>
+              </a:uFill>
+              <a:latin typeface="Arial"/>
+            </a:endParaRPr>
+          </a:p>
+        </p:txBody>
+      </p:sp>
+      <p:sp>
+        <p:nvSpPr>
+          <p:cNvPr id="73" name="PlaceHolder 5"/>
           <p:cNvSpPr>
             <a:spLocks noGrp="1"/>
           </p:cNvSpPr>
@@ -2270,8 +2284,8 @@
         </p:nvSpPr>
         <p:spPr>
           <a:xfrm>
-            <a:off x="7949160" y="4098240"/>
-            <a:ext cx="3385800" cy="2075040"/>
+            <a:off x="8029800" y="3682080"/>
+            <a:ext cx="3533040" cy="1896840"/>
           </a:xfrm>
           <a:prstGeom prst="rect">
             <a:avLst/>
@@ -2282,23 +2296,23 @@
             <a:normAutofit/>
           </a:bodyPr>
           <a:p>
-            <a:endParaRPr b="0" lang="he-IL" sz="2800" spc="-1" strike="noStrike">
-              <a:solidFill>
-                <a:srgbClr val="000000"/>
-              </a:solidFill>
-              <a:uFill>
-                <a:solidFill>
-                  <a:srgbClr val="ffffff"/>
-                </a:solidFill>
-              </a:uFill>
-              <a:latin typeface="Calibri"/>
-            </a:endParaRPr>
-          </a:p>
-        </p:txBody>
-      </p:sp>
-      <p:sp>
-        <p:nvSpPr>
-          <p:cNvPr id="80" name="PlaceHolder 6"/>
+            <a:endParaRPr b="0" lang="en-US" sz="3200" spc="-1" strike="noStrike">
+              <a:solidFill>
+                <a:srgbClr val="000000"/>
+              </a:solidFill>
+              <a:uFill>
+                <a:solidFill>
+                  <a:srgbClr val="ffffff"/>
+                </a:solidFill>
+              </a:uFill>
+              <a:latin typeface="Arial"/>
+            </a:endParaRPr>
+          </a:p>
+        </p:txBody>
+      </p:sp>
+      <p:sp>
+        <p:nvSpPr>
+          <p:cNvPr id="74" name="PlaceHolder 6"/>
           <p:cNvSpPr>
             <a:spLocks noGrp="1"/>
           </p:cNvSpPr>
@@ -2308,8 +2322,8 @@
         </p:nvSpPr>
         <p:spPr>
           <a:xfrm>
-            <a:off x="4393440" y="4098240"/>
-            <a:ext cx="3385800" cy="2075040"/>
+            <a:off x="4319640" y="3682080"/>
+            <a:ext cx="3533040" cy="1896840"/>
           </a:xfrm>
           <a:prstGeom prst="rect">
             <a:avLst/>
@@ -2320,23 +2334,23 @@
             <a:normAutofit/>
           </a:bodyPr>
           <a:p>
-            <a:endParaRPr b="0" lang="he-IL" sz="2800" spc="-1" strike="noStrike">
-              <a:solidFill>
-                <a:srgbClr val="000000"/>
-              </a:solidFill>
-              <a:uFill>
-                <a:solidFill>
-                  <a:srgbClr val="ffffff"/>
-                </a:solidFill>
-              </a:uFill>
-              <a:latin typeface="Calibri"/>
-            </a:endParaRPr>
-          </a:p>
-        </p:txBody>
-      </p:sp>
-      <p:sp>
-        <p:nvSpPr>
-          <p:cNvPr id="81" name="PlaceHolder 7"/>
+            <a:endParaRPr b="0" lang="en-US" sz="3200" spc="-1" strike="noStrike">
+              <a:solidFill>
+                <a:srgbClr val="000000"/>
+              </a:solidFill>
+              <a:uFill>
+                <a:solidFill>
+                  <a:srgbClr val="ffffff"/>
+                </a:solidFill>
+              </a:uFill>
+              <a:latin typeface="Arial"/>
+            </a:endParaRPr>
+          </a:p>
+        </p:txBody>
+      </p:sp>
+      <p:sp>
+        <p:nvSpPr>
+          <p:cNvPr id="75" name="PlaceHolder 7"/>
           <p:cNvSpPr>
             <a:spLocks noGrp="1"/>
           </p:cNvSpPr>
@@ -2346,8 +2360,8 @@
         </p:nvSpPr>
         <p:spPr>
           <a:xfrm>
-            <a:off x="838080" y="4098240"/>
-            <a:ext cx="3385800" cy="2075040"/>
+            <a:off x="609480" y="3682080"/>
+            <a:ext cx="3533040" cy="1896840"/>
           </a:xfrm>
           <a:prstGeom prst="rect">
             <a:avLst/>
@@ -2358,16 +2372,16 @@
             <a:normAutofit/>
           </a:bodyPr>
           <a:p>
-            <a:endParaRPr b="0" lang="he-IL" sz="2800" spc="-1" strike="noStrike">
-              <a:solidFill>
-                <a:srgbClr val="000000"/>
-              </a:solidFill>
-              <a:uFill>
-                <a:solidFill>
-                  <a:srgbClr val="ffffff"/>
-                </a:solidFill>
-              </a:uFill>
-              <a:latin typeface="Calibri"/>
+            <a:endParaRPr b="0" lang="en-US" sz="3200" spc="-1" strike="noStrike">
+              <a:solidFill>
+                <a:srgbClr val="000000"/>
+              </a:solidFill>
+              <a:uFill>
+                <a:solidFill>
+                  <a:srgbClr val="ffffff"/>
+                </a:solidFill>
+              </a:uFill>
+              <a:latin typeface="Arial"/>
             </a:endParaRPr>
           </a:p>
         </p:txBody>
@@ -2396,7 +2410,7 @@
       </p:grpSpPr>
       <p:sp>
         <p:nvSpPr>
-          <p:cNvPr id="7" name="PlaceHolder 1"/>
+          <p:cNvPr id="4" name="PlaceHolder 1"/>
           <p:cNvSpPr>
             <a:spLocks noGrp="1"/>
           </p:cNvSpPr>
@@ -2406,8 +2420,8 @@
         </p:nvSpPr>
         <p:spPr>
           <a:xfrm>
-            <a:off x="838080" y="365040"/>
-            <a:ext cx="10515240" cy="1325160"/>
+            <a:off x="609480" y="273600"/>
+            <a:ext cx="10972440" cy="1144800"/>
           </a:xfrm>
           <a:prstGeom prst="rect">
             <a:avLst/>
@@ -2416,23 +2430,24 @@
         <p:txBody>
           <a:bodyPr lIns="0" rIns="0" tIns="0" bIns="0" anchor="ctr"/>
           <a:p>
-            <a:endParaRPr b="0" lang="he-IL" sz="1800" spc="-1" strike="noStrike">
-              <a:solidFill>
-                <a:srgbClr val="000000"/>
-              </a:solidFill>
-              <a:uFill>
-                <a:solidFill>
-                  <a:srgbClr val="ffffff"/>
-                </a:solidFill>
-              </a:uFill>
-              <a:latin typeface="Calibri"/>
-            </a:endParaRPr>
-          </a:p>
-        </p:txBody>
-      </p:sp>
-      <p:sp>
-        <p:nvSpPr>
-          <p:cNvPr id="8" name="PlaceHolder 2"/>
+            <a:pPr algn="ctr"/>
+            <a:endParaRPr b="0" lang="en-US" sz="4400" spc="-1" strike="noStrike">
+              <a:solidFill>
+                <a:srgbClr val="000000"/>
+              </a:solidFill>
+              <a:uFill>
+                <a:solidFill>
+                  <a:srgbClr val="ffffff"/>
+                </a:solidFill>
+              </a:uFill>
+              <a:latin typeface="Arial"/>
+            </a:endParaRPr>
+          </a:p>
+        </p:txBody>
+      </p:sp>
+      <p:sp>
+        <p:nvSpPr>
+          <p:cNvPr id="5" name="PlaceHolder 2"/>
           <p:cNvSpPr>
             <a:spLocks noGrp="1"/>
           </p:cNvSpPr>
@@ -2442,8 +2457,8 @@
         </p:nvSpPr>
         <p:spPr>
           <a:xfrm>
-            <a:off x="838080" y="1825560"/>
-            <a:ext cx="10515240" cy="4350960"/>
+            <a:off x="609480" y="1604520"/>
+            <a:ext cx="10972440" cy="3977280"/>
           </a:xfrm>
           <a:prstGeom prst="rect">
             <a:avLst/>
@@ -2454,16 +2469,16 @@
             <a:normAutofit/>
           </a:bodyPr>
           <a:p>
-            <a:endParaRPr b="0" lang="he-IL" sz="2800" spc="-1" strike="noStrike">
-              <a:solidFill>
-                <a:srgbClr val="000000"/>
-              </a:solidFill>
-              <a:uFill>
-                <a:solidFill>
-                  <a:srgbClr val="ffffff"/>
-                </a:solidFill>
-              </a:uFill>
-              <a:latin typeface="Calibri"/>
+            <a:endParaRPr b="0" lang="en-US" sz="3200" spc="-1" strike="noStrike">
+              <a:solidFill>
+                <a:srgbClr val="000000"/>
+              </a:solidFill>
+              <a:uFill>
+                <a:solidFill>
+                  <a:srgbClr val="ffffff"/>
+                </a:solidFill>
+              </a:uFill>
+              <a:latin typeface="Arial"/>
             </a:endParaRPr>
           </a:p>
         </p:txBody>
@@ -2492,7 +2507,7 @@
       </p:grpSpPr>
       <p:sp>
         <p:nvSpPr>
-          <p:cNvPr id="9" name="PlaceHolder 1"/>
+          <p:cNvPr id="6" name="PlaceHolder 1"/>
           <p:cNvSpPr>
             <a:spLocks noGrp="1"/>
           </p:cNvSpPr>
@@ -2502,8 +2517,8 @@
         </p:nvSpPr>
         <p:spPr>
           <a:xfrm>
-            <a:off x="838080" y="365040"/>
-            <a:ext cx="10515240" cy="1325160"/>
+            <a:off x="609480" y="273600"/>
+            <a:ext cx="10972440" cy="1144800"/>
           </a:xfrm>
           <a:prstGeom prst="rect">
             <a:avLst/>
@@ -2512,23 +2527,24 @@
         <p:txBody>
           <a:bodyPr lIns="0" rIns="0" tIns="0" bIns="0" anchor="ctr"/>
           <a:p>
-            <a:endParaRPr b="0" lang="he-IL" sz="1800" spc="-1" strike="noStrike">
-              <a:solidFill>
-                <a:srgbClr val="000000"/>
-              </a:solidFill>
-              <a:uFill>
-                <a:solidFill>
-                  <a:srgbClr val="ffffff"/>
-                </a:solidFill>
-              </a:uFill>
-              <a:latin typeface="Calibri"/>
-            </a:endParaRPr>
-          </a:p>
-        </p:txBody>
-      </p:sp>
-      <p:sp>
-        <p:nvSpPr>
-          <p:cNvPr id="10" name="PlaceHolder 2"/>
+            <a:pPr algn="ctr"/>
+            <a:endParaRPr b="0" lang="en-US" sz="4400" spc="-1" strike="noStrike">
+              <a:solidFill>
+                <a:srgbClr val="000000"/>
+              </a:solidFill>
+              <a:uFill>
+                <a:solidFill>
+                  <a:srgbClr val="ffffff"/>
+                </a:solidFill>
+              </a:uFill>
+              <a:latin typeface="Arial"/>
+            </a:endParaRPr>
+          </a:p>
+        </p:txBody>
+      </p:sp>
+      <p:sp>
+        <p:nvSpPr>
+          <p:cNvPr id="7" name="PlaceHolder 2"/>
           <p:cNvSpPr>
             <a:spLocks noGrp="1"/>
           </p:cNvSpPr>
@@ -2538,8 +2554,8 @@
         </p:nvSpPr>
         <p:spPr>
           <a:xfrm>
-            <a:off x="838080" y="1825560"/>
-            <a:ext cx="5131080" cy="4350960"/>
+            <a:off x="609480" y="1604520"/>
+            <a:ext cx="5354280" cy="3977280"/>
           </a:xfrm>
           <a:prstGeom prst="rect">
             <a:avLst/>
@@ -2550,23 +2566,23 @@
             <a:normAutofit/>
           </a:bodyPr>
           <a:p>
-            <a:endParaRPr b="0" lang="he-IL" sz="2800" spc="-1" strike="noStrike">
-              <a:solidFill>
-                <a:srgbClr val="000000"/>
-              </a:solidFill>
-              <a:uFill>
-                <a:solidFill>
-                  <a:srgbClr val="ffffff"/>
-                </a:solidFill>
-              </a:uFill>
-              <a:latin typeface="Calibri"/>
-            </a:endParaRPr>
-          </a:p>
-        </p:txBody>
-      </p:sp>
-      <p:sp>
-        <p:nvSpPr>
-          <p:cNvPr id="11" name="PlaceHolder 3"/>
+            <a:endParaRPr b="0" lang="en-US" sz="3200" spc="-1" strike="noStrike">
+              <a:solidFill>
+                <a:srgbClr val="000000"/>
+              </a:solidFill>
+              <a:uFill>
+                <a:solidFill>
+                  <a:srgbClr val="ffffff"/>
+                </a:solidFill>
+              </a:uFill>
+              <a:latin typeface="Arial"/>
+            </a:endParaRPr>
+          </a:p>
+        </p:txBody>
+      </p:sp>
+      <p:sp>
+        <p:nvSpPr>
+          <p:cNvPr id="8" name="PlaceHolder 3"/>
           <p:cNvSpPr>
             <a:spLocks noGrp="1"/>
           </p:cNvSpPr>
@@ -2576,8 +2592,8 @@
         </p:nvSpPr>
         <p:spPr>
           <a:xfrm>
-            <a:off x="6226200" y="1825560"/>
-            <a:ext cx="5131080" cy="4350960"/>
+            <a:off x="6231960" y="1604520"/>
+            <a:ext cx="5354280" cy="3977280"/>
           </a:xfrm>
           <a:prstGeom prst="rect">
             <a:avLst/>
@@ -2588,16 +2604,16 @@
             <a:normAutofit/>
           </a:bodyPr>
           <a:p>
-            <a:endParaRPr b="0" lang="he-IL" sz="2800" spc="-1" strike="noStrike">
-              <a:solidFill>
-                <a:srgbClr val="000000"/>
-              </a:solidFill>
-              <a:uFill>
-                <a:solidFill>
-                  <a:srgbClr val="ffffff"/>
-                </a:solidFill>
-              </a:uFill>
-              <a:latin typeface="Calibri"/>
+            <a:endParaRPr b="0" lang="en-US" sz="3200" spc="-1" strike="noStrike">
+              <a:solidFill>
+                <a:srgbClr val="000000"/>
+              </a:solidFill>
+              <a:uFill>
+                <a:solidFill>
+                  <a:srgbClr val="ffffff"/>
+                </a:solidFill>
+              </a:uFill>
+              <a:latin typeface="Arial"/>
             </a:endParaRPr>
           </a:p>
         </p:txBody>
@@ -2626,7 +2642,7 @@
       </p:grpSpPr>
       <p:sp>
         <p:nvSpPr>
-          <p:cNvPr id="12" name="PlaceHolder 1"/>
+          <p:cNvPr id="9" name="PlaceHolder 1"/>
           <p:cNvSpPr>
             <a:spLocks noGrp="1"/>
           </p:cNvSpPr>
@@ -2636,8 +2652,8 @@
         </p:nvSpPr>
         <p:spPr>
           <a:xfrm>
-            <a:off x="838080" y="365040"/>
-            <a:ext cx="10515240" cy="1325160"/>
+            <a:off x="609480" y="273600"/>
+            <a:ext cx="10972440" cy="1144800"/>
           </a:xfrm>
           <a:prstGeom prst="rect">
             <a:avLst/>
@@ -2646,16 +2662,17 @@
         <p:txBody>
           <a:bodyPr lIns="0" rIns="0" tIns="0" bIns="0" anchor="ctr"/>
           <a:p>
-            <a:endParaRPr b="0" lang="he-IL" sz="1800" spc="-1" strike="noStrike">
-              <a:solidFill>
-                <a:srgbClr val="000000"/>
-              </a:solidFill>
-              <a:uFill>
-                <a:solidFill>
-                  <a:srgbClr val="ffffff"/>
-                </a:solidFill>
-              </a:uFill>
-              <a:latin typeface="Calibri"/>
+            <a:pPr algn="ctr"/>
+            <a:endParaRPr b="0" lang="en-US" sz="4400" spc="-1" strike="noStrike">
+              <a:solidFill>
+                <a:srgbClr val="000000"/>
+              </a:solidFill>
+              <a:uFill>
+                <a:solidFill>
+                  <a:srgbClr val="ffffff"/>
+                </a:solidFill>
+              </a:uFill>
+              <a:latin typeface="Arial"/>
             </a:endParaRPr>
           </a:p>
         </p:txBody>
@@ -2684,7 +2701,7 @@
       </p:grpSpPr>
       <p:sp>
         <p:nvSpPr>
-          <p:cNvPr id="13" name="PlaceHolder 1"/>
+          <p:cNvPr id="10" name="PlaceHolder 1"/>
           <p:cNvSpPr>
             <a:spLocks noGrp="1"/>
           </p:cNvSpPr>
@@ -2694,8 +2711,8 @@
         </p:nvSpPr>
         <p:spPr>
           <a:xfrm>
-            <a:off x="838080" y="365040"/>
-            <a:ext cx="10515240" cy="6144120"/>
+            <a:off x="609480" y="273600"/>
+            <a:ext cx="10972440" cy="5307840"/>
           </a:xfrm>
           <a:prstGeom prst="rect">
             <a:avLst/>
@@ -2743,7 +2760,7 @@
       </p:grpSpPr>
       <p:sp>
         <p:nvSpPr>
-          <p:cNvPr id="14" name="PlaceHolder 1"/>
+          <p:cNvPr id="11" name="PlaceHolder 1"/>
           <p:cNvSpPr>
             <a:spLocks noGrp="1"/>
           </p:cNvSpPr>
@@ -2753,8 +2770,8 @@
         </p:nvSpPr>
         <p:spPr>
           <a:xfrm>
-            <a:off x="838080" y="365040"/>
-            <a:ext cx="10515240" cy="1325160"/>
+            <a:off x="609480" y="273600"/>
+            <a:ext cx="10972440" cy="1144800"/>
           </a:xfrm>
           <a:prstGeom prst="rect">
             <a:avLst/>
@@ -2763,23 +2780,24 @@
         <p:txBody>
           <a:bodyPr lIns="0" rIns="0" tIns="0" bIns="0" anchor="ctr"/>
           <a:p>
-            <a:endParaRPr b="0" lang="he-IL" sz="1800" spc="-1" strike="noStrike">
-              <a:solidFill>
-                <a:srgbClr val="000000"/>
-              </a:solidFill>
-              <a:uFill>
-                <a:solidFill>
-                  <a:srgbClr val="ffffff"/>
-                </a:solidFill>
-              </a:uFill>
-              <a:latin typeface="Calibri"/>
-            </a:endParaRPr>
-          </a:p>
-        </p:txBody>
-      </p:sp>
-      <p:sp>
-        <p:nvSpPr>
-          <p:cNvPr id="15" name="PlaceHolder 2"/>
+            <a:pPr algn="ctr"/>
+            <a:endParaRPr b="0" lang="en-US" sz="4400" spc="-1" strike="noStrike">
+              <a:solidFill>
+                <a:srgbClr val="000000"/>
+              </a:solidFill>
+              <a:uFill>
+                <a:solidFill>
+                  <a:srgbClr val="ffffff"/>
+                </a:solidFill>
+              </a:uFill>
+              <a:latin typeface="Arial"/>
+            </a:endParaRPr>
+          </a:p>
+        </p:txBody>
+      </p:sp>
+      <p:sp>
+        <p:nvSpPr>
+          <p:cNvPr id="12" name="PlaceHolder 2"/>
           <p:cNvSpPr>
             <a:spLocks noGrp="1"/>
           </p:cNvSpPr>
@@ -2789,8 +2807,8 @@
         </p:nvSpPr>
         <p:spPr>
           <a:xfrm>
-            <a:off x="838080" y="1825560"/>
-            <a:ext cx="5131080" cy="2075040"/>
+            <a:off x="609480" y="1604520"/>
+            <a:ext cx="5354280" cy="1896840"/>
           </a:xfrm>
           <a:prstGeom prst="rect">
             <a:avLst/>
@@ -2801,23 +2819,23 @@
             <a:normAutofit/>
           </a:bodyPr>
           <a:p>
-            <a:endParaRPr b="0" lang="he-IL" sz="2800" spc="-1" strike="noStrike">
-              <a:solidFill>
-                <a:srgbClr val="000000"/>
-              </a:solidFill>
-              <a:uFill>
-                <a:solidFill>
-                  <a:srgbClr val="ffffff"/>
-                </a:solidFill>
-              </a:uFill>
-              <a:latin typeface="Calibri"/>
-            </a:endParaRPr>
-          </a:p>
-        </p:txBody>
-      </p:sp>
-      <p:sp>
-        <p:nvSpPr>
-          <p:cNvPr id="16" name="PlaceHolder 3"/>
+            <a:endParaRPr b="0" lang="en-US" sz="3200" spc="-1" strike="noStrike">
+              <a:solidFill>
+                <a:srgbClr val="000000"/>
+              </a:solidFill>
+              <a:uFill>
+                <a:solidFill>
+                  <a:srgbClr val="ffffff"/>
+                </a:solidFill>
+              </a:uFill>
+              <a:latin typeface="Arial"/>
+            </a:endParaRPr>
+          </a:p>
+        </p:txBody>
+      </p:sp>
+      <p:sp>
+        <p:nvSpPr>
+          <p:cNvPr id="13" name="PlaceHolder 3"/>
           <p:cNvSpPr>
             <a:spLocks noGrp="1"/>
           </p:cNvSpPr>
@@ -2827,8 +2845,8 @@
         </p:nvSpPr>
         <p:spPr>
           <a:xfrm>
-            <a:off x="838080" y="4098240"/>
-            <a:ext cx="5131080" cy="2075040"/>
+            <a:off x="609480" y="3682080"/>
+            <a:ext cx="5354280" cy="1896840"/>
           </a:xfrm>
           <a:prstGeom prst="rect">
             <a:avLst/>
@@ -2839,23 +2857,23 @@
             <a:normAutofit/>
           </a:bodyPr>
           <a:p>
-            <a:endParaRPr b="0" lang="he-IL" sz="2800" spc="-1" strike="noStrike">
-              <a:solidFill>
-                <a:srgbClr val="000000"/>
-              </a:solidFill>
-              <a:uFill>
-                <a:solidFill>
-                  <a:srgbClr val="ffffff"/>
-                </a:solidFill>
-              </a:uFill>
-              <a:latin typeface="Calibri"/>
-            </a:endParaRPr>
-          </a:p>
-        </p:txBody>
-      </p:sp>
-      <p:sp>
-        <p:nvSpPr>
-          <p:cNvPr id="17" name="PlaceHolder 4"/>
+            <a:endParaRPr b="0" lang="en-US" sz="3200" spc="-1" strike="noStrike">
+              <a:solidFill>
+                <a:srgbClr val="000000"/>
+              </a:solidFill>
+              <a:uFill>
+                <a:solidFill>
+                  <a:srgbClr val="ffffff"/>
+                </a:solidFill>
+              </a:uFill>
+              <a:latin typeface="Arial"/>
+            </a:endParaRPr>
+          </a:p>
+        </p:txBody>
+      </p:sp>
+      <p:sp>
+        <p:nvSpPr>
+          <p:cNvPr id="14" name="PlaceHolder 4"/>
           <p:cNvSpPr>
             <a:spLocks noGrp="1"/>
           </p:cNvSpPr>
@@ -2865,8 +2883,8 @@
         </p:nvSpPr>
         <p:spPr>
           <a:xfrm>
-            <a:off x="6226200" y="1825560"/>
-            <a:ext cx="5131080" cy="4350960"/>
+            <a:off x="6231960" y="1604520"/>
+            <a:ext cx="5354280" cy="3977280"/>
           </a:xfrm>
           <a:prstGeom prst="rect">
             <a:avLst/>
@@ -2877,16 +2895,16 @@
             <a:normAutofit/>
           </a:bodyPr>
           <a:p>
-            <a:endParaRPr b="0" lang="he-IL" sz="2800" spc="-1" strike="noStrike">
-              <a:solidFill>
-                <a:srgbClr val="000000"/>
-              </a:solidFill>
-              <a:uFill>
-                <a:solidFill>
-                  <a:srgbClr val="ffffff"/>
-                </a:solidFill>
-              </a:uFill>
-              <a:latin typeface="Calibri"/>
+            <a:endParaRPr b="0" lang="en-US" sz="3200" spc="-1" strike="noStrike">
+              <a:solidFill>
+                <a:srgbClr val="000000"/>
+              </a:solidFill>
+              <a:uFill>
+                <a:solidFill>
+                  <a:srgbClr val="ffffff"/>
+                </a:solidFill>
+              </a:uFill>
+              <a:latin typeface="Arial"/>
             </a:endParaRPr>
           </a:p>
         </p:txBody>
@@ -2915,7 +2933,7 @@
       </p:grpSpPr>
       <p:sp>
         <p:nvSpPr>
-          <p:cNvPr id="18" name="PlaceHolder 1"/>
+          <p:cNvPr id="15" name="PlaceHolder 1"/>
           <p:cNvSpPr>
             <a:spLocks noGrp="1"/>
           </p:cNvSpPr>
@@ -2925,8 +2943,8 @@
         </p:nvSpPr>
         <p:spPr>
           <a:xfrm>
-            <a:off x="838080" y="365040"/>
-            <a:ext cx="10515240" cy="1325160"/>
+            <a:off x="609480" y="273600"/>
+            <a:ext cx="10972440" cy="1144800"/>
           </a:xfrm>
           <a:prstGeom prst="rect">
             <a:avLst/>
@@ -2935,23 +2953,24 @@
         <p:txBody>
           <a:bodyPr lIns="0" rIns="0" tIns="0" bIns="0" anchor="ctr"/>
           <a:p>
-            <a:endParaRPr b="0" lang="he-IL" sz="1800" spc="-1" strike="noStrike">
-              <a:solidFill>
-                <a:srgbClr val="000000"/>
-              </a:solidFill>
-              <a:uFill>
-                <a:solidFill>
-                  <a:srgbClr val="ffffff"/>
-                </a:solidFill>
-              </a:uFill>
-              <a:latin typeface="Calibri"/>
-            </a:endParaRPr>
-          </a:p>
-        </p:txBody>
-      </p:sp>
-      <p:sp>
-        <p:nvSpPr>
-          <p:cNvPr id="19" name="PlaceHolder 2"/>
+            <a:pPr algn="ctr"/>
+            <a:endParaRPr b="0" lang="en-US" sz="4400" spc="-1" strike="noStrike">
+              <a:solidFill>
+                <a:srgbClr val="000000"/>
+              </a:solidFill>
+              <a:uFill>
+                <a:solidFill>
+                  <a:srgbClr val="ffffff"/>
+                </a:solidFill>
+              </a:uFill>
+              <a:latin typeface="Arial"/>
+            </a:endParaRPr>
+          </a:p>
+        </p:txBody>
+      </p:sp>
+      <p:sp>
+        <p:nvSpPr>
+          <p:cNvPr id="16" name="PlaceHolder 2"/>
           <p:cNvSpPr>
             <a:spLocks noGrp="1"/>
           </p:cNvSpPr>
@@ -2961,8 +2980,8 @@
         </p:nvSpPr>
         <p:spPr>
           <a:xfrm>
-            <a:off x="838080" y="1825560"/>
-            <a:ext cx="5131080" cy="4350960"/>
+            <a:off x="609480" y="1604520"/>
+            <a:ext cx="5354280" cy="3977280"/>
           </a:xfrm>
           <a:prstGeom prst="rect">
             <a:avLst/>
@@ -2973,23 +2992,23 @@
             <a:normAutofit/>
           </a:bodyPr>
           <a:p>
-            <a:endParaRPr b="0" lang="he-IL" sz="2800" spc="-1" strike="noStrike">
-              <a:solidFill>
-                <a:srgbClr val="000000"/>
-              </a:solidFill>
-              <a:uFill>
-                <a:solidFill>
-                  <a:srgbClr val="ffffff"/>
-                </a:solidFill>
-              </a:uFill>
-              <a:latin typeface="Calibri"/>
-            </a:endParaRPr>
-          </a:p>
-        </p:txBody>
-      </p:sp>
-      <p:sp>
-        <p:nvSpPr>
-          <p:cNvPr id="20" name="PlaceHolder 3"/>
+            <a:endParaRPr b="0" lang="en-US" sz="3200" spc="-1" strike="noStrike">
+              <a:solidFill>
+                <a:srgbClr val="000000"/>
+              </a:solidFill>
+              <a:uFill>
+                <a:solidFill>
+                  <a:srgbClr val="ffffff"/>
+                </a:solidFill>
+              </a:uFill>
+              <a:latin typeface="Arial"/>
+            </a:endParaRPr>
+          </a:p>
+        </p:txBody>
+      </p:sp>
+      <p:sp>
+        <p:nvSpPr>
+          <p:cNvPr id="17" name="PlaceHolder 3"/>
           <p:cNvSpPr>
             <a:spLocks noGrp="1"/>
           </p:cNvSpPr>
@@ -2999,8 +3018,8 @@
         </p:nvSpPr>
         <p:spPr>
           <a:xfrm>
-            <a:off x="6226200" y="1825560"/>
-            <a:ext cx="5131080" cy="2075040"/>
+            <a:off x="6231960" y="1604520"/>
+            <a:ext cx="5354280" cy="1896840"/>
           </a:xfrm>
           <a:prstGeom prst="rect">
             <a:avLst/>
@@ -3011,23 +3030,23 @@
             <a:normAutofit/>
           </a:bodyPr>
           <a:p>
-            <a:endParaRPr b="0" lang="he-IL" sz="2800" spc="-1" strike="noStrike">
-              <a:solidFill>
-                <a:srgbClr val="000000"/>
-              </a:solidFill>
-              <a:uFill>
-                <a:solidFill>
-                  <a:srgbClr val="ffffff"/>
-                </a:solidFill>
-              </a:uFill>
-              <a:latin typeface="Calibri"/>
-            </a:endParaRPr>
-          </a:p>
-        </p:txBody>
-      </p:sp>
-      <p:sp>
-        <p:nvSpPr>
-          <p:cNvPr id="21" name="PlaceHolder 4"/>
+            <a:endParaRPr b="0" lang="en-US" sz="3200" spc="-1" strike="noStrike">
+              <a:solidFill>
+                <a:srgbClr val="000000"/>
+              </a:solidFill>
+              <a:uFill>
+                <a:solidFill>
+                  <a:srgbClr val="ffffff"/>
+                </a:solidFill>
+              </a:uFill>
+              <a:latin typeface="Arial"/>
+            </a:endParaRPr>
+          </a:p>
+        </p:txBody>
+      </p:sp>
+      <p:sp>
+        <p:nvSpPr>
+          <p:cNvPr id="18" name="PlaceHolder 4"/>
           <p:cNvSpPr>
             <a:spLocks noGrp="1"/>
           </p:cNvSpPr>
@@ -3037,8 +3056,8 @@
         </p:nvSpPr>
         <p:spPr>
           <a:xfrm>
-            <a:off x="6226200" y="4098240"/>
-            <a:ext cx="5131080" cy="2075040"/>
+            <a:off x="6231960" y="3682080"/>
+            <a:ext cx="5354280" cy="1896840"/>
           </a:xfrm>
           <a:prstGeom prst="rect">
             <a:avLst/>
@@ -3049,16 +3068,16 @@
             <a:normAutofit/>
           </a:bodyPr>
           <a:p>
-            <a:endParaRPr b="0" lang="he-IL" sz="2800" spc="-1" strike="noStrike">
-              <a:solidFill>
-                <a:srgbClr val="000000"/>
-              </a:solidFill>
-              <a:uFill>
-                <a:solidFill>
-                  <a:srgbClr val="ffffff"/>
-                </a:solidFill>
-              </a:uFill>
-              <a:latin typeface="Calibri"/>
+            <a:endParaRPr b="0" lang="en-US" sz="3200" spc="-1" strike="noStrike">
+              <a:solidFill>
+                <a:srgbClr val="000000"/>
+              </a:solidFill>
+              <a:uFill>
+                <a:solidFill>
+                  <a:srgbClr val="ffffff"/>
+                </a:solidFill>
+              </a:uFill>
+              <a:latin typeface="Arial"/>
             </a:endParaRPr>
           </a:p>
         </p:txBody>
@@ -3087,7 +3106,7 @@
       </p:grpSpPr>
       <p:sp>
         <p:nvSpPr>
-          <p:cNvPr id="22" name="PlaceHolder 1"/>
+          <p:cNvPr id="19" name="PlaceHolder 1"/>
           <p:cNvSpPr>
             <a:spLocks noGrp="1"/>
           </p:cNvSpPr>
@@ -3097,8 +3116,8 @@
         </p:nvSpPr>
         <p:spPr>
           <a:xfrm>
-            <a:off x="838080" y="365040"/>
-            <a:ext cx="10515240" cy="1325160"/>
+            <a:off x="609480" y="273600"/>
+            <a:ext cx="10972440" cy="1144800"/>
           </a:xfrm>
           <a:prstGeom prst="rect">
             <a:avLst/>
@@ -3107,23 +3126,24 @@
         <p:txBody>
           <a:bodyPr lIns="0" rIns="0" tIns="0" bIns="0" anchor="ctr"/>
           <a:p>
-            <a:endParaRPr b="0" lang="he-IL" sz="1800" spc="-1" strike="noStrike">
-              <a:solidFill>
-                <a:srgbClr val="000000"/>
-              </a:solidFill>
-              <a:uFill>
-                <a:solidFill>
-                  <a:srgbClr val="ffffff"/>
-                </a:solidFill>
-              </a:uFill>
-              <a:latin typeface="Calibri"/>
-            </a:endParaRPr>
-          </a:p>
-        </p:txBody>
-      </p:sp>
-      <p:sp>
-        <p:nvSpPr>
-          <p:cNvPr id="23" name="PlaceHolder 2"/>
+            <a:pPr algn="ctr"/>
+            <a:endParaRPr b="0" lang="en-US" sz="4400" spc="-1" strike="noStrike">
+              <a:solidFill>
+                <a:srgbClr val="000000"/>
+              </a:solidFill>
+              <a:uFill>
+                <a:solidFill>
+                  <a:srgbClr val="ffffff"/>
+                </a:solidFill>
+              </a:uFill>
+              <a:latin typeface="Arial"/>
+            </a:endParaRPr>
+          </a:p>
+        </p:txBody>
+      </p:sp>
+      <p:sp>
+        <p:nvSpPr>
+          <p:cNvPr id="20" name="PlaceHolder 2"/>
           <p:cNvSpPr>
             <a:spLocks noGrp="1"/>
           </p:cNvSpPr>
@@ -3133,8 +3153,8 @@
         </p:nvSpPr>
         <p:spPr>
           <a:xfrm>
-            <a:off x="838080" y="1825560"/>
-            <a:ext cx="5131080" cy="2075040"/>
+            <a:off x="609480" y="1604520"/>
+            <a:ext cx="5354280" cy="1896840"/>
           </a:xfrm>
           <a:prstGeom prst="rect">
             <a:avLst/>
@@ -3145,23 +3165,23 @@
             <a:normAutofit/>
           </a:bodyPr>
           <a:p>
-            <a:endParaRPr b="0" lang="he-IL" sz="2800" spc="-1" strike="noStrike">
-              <a:solidFill>
-                <a:srgbClr val="000000"/>
-              </a:solidFill>
-              <a:uFill>
-                <a:solidFill>
-                  <a:srgbClr val="ffffff"/>
-                </a:solidFill>
-              </a:uFill>
-              <a:latin typeface="Calibri"/>
-            </a:endParaRPr>
-          </a:p>
-        </p:txBody>
-      </p:sp>
-      <p:sp>
-        <p:nvSpPr>
-          <p:cNvPr id="24" name="PlaceHolder 3"/>
+            <a:endParaRPr b="0" lang="en-US" sz="3200" spc="-1" strike="noStrike">
+              <a:solidFill>
+                <a:srgbClr val="000000"/>
+              </a:solidFill>
+              <a:uFill>
+                <a:solidFill>
+                  <a:srgbClr val="ffffff"/>
+                </a:solidFill>
+              </a:uFill>
+              <a:latin typeface="Arial"/>
+            </a:endParaRPr>
+          </a:p>
+        </p:txBody>
+      </p:sp>
+      <p:sp>
+        <p:nvSpPr>
+          <p:cNvPr id="21" name="PlaceHolder 3"/>
           <p:cNvSpPr>
             <a:spLocks noGrp="1"/>
           </p:cNvSpPr>
@@ -3171,8 +3191,8 @@
         </p:nvSpPr>
         <p:spPr>
           <a:xfrm>
-            <a:off x="6226200" y="1825560"/>
-            <a:ext cx="5131080" cy="2075040"/>
+            <a:off x="6231960" y="1604520"/>
+            <a:ext cx="5354280" cy="1896840"/>
           </a:xfrm>
           <a:prstGeom prst="rect">
             <a:avLst/>
@@ -3183,23 +3203,23 @@
             <a:normAutofit/>
           </a:bodyPr>
           <a:p>
-            <a:endParaRPr b="0" lang="he-IL" sz="2800" spc="-1" strike="noStrike">
-              <a:solidFill>
-                <a:srgbClr val="000000"/>
-              </a:solidFill>
-              <a:uFill>
-                <a:solidFill>
-                  <a:srgbClr val="ffffff"/>
-                </a:solidFill>
-              </a:uFill>
-              <a:latin typeface="Calibri"/>
-            </a:endParaRPr>
-          </a:p>
-        </p:txBody>
-      </p:sp>
-      <p:sp>
-        <p:nvSpPr>
-          <p:cNvPr id="25" name="PlaceHolder 4"/>
+            <a:endParaRPr b="0" lang="en-US" sz="3200" spc="-1" strike="noStrike">
+              <a:solidFill>
+                <a:srgbClr val="000000"/>
+              </a:solidFill>
+              <a:uFill>
+                <a:solidFill>
+                  <a:srgbClr val="ffffff"/>
+                </a:solidFill>
+              </a:uFill>
+              <a:latin typeface="Arial"/>
+            </a:endParaRPr>
+          </a:p>
+        </p:txBody>
+      </p:sp>
+      <p:sp>
+        <p:nvSpPr>
+          <p:cNvPr id="22" name="PlaceHolder 4"/>
           <p:cNvSpPr>
             <a:spLocks noGrp="1"/>
           </p:cNvSpPr>
@@ -3209,8 +3229,8 @@
         </p:nvSpPr>
         <p:spPr>
           <a:xfrm>
-            <a:off x="838080" y="4098240"/>
-            <a:ext cx="10515240" cy="2075040"/>
+            <a:off x="609480" y="3682080"/>
+            <a:ext cx="10972440" cy="1896840"/>
           </a:xfrm>
           <a:prstGeom prst="rect">
             <a:avLst/>
@@ -3221,16 +3241,16 @@
             <a:normAutofit/>
           </a:bodyPr>
           <a:p>
-            <a:endParaRPr b="0" lang="he-IL" sz="2800" spc="-1" strike="noStrike">
-              <a:solidFill>
-                <a:srgbClr val="000000"/>
-              </a:solidFill>
-              <a:uFill>
-                <a:solidFill>
-                  <a:srgbClr val="ffffff"/>
-                </a:solidFill>
-              </a:uFill>
-              <a:latin typeface="Calibri"/>
+            <a:endParaRPr b="0" lang="en-US" sz="3200" spc="-1" strike="noStrike">
+              <a:solidFill>
+                <a:srgbClr val="000000"/>
+              </a:solidFill>
+              <a:uFill>
+                <a:solidFill>
+                  <a:srgbClr val="ffffff"/>
+                </a:solidFill>
+              </a:uFill>
+              <a:latin typeface="Arial"/>
             </a:endParaRPr>
           </a:p>
         </p:txBody>
@@ -3276,23 +3296,18 @@
         </p:nvSpPr>
         <p:spPr>
           <a:xfrm>
-            <a:off x="1523880" y="1122480"/>
-            <a:ext cx="9143640" cy="2387160"/>
-          </a:xfrm>
-          <a:prstGeom prst="rect">
-            <a:avLst/>
-          </a:prstGeom>
-        </p:spPr>
-        <p:txBody>
-          <a:bodyPr anchor="b"/>
-          <a:p>
-            <a:pPr algn="ctr">
-              <a:lnSpc>
-                <a:spcPct val="100000"/>
-              </a:lnSpc>
-            </a:pPr>
+            <a:off x="838080" y="365040"/>
+            <a:ext cx="10514880" cy="1324800"/>
+          </a:xfrm>
+          <a:prstGeom prst="rect">
+            <a:avLst/>
+          </a:prstGeom>
+        </p:spPr>
+        <p:txBody>
+          <a:bodyPr lIns="0" rIns="0" tIns="0" bIns="0" anchor="ctr"/>
+          <a:p>
             <a:r>
-              <a:rPr b="0" lang="he-IL" sz="6000" spc="-1" strike="noStrike">
+              <a:rPr b="0" lang="en-US" sz="1800" spc="-1" strike="noStrike">
                 <a:solidFill>
                   <a:srgbClr val="000000"/>
                 </a:solidFill>
@@ -3301,20 +3316,20 @@
                     <a:srgbClr val="ffffff"/>
                   </a:solidFill>
                 </a:uFill>
-                <a:latin typeface="Calibri Light"/>
+                <a:latin typeface="Arial"/>
               </a:rPr>
-              <a:t>Click to edit Master title style</a:t>
+              <a:t>Click to edit the title text format</a:t>
             </a:r>
-            <a:endParaRPr b="0" lang="he-IL" sz="6000" spc="-1" strike="noStrike">
-              <a:solidFill>
-                <a:srgbClr val="000000"/>
-              </a:solidFill>
-              <a:uFill>
-                <a:solidFill>
-                  <a:srgbClr val="ffffff"/>
-                </a:solidFill>
-              </a:uFill>
-              <a:latin typeface="Calibri"/>
+            <a:endParaRPr b="0" lang="en-US" sz="1800" spc="-1" strike="noStrike">
+              <a:solidFill>
+                <a:srgbClr val="000000"/>
+              </a:solidFill>
+              <a:uFill>
+                <a:solidFill>
+                  <a:srgbClr val="ffffff"/>
+                </a:solidFill>
+              </a:uFill>
+              <a:latin typeface="Arial"/>
             </a:endParaRPr>
           </a:p>
         </p:txBody>
@@ -3322,171 +3337,6 @@
       <p:sp>
         <p:nvSpPr>
           <p:cNvPr id="1" name="PlaceHolder 2"/>
-          <p:cNvSpPr>
-            <a:spLocks noGrp="1"/>
-          </p:cNvSpPr>
-          <p:nvPr>
-            <p:ph type="dt"/>
-          </p:nvPr>
-        </p:nvSpPr>
-        <p:spPr>
-          <a:xfrm>
-            <a:off x="838080" y="6356520"/>
-            <a:ext cx="2742840" cy="364680"/>
-          </a:xfrm>
-          <a:prstGeom prst="rect">
-            <a:avLst/>
-          </a:prstGeom>
-        </p:spPr>
-        <p:txBody>
-          <a:bodyPr anchor="ctr"/>
-          <a:p>
-            <a:pPr algn="r">
-              <a:lnSpc>
-                <a:spcPct val="100000"/>
-              </a:lnSpc>
-            </a:pPr>
-            <a:fld id="{9C638A04-7AF2-4D87-94F9-4DE3A2B6659D}" type="datetime1">
-              <a:rPr b="0" lang="en-US" sz="1200" spc="-1" strike="noStrike">
-                <a:solidFill>
-                  <a:srgbClr val="8b8b8b"/>
-                </a:solidFill>
-                <a:uFill>
-                  <a:solidFill>
-                    <a:srgbClr val="ffffff"/>
-                  </a:solidFill>
-                </a:uFill>
-                <a:latin typeface="Calibri"/>
-              </a:rPr>
-              <a:t>01/25/2018</a:t>
-            </a:fld>
-            <a:endParaRPr b="0" lang="en-US" sz="1200" spc="-1" strike="noStrike">
-              <a:solidFill>
-                <a:srgbClr val="000000"/>
-              </a:solidFill>
-              <a:uFill>
-                <a:solidFill>
-                  <a:srgbClr val="ffffff"/>
-                </a:solidFill>
-              </a:uFill>
-              <a:latin typeface="Times New Roman"/>
-            </a:endParaRPr>
-          </a:p>
-        </p:txBody>
-      </p:sp>
-      <p:sp>
-        <p:nvSpPr>
-          <p:cNvPr id="2" name="PlaceHolder 3"/>
-          <p:cNvSpPr>
-            <a:spLocks noGrp="1"/>
-          </p:cNvSpPr>
-          <p:nvPr>
-            <p:ph type="ftr"/>
-          </p:nvPr>
-        </p:nvSpPr>
-        <p:spPr>
-          <a:xfrm>
-            <a:off x="4038480" y="6356520"/>
-            <a:ext cx="4114440" cy="364680"/>
-          </a:xfrm>
-          <a:prstGeom prst="rect">
-            <a:avLst/>
-          </a:prstGeom>
-        </p:spPr>
-        <p:txBody>
-          <a:bodyPr anchor="ctr"/>
-          <a:p>
-            <a:pPr algn="ctr">
-              <a:lnSpc>
-                <a:spcPct val="100000"/>
-              </a:lnSpc>
-            </a:pPr>
-            <a:r>
-              <a:rPr b="0" lang="en-US" sz="1200" spc="-1" strike="noStrike">
-                <a:solidFill>
-                  <a:srgbClr val="8b8b8b"/>
-                </a:solidFill>
-                <a:uFill>
-                  <a:solidFill>
-                    <a:srgbClr val="ffffff"/>
-                  </a:solidFill>
-                </a:uFill>
-                <a:latin typeface="Calibri"/>
-              </a:rPr>
-              <a:t>מאת מיתר שוקרון וזאב מלומיאן</a:t>
-            </a:r>
-            <a:endParaRPr b="0" lang="en-US" sz="1200" spc="-1" strike="noStrike">
-              <a:solidFill>
-                <a:srgbClr val="000000"/>
-              </a:solidFill>
-              <a:uFill>
-                <a:solidFill>
-                  <a:srgbClr val="ffffff"/>
-                </a:solidFill>
-              </a:uFill>
-              <a:latin typeface="Times New Roman"/>
-            </a:endParaRPr>
-          </a:p>
-        </p:txBody>
-      </p:sp>
-      <p:sp>
-        <p:nvSpPr>
-          <p:cNvPr id="3" name="PlaceHolder 4"/>
-          <p:cNvSpPr>
-            <a:spLocks noGrp="1"/>
-          </p:cNvSpPr>
-          <p:nvPr>
-            <p:ph type="sldNum"/>
-          </p:nvPr>
-        </p:nvSpPr>
-        <p:spPr>
-          <a:xfrm>
-            <a:off x="8610480" y="6356520"/>
-            <a:ext cx="2742840" cy="364680"/>
-          </a:xfrm>
-          <a:prstGeom prst="rect">
-            <a:avLst/>
-          </a:prstGeom>
-        </p:spPr>
-        <p:txBody>
-          <a:bodyPr anchor="ctr"/>
-          <a:p>
-            <a:pPr>
-              <a:lnSpc>
-                <a:spcPct val="100000"/>
-              </a:lnSpc>
-            </a:pPr>
-            <a:fld id="{A7CFF7E4-77AC-4597-8330-12DE1F12AE9E}" type="slidenum">
-              <a:rPr b="0" lang="en-US" sz="1200" spc="-1" strike="noStrike">
-                <a:solidFill>
-                  <a:srgbClr val="8b8b8b"/>
-                </a:solidFill>
-                <a:uFill>
-                  <a:solidFill>
-                    <a:srgbClr val="ffffff"/>
-                  </a:solidFill>
-                </a:uFill>
-                <a:latin typeface="Calibri"/>
-              </a:rPr>
-              <a:t>&lt;number&gt;</a:t>
-            </a:fld>
-            <a:endParaRPr b="0" lang="en-US" sz="1200" spc="-1" strike="noStrike">
-              <a:solidFill>
-                <a:srgbClr val="000000"/>
-              </a:solidFill>
-              <a:uFill>
-                <a:solidFill>
-                  <a:srgbClr val="ffffff"/>
-                </a:solidFill>
-              </a:uFill>
-              <a:latin typeface="Times New Roman"/>
-            </a:endParaRPr>
-          </a:p>
-        </p:txBody>
-      </p:sp>
-      <p:sp>
-        <p:nvSpPr>
-          <p:cNvPr id="4" name="PlaceHolder 5"/>
           <p:cNvSpPr>
             <a:spLocks noGrp="1"/>
           </p:cNvSpPr>
@@ -3520,7 +3370,7 @@
               <a:buChar char=""/>
             </a:pPr>
             <a:r>
-              <a:rPr b="0" lang="he-IL" sz="2800" spc="-1" strike="noStrike">
+              <a:rPr b="0" lang="en-US" sz="3200" spc="-1" strike="noStrike">
                 <a:solidFill>
                   <a:srgbClr val="000000"/>
                 </a:solidFill>
@@ -3529,20 +3379,20 @@
                     <a:srgbClr val="ffffff"/>
                   </a:solidFill>
                 </a:uFill>
-                <a:latin typeface="Calibri"/>
+                <a:latin typeface="Arial"/>
               </a:rPr>
               <a:t>Click to edit the outline text format</a:t>
             </a:r>
-            <a:endParaRPr b="0" lang="he-IL" sz="2800" spc="-1" strike="noStrike">
-              <a:solidFill>
-                <a:srgbClr val="000000"/>
-              </a:solidFill>
-              <a:uFill>
-                <a:solidFill>
-                  <a:srgbClr val="ffffff"/>
-                </a:solidFill>
-              </a:uFill>
-              <a:latin typeface="Calibri"/>
+            <a:endParaRPr b="0" lang="en-US" sz="3200" spc="-1" strike="noStrike">
+              <a:solidFill>
+                <a:srgbClr val="000000"/>
+              </a:solidFill>
+              <a:uFill>
+                <a:solidFill>
+                  <a:srgbClr val="ffffff"/>
+                </a:solidFill>
+              </a:uFill>
+              <a:latin typeface="Arial"/>
             </a:endParaRPr>
           </a:p>
           <a:p>
@@ -3558,7 +3408,7 @@
               <a:buChar char=""/>
             </a:pPr>
             <a:r>
-              <a:rPr b="0" lang="he-IL" sz="2000" spc="-1" strike="noStrike">
+              <a:rPr b="0" lang="en-US" sz="2800" spc="-1" strike="noStrike">
                 <a:solidFill>
                   <a:srgbClr val="000000"/>
                 </a:solidFill>
@@ -3567,20 +3417,20 @@
                     <a:srgbClr val="ffffff"/>
                   </a:solidFill>
                 </a:uFill>
-                <a:latin typeface="Calibri"/>
+                <a:latin typeface="Arial"/>
               </a:rPr>
               <a:t>Second Outline Level</a:t>
             </a:r>
-            <a:endParaRPr b="0" lang="he-IL" sz="2000" spc="-1" strike="noStrike">
-              <a:solidFill>
-                <a:srgbClr val="000000"/>
-              </a:solidFill>
-              <a:uFill>
-                <a:solidFill>
-                  <a:srgbClr val="ffffff"/>
-                </a:solidFill>
-              </a:uFill>
-              <a:latin typeface="Calibri"/>
+            <a:endParaRPr b="0" lang="en-US" sz="2800" spc="-1" strike="noStrike">
+              <a:solidFill>
+                <a:srgbClr val="000000"/>
+              </a:solidFill>
+              <a:uFill>
+                <a:solidFill>
+                  <a:srgbClr val="ffffff"/>
+                </a:solidFill>
+              </a:uFill>
+              <a:latin typeface="Arial"/>
             </a:endParaRPr>
           </a:p>
           <a:p>
@@ -3596,7 +3446,7 @@
               <a:buChar char=""/>
             </a:pPr>
             <a:r>
-              <a:rPr b="0" lang="he-IL" sz="1800" spc="-1" strike="noStrike">
+              <a:rPr b="0" lang="en-US" sz="2400" spc="-1" strike="noStrike">
                 <a:solidFill>
                   <a:srgbClr val="000000"/>
                 </a:solidFill>
@@ -3605,20 +3455,20 @@
                     <a:srgbClr val="ffffff"/>
                   </a:solidFill>
                 </a:uFill>
-                <a:latin typeface="Calibri"/>
+                <a:latin typeface="Arial"/>
               </a:rPr>
               <a:t>Third Outline Level</a:t>
             </a:r>
-            <a:endParaRPr b="0" lang="he-IL" sz="1800" spc="-1" strike="noStrike">
-              <a:solidFill>
-                <a:srgbClr val="000000"/>
-              </a:solidFill>
-              <a:uFill>
-                <a:solidFill>
-                  <a:srgbClr val="ffffff"/>
-                </a:solidFill>
-              </a:uFill>
-              <a:latin typeface="Calibri"/>
+            <a:endParaRPr b="0" lang="en-US" sz="2400" spc="-1" strike="noStrike">
+              <a:solidFill>
+                <a:srgbClr val="000000"/>
+              </a:solidFill>
+              <a:uFill>
+                <a:solidFill>
+                  <a:srgbClr val="ffffff"/>
+                </a:solidFill>
+              </a:uFill>
+              <a:latin typeface="Arial"/>
             </a:endParaRPr>
           </a:p>
           <a:p>
@@ -3634,7 +3484,7 @@
               <a:buChar char=""/>
             </a:pPr>
             <a:r>
-              <a:rPr b="0" lang="he-IL" sz="1800" spc="-1" strike="noStrike">
+              <a:rPr b="0" lang="en-US" sz="2000" spc="-1" strike="noStrike">
                 <a:solidFill>
                   <a:srgbClr val="000000"/>
                 </a:solidFill>
@@ -3643,20 +3493,20 @@
                     <a:srgbClr val="ffffff"/>
                   </a:solidFill>
                 </a:uFill>
-                <a:latin typeface="Calibri"/>
+                <a:latin typeface="Arial"/>
               </a:rPr>
               <a:t>Fourth Outline Level</a:t>
             </a:r>
-            <a:endParaRPr b="0" lang="he-IL" sz="1800" spc="-1" strike="noStrike">
-              <a:solidFill>
-                <a:srgbClr val="000000"/>
-              </a:solidFill>
-              <a:uFill>
-                <a:solidFill>
-                  <a:srgbClr val="ffffff"/>
-                </a:solidFill>
-              </a:uFill>
-              <a:latin typeface="Calibri"/>
+            <a:endParaRPr b="0" lang="en-US" sz="2000" spc="-1" strike="noStrike">
+              <a:solidFill>
+                <a:srgbClr val="000000"/>
+              </a:solidFill>
+              <a:uFill>
+                <a:solidFill>
+                  <a:srgbClr val="ffffff"/>
+                </a:solidFill>
+              </a:uFill>
+              <a:latin typeface="Arial"/>
             </a:endParaRPr>
           </a:p>
           <a:p>
@@ -3672,7 +3522,7 @@
               <a:buChar char=""/>
             </a:pPr>
             <a:r>
-              <a:rPr b="0" lang="he-IL" sz="2000" spc="-1" strike="noStrike">
+              <a:rPr b="0" lang="en-US" sz="2000" spc="-1" strike="noStrike">
                 <a:solidFill>
                   <a:srgbClr val="000000"/>
                 </a:solidFill>
@@ -3681,20 +3531,20 @@
                     <a:srgbClr val="ffffff"/>
                   </a:solidFill>
                 </a:uFill>
-                <a:latin typeface="Calibri"/>
+                <a:latin typeface="Arial"/>
               </a:rPr>
               <a:t>Fifth Outline Level</a:t>
             </a:r>
-            <a:endParaRPr b="0" lang="he-IL" sz="2000" spc="-1" strike="noStrike">
-              <a:solidFill>
-                <a:srgbClr val="000000"/>
-              </a:solidFill>
-              <a:uFill>
-                <a:solidFill>
-                  <a:srgbClr val="ffffff"/>
-                </a:solidFill>
-              </a:uFill>
-              <a:latin typeface="Calibri"/>
+            <a:endParaRPr b="0" lang="en-US" sz="2000" spc="-1" strike="noStrike">
+              <a:solidFill>
+                <a:srgbClr val="000000"/>
+              </a:solidFill>
+              <a:uFill>
+                <a:solidFill>
+                  <a:srgbClr val="ffffff"/>
+                </a:solidFill>
+              </a:uFill>
+              <a:latin typeface="Arial"/>
             </a:endParaRPr>
           </a:p>
           <a:p>
@@ -3710,7 +3560,7 @@
               <a:buChar char=""/>
             </a:pPr>
             <a:r>
-              <a:rPr b="0" lang="he-IL" sz="2000" spc="-1" strike="noStrike">
+              <a:rPr b="0" lang="en-US" sz="2000" spc="-1" strike="noStrike">
                 <a:solidFill>
                   <a:srgbClr val="000000"/>
                 </a:solidFill>
@@ -3719,20 +3569,20 @@
                     <a:srgbClr val="ffffff"/>
                   </a:solidFill>
                 </a:uFill>
-                <a:latin typeface="Calibri"/>
+                <a:latin typeface="Arial"/>
               </a:rPr>
               <a:t>Sixth Outline Level</a:t>
             </a:r>
-            <a:endParaRPr b="0" lang="he-IL" sz="2000" spc="-1" strike="noStrike">
-              <a:solidFill>
-                <a:srgbClr val="000000"/>
-              </a:solidFill>
-              <a:uFill>
-                <a:solidFill>
-                  <a:srgbClr val="ffffff"/>
-                </a:solidFill>
-              </a:uFill>
-              <a:latin typeface="Calibri"/>
+            <a:endParaRPr b="0" lang="en-US" sz="2000" spc="-1" strike="noStrike">
+              <a:solidFill>
+                <a:srgbClr val="000000"/>
+              </a:solidFill>
+              <a:uFill>
+                <a:solidFill>
+                  <a:srgbClr val="ffffff"/>
+                </a:solidFill>
+              </a:uFill>
+              <a:latin typeface="Arial"/>
             </a:endParaRPr>
           </a:p>
           <a:p>
@@ -3748,7 +3598,7 @@
               <a:buChar char=""/>
             </a:pPr>
             <a:r>
-              <a:rPr b="0" lang="he-IL" sz="2000" spc="-1" strike="noStrike">
+              <a:rPr b="0" lang="en-US" sz="2000" spc="-1" strike="noStrike">
                 <a:solidFill>
                   <a:srgbClr val="000000"/>
                 </a:solidFill>
@@ -3757,20 +3607,20 @@
                     <a:srgbClr val="ffffff"/>
                   </a:solidFill>
                 </a:uFill>
-                <a:latin typeface="Calibri"/>
+                <a:latin typeface="Arial"/>
               </a:rPr>
               <a:t>Seventh Outline Level</a:t>
             </a:r>
-            <a:endParaRPr b="0" lang="he-IL" sz="2000" spc="-1" strike="noStrike">
-              <a:solidFill>
-                <a:srgbClr val="000000"/>
-              </a:solidFill>
-              <a:uFill>
-                <a:solidFill>
-                  <a:srgbClr val="ffffff"/>
-                </a:solidFill>
-              </a:uFill>
-              <a:latin typeface="Calibri"/>
+            <a:endParaRPr b="0" lang="en-US" sz="2000" spc="-1" strike="noStrike">
+              <a:solidFill>
+                <a:srgbClr val="000000"/>
+              </a:solidFill>
+              <a:uFill>
+                <a:solidFill>
+                  <a:srgbClr val="ffffff"/>
+                </a:solidFill>
+              </a:uFill>
+              <a:latin typeface="Arial"/>
             </a:endParaRPr>
           </a:p>
         </p:txBody>
@@ -3821,7 +3671,7 @@
       </p:grpSpPr>
       <p:sp>
         <p:nvSpPr>
-          <p:cNvPr id="41" name="PlaceHolder 1"/>
+          <p:cNvPr id="38" name="PlaceHolder 1"/>
           <p:cNvSpPr>
             <a:spLocks noGrp="1"/>
           </p:cNvSpPr>
@@ -3831,23 +3681,19 @@
         </p:nvSpPr>
         <p:spPr>
           <a:xfrm>
-            <a:off x="838080" y="365040"/>
-            <a:ext cx="10515240" cy="1325160"/>
-          </a:xfrm>
-          <a:prstGeom prst="rect">
-            <a:avLst/>
-          </a:prstGeom>
-        </p:spPr>
-        <p:txBody>
-          <a:bodyPr anchor="ctr"/>
-          <a:p>
-            <a:pPr>
-              <a:lnSpc>
-                <a:spcPct val="90000"/>
-              </a:lnSpc>
-            </a:pPr>
+            <a:off x="609480" y="273600"/>
+            <a:ext cx="10972440" cy="1144800"/>
+          </a:xfrm>
+          <a:prstGeom prst="rect">
+            <a:avLst/>
+          </a:prstGeom>
+        </p:spPr>
+        <p:txBody>
+          <a:bodyPr lIns="0" rIns="0" tIns="0" bIns="0" anchor="ctr"/>
+          <a:p>
+            <a:pPr algn="ctr"/>
             <a:r>
-              <a:rPr b="0" lang="he-IL" sz="4400" spc="-1" strike="noStrike">
+              <a:rPr b="0" lang="en-US" sz="4400" spc="-1" strike="noStrike">
                 <a:solidFill>
                   <a:srgbClr val="000000"/>
                 </a:solidFill>
@@ -3856,27 +3702,27 @@
                     <a:srgbClr val="ffffff"/>
                   </a:solidFill>
                 </a:uFill>
-                <a:latin typeface="Calibri Light"/>
+                <a:latin typeface="Arial"/>
               </a:rPr>
-              <a:t>Click to edit Master title style</a:t>
+              <a:t>Click to edit the title text format</a:t>
             </a:r>
-            <a:endParaRPr b="0" lang="he-IL" sz="4400" spc="-1" strike="noStrike">
-              <a:solidFill>
-                <a:srgbClr val="000000"/>
-              </a:solidFill>
-              <a:uFill>
-                <a:solidFill>
-                  <a:srgbClr val="ffffff"/>
-                </a:solidFill>
-              </a:uFill>
-              <a:latin typeface="Calibri"/>
-            </a:endParaRPr>
-          </a:p>
-        </p:txBody>
-      </p:sp>
-      <p:sp>
-        <p:nvSpPr>
-          <p:cNvPr id="42" name="PlaceHolder 2"/>
+            <a:endParaRPr b="0" lang="en-US" sz="4400" spc="-1" strike="noStrike">
+              <a:solidFill>
+                <a:srgbClr val="000000"/>
+              </a:solidFill>
+              <a:uFill>
+                <a:solidFill>
+                  <a:srgbClr val="ffffff"/>
+                </a:solidFill>
+              </a:uFill>
+              <a:latin typeface="Arial"/>
+            </a:endParaRPr>
+          </a:p>
+        </p:txBody>
+      </p:sp>
+      <p:sp>
+        <p:nvSpPr>
+          <p:cNvPr id="39" name="PlaceHolder 2"/>
           <p:cNvSpPr>
             <a:spLocks noGrp="1"/>
           </p:cNvSpPr>
@@ -3886,31 +3732,31 @@
         </p:nvSpPr>
         <p:spPr>
           <a:xfrm>
-            <a:off x="838080" y="1825560"/>
-            <a:ext cx="10515240" cy="4350960"/>
-          </a:xfrm>
-          <a:prstGeom prst="rect">
-            <a:avLst/>
-          </a:prstGeom>
-        </p:spPr>
-        <p:txBody>
-          <a:bodyPr/>
-          <a:p>
-            <a:pPr marL="228600" indent="-228240">
-              <a:lnSpc>
-                <a:spcPct val="100000"/>
-              </a:lnSpc>
+            <a:off x="609480" y="1604520"/>
+            <a:ext cx="10972440" cy="3977280"/>
+          </a:xfrm>
+          <a:prstGeom prst="rect">
+            <a:avLst/>
+          </a:prstGeom>
+        </p:spPr>
+        <p:txBody>
+          <a:bodyPr lIns="0" rIns="0" tIns="0" bIns="0">
+            <a:normAutofit/>
+          </a:bodyPr>
+          <a:p>
+            <a:pPr marL="432000" indent="-324000">
               <a:spcBef>
-                <a:spcPts val="1001"/>
+                <a:spcPts val="1417"/>
               </a:spcBef>
               <a:buClr>
                 <a:srgbClr val="000000"/>
               </a:buClr>
-              <a:buFont typeface="Arial"/>
-              <a:buChar char="•"/>
+              <a:buSzPct val="45000"/>
+              <a:buFont typeface="Wingdings" charset="2"/>
+              <a:buChar char=""/>
             </a:pPr>
             <a:r>
-              <a:rPr b="0" lang="he-IL" sz="2800" spc="-1" strike="noStrike">
+              <a:rPr b="0" lang="en-US" sz="3200" spc="-1" strike="noStrike">
                 <a:solidFill>
                   <a:srgbClr val="000000"/>
                 </a:solidFill>
@@ -3919,38 +3765,36 @@
                     <a:srgbClr val="ffffff"/>
                   </a:solidFill>
                 </a:uFill>
-                <a:latin typeface="Calibri"/>
+                <a:latin typeface="Arial"/>
               </a:rPr>
-              <a:t>Edit Master text styles</a:t>
+              <a:t>Click to edit the outline text format</a:t>
             </a:r>
-            <a:endParaRPr b="0" lang="he-IL" sz="2800" spc="-1" strike="noStrike">
-              <a:solidFill>
-                <a:srgbClr val="000000"/>
-              </a:solidFill>
-              <a:uFill>
-                <a:solidFill>
-                  <a:srgbClr val="ffffff"/>
-                </a:solidFill>
-              </a:uFill>
-              <a:latin typeface="Calibri"/>
-            </a:endParaRPr>
-          </a:p>
-          <a:p>
-            <a:pPr lvl="1" marL="685800" indent="-228240">
-              <a:lnSpc>
-                <a:spcPct val="100000"/>
-              </a:lnSpc>
+            <a:endParaRPr b="0" lang="en-US" sz="3200" spc="-1" strike="noStrike">
+              <a:solidFill>
+                <a:srgbClr val="000000"/>
+              </a:solidFill>
+              <a:uFill>
+                <a:solidFill>
+                  <a:srgbClr val="ffffff"/>
+                </a:solidFill>
+              </a:uFill>
+              <a:latin typeface="Arial"/>
+            </a:endParaRPr>
+          </a:p>
+          <a:p>
+            <a:pPr lvl="1" marL="864000" indent="-324000">
               <a:spcBef>
-                <a:spcPts val="499"/>
+                <a:spcPts val="1134"/>
               </a:spcBef>
               <a:buClr>
                 <a:srgbClr val="000000"/>
               </a:buClr>
-              <a:buFont typeface="Arial"/>
-              <a:buChar char="•"/>
+              <a:buSzPct val="75000"/>
+              <a:buFont typeface="Symbol" charset="2"/>
+              <a:buChar char=""/>
             </a:pPr>
             <a:r>
-              <a:rPr b="0" lang="he-IL" sz="2400" spc="-1" strike="noStrike">
+              <a:rPr b="0" lang="en-US" sz="2800" spc="-1" strike="noStrike">
                 <a:solidFill>
                   <a:srgbClr val="000000"/>
                 </a:solidFill>
@@ -3959,38 +3803,36 @@
                     <a:srgbClr val="ffffff"/>
                   </a:solidFill>
                 </a:uFill>
-                <a:latin typeface="Calibri"/>
+                <a:latin typeface="Arial"/>
               </a:rPr>
-              <a:t>Second level</a:t>
+              <a:t>Second Outline Level</a:t>
             </a:r>
-            <a:endParaRPr b="0" lang="he-IL" sz="2400" spc="-1" strike="noStrike">
-              <a:solidFill>
-                <a:srgbClr val="000000"/>
-              </a:solidFill>
-              <a:uFill>
-                <a:solidFill>
-                  <a:srgbClr val="ffffff"/>
-                </a:solidFill>
-              </a:uFill>
-              <a:latin typeface="Calibri"/>
-            </a:endParaRPr>
-          </a:p>
-          <a:p>
-            <a:pPr lvl="2" marL="1143000" indent="-228240">
-              <a:lnSpc>
-                <a:spcPct val="100000"/>
-              </a:lnSpc>
+            <a:endParaRPr b="0" lang="en-US" sz="2800" spc="-1" strike="noStrike">
+              <a:solidFill>
+                <a:srgbClr val="000000"/>
+              </a:solidFill>
+              <a:uFill>
+                <a:solidFill>
+                  <a:srgbClr val="ffffff"/>
+                </a:solidFill>
+              </a:uFill>
+              <a:latin typeface="Arial"/>
+            </a:endParaRPr>
+          </a:p>
+          <a:p>
+            <a:pPr lvl="2" marL="1296000" indent="-288000">
               <a:spcBef>
-                <a:spcPts val="499"/>
+                <a:spcPts val="850"/>
               </a:spcBef>
               <a:buClr>
                 <a:srgbClr val="000000"/>
               </a:buClr>
-              <a:buFont typeface="Arial"/>
-              <a:buChar char="•"/>
+              <a:buSzPct val="45000"/>
+              <a:buFont typeface="Wingdings" charset="2"/>
+              <a:buChar char=""/>
             </a:pPr>
             <a:r>
-              <a:rPr b="0" lang="he-IL" sz="2000" spc="-1" strike="noStrike">
+              <a:rPr b="0" lang="en-US" sz="2400" spc="-1" strike="noStrike">
                 <a:solidFill>
                   <a:srgbClr val="000000"/>
                 </a:solidFill>
@@ -3999,38 +3841,36 @@
                     <a:srgbClr val="ffffff"/>
                   </a:solidFill>
                 </a:uFill>
-                <a:latin typeface="Calibri"/>
+                <a:latin typeface="Arial"/>
               </a:rPr>
-              <a:t>Third level</a:t>
+              <a:t>Third Outline Level</a:t>
             </a:r>
-            <a:endParaRPr b="0" lang="he-IL" sz="2000" spc="-1" strike="noStrike">
-              <a:solidFill>
-                <a:srgbClr val="000000"/>
-              </a:solidFill>
-              <a:uFill>
-                <a:solidFill>
-                  <a:srgbClr val="ffffff"/>
-                </a:solidFill>
-              </a:uFill>
-              <a:latin typeface="Calibri"/>
-            </a:endParaRPr>
-          </a:p>
-          <a:p>
-            <a:pPr lvl="3" marL="1600200" indent="-228240">
-              <a:lnSpc>
-                <a:spcPct val="100000"/>
-              </a:lnSpc>
+            <a:endParaRPr b="0" lang="en-US" sz="2400" spc="-1" strike="noStrike">
+              <a:solidFill>
+                <a:srgbClr val="000000"/>
+              </a:solidFill>
+              <a:uFill>
+                <a:solidFill>
+                  <a:srgbClr val="ffffff"/>
+                </a:solidFill>
+              </a:uFill>
+              <a:latin typeface="Arial"/>
+            </a:endParaRPr>
+          </a:p>
+          <a:p>
+            <a:pPr lvl="3" marL="1728000" indent="-216000">
               <a:spcBef>
-                <a:spcPts val="499"/>
+                <a:spcPts val="567"/>
               </a:spcBef>
               <a:buClr>
                 <a:srgbClr val="000000"/>
               </a:buClr>
-              <a:buFont typeface="Arial"/>
-              <a:buChar char="•"/>
+              <a:buSzPct val="75000"/>
+              <a:buFont typeface="Symbol" charset="2"/>
+              <a:buChar char=""/>
             </a:pPr>
             <a:r>
-              <a:rPr b="0" lang="he-IL" sz="1800" spc="-1" strike="noStrike">
+              <a:rPr b="0" lang="en-US" sz="2000" spc="-1" strike="noStrike">
                 <a:solidFill>
                   <a:srgbClr val="000000"/>
                 </a:solidFill>
@@ -4039,38 +3879,36 @@
                     <a:srgbClr val="ffffff"/>
                   </a:solidFill>
                 </a:uFill>
-                <a:latin typeface="Calibri"/>
+                <a:latin typeface="Arial"/>
               </a:rPr>
-              <a:t>Fourth level</a:t>
+              <a:t>Fourth Outline Level</a:t>
             </a:r>
-            <a:endParaRPr b="0" lang="he-IL" sz="1800" spc="-1" strike="noStrike">
-              <a:solidFill>
-                <a:srgbClr val="000000"/>
-              </a:solidFill>
-              <a:uFill>
-                <a:solidFill>
-                  <a:srgbClr val="ffffff"/>
-                </a:solidFill>
-              </a:uFill>
-              <a:latin typeface="Calibri"/>
-            </a:endParaRPr>
-          </a:p>
-          <a:p>
-            <a:pPr lvl="4" marL="2057400" indent="-228240">
-              <a:lnSpc>
-                <a:spcPct val="100000"/>
-              </a:lnSpc>
+            <a:endParaRPr b="0" lang="en-US" sz="2000" spc="-1" strike="noStrike">
+              <a:solidFill>
+                <a:srgbClr val="000000"/>
+              </a:solidFill>
+              <a:uFill>
+                <a:solidFill>
+                  <a:srgbClr val="ffffff"/>
+                </a:solidFill>
+              </a:uFill>
+              <a:latin typeface="Arial"/>
+            </a:endParaRPr>
+          </a:p>
+          <a:p>
+            <a:pPr lvl="4" marL="2160000" indent="-216000">
               <a:spcBef>
-                <a:spcPts val="499"/>
+                <a:spcPts val="283"/>
               </a:spcBef>
               <a:buClr>
                 <a:srgbClr val="000000"/>
               </a:buClr>
-              <a:buFont typeface="Arial"/>
-              <a:buChar char="•"/>
+              <a:buSzPct val="45000"/>
+              <a:buFont typeface="Wingdings" charset="2"/>
+              <a:buChar char=""/>
             </a:pPr>
             <a:r>
-              <a:rPr b="0" lang="he-IL" sz="1800" spc="-1" strike="noStrike">
+              <a:rPr b="0" lang="en-US" sz="2000" spc="-1" strike="noStrike">
                 <a:solidFill>
                   <a:srgbClr val="000000"/>
                 </a:solidFill>
@@ -4079,185 +3917,96 @@
                     <a:srgbClr val="ffffff"/>
                   </a:solidFill>
                 </a:uFill>
-                <a:latin typeface="Calibri"/>
+                <a:latin typeface="Arial"/>
               </a:rPr>
-              <a:t>Fifth level</a:t>
+              <a:t>Fifth Outline Level</a:t>
             </a:r>
-            <a:endParaRPr b="0" lang="he-IL" sz="1800" spc="-1" strike="noStrike">
-              <a:solidFill>
-                <a:srgbClr val="000000"/>
-              </a:solidFill>
-              <a:uFill>
-                <a:solidFill>
-                  <a:srgbClr val="ffffff"/>
-                </a:solidFill>
-              </a:uFill>
-              <a:latin typeface="Calibri"/>
-            </a:endParaRPr>
-          </a:p>
-        </p:txBody>
-      </p:sp>
-      <p:sp>
-        <p:nvSpPr>
-          <p:cNvPr id="43" name="PlaceHolder 3"/>
-          <p:cNvSpPr>
-            <a:spLocks noGrp="1"/>
-          </p:cNvSpPr>
-          <p:nvPr>
-            <p:ph type="dt"/>
-          </p:nvPr>
-        </p:nvSpPr>
-        <p:spPr>
-          <a:xfrm>
-            <a:off x="838080" y="6356520"/>
-            <a:ext cx="2742840" cy="364680"/>
-          </a:xfrm>
-          <a:prstGeom prst="rect">
-            <a:avLst/>
-          </a:prstGeom>
-        </p:spPr>
-        <p:txBody>
-          <a:bodyPr anchor="ctr"/>
-          <a:p>
-            <a:pPr algn="r">
-              <a:lnSpc>
-                <a:spcPct val="100000"/>
-              </a:lnSpc>
+            <a:endParaRPr b="0" lang="en-US" sz="2000" spc="-1" strike="noStrike">
+              <a:solidFill>
+                <a:srgbClr val="000000"/>
+              </a:solidFill>
+              <a:uFill>
+                <a:solidFill>
+                  <a:srgbClr val="ffffff"/>
+                </a:solidFill>
+              </a:uFill>
+              <a:latin typeface="Arial"/>
+            </a:endParaRPr>
+          </a:p>
+          <a:p>
+            <a:pPr lvl="5" marL="2592000" indent="-216000">
+              <a:spcBef>
+                <a:spcPts val="283"/>
+              </a:spcBef>
+              <a:buClr>
+                <a:srgbClr val="000000"/>
+              </a:buClr>
+              <a:buSzPct val="45000"/>
+              <a:buFont typeface="Wingdings" charset="2"/>
+              <a:buChar char=""/>
             </a:pPr>
-            <a:fld id="{98E59E43-3245-4473-B46B-3C53C9FB3320}" type="datetime1">
-              <a:rPr b="0" lang="en-US" sz="1200" spc="-1" strike="noStrike">
-                <a:solidFill>
-                  <a:srgbClr val="8b8b8b"/>
+            <a:r>
+              <a:rPr b="0" lang="en-US" sz="2000" spc="-1" strike="noStrike">
+                <a:solidFill>
+                  <a:srgbClr val="000000"/>
                 </a:solidFill>
                 <a:uFill>
                   <a:solidFill>
                     <a:srgbClr val="ffffff"/>
                   </a:solidFill>
                 </a:uFill>
-                <a:latin typeface="Calibri"/>
+                <a:latin typeface="Arial"/>
               </a:rPr>
-              <a:t>01/25/2018</a:t>
-            </a:fld>
-            <a:endParaRPr b="0" lang="en-US" sz="1200" spc="-1" strike="noStrike">
-              <a:solidFill>
-                <a:srgbClr val="000000"/>
-              </a:solidFill>
-              <a:uFill>
-                <a:solidFill>
-                  <a:srgbClr val="ffffff"/>
-                </a:solidFill>
-              </a:uFill>
-              <a:latin typeface="Times New Roman"/>
-            </a:endParaRPr>
-          </a:p>
-        </p:txBody>
-      </p:sp>
-      <p:sp>
-        <p:nvSpPr>
-          <p:cNvPr id="44" name="PlaceHolder 4"/>
-          <p:cNvSpPr>
-            <a:spLocks noGrp="1"/>
-          </p:cNvSpPr>
-          <p:nvPr>
-            <p:ph type="ftr"/>
-          </p:nvPr>
-        </p:nvSpPr>
-        <p:spPr>
-          <a:xfrm>
-            <a:off x="4038480" y="6356520"/>
-            <a:ext cx="4114440" cy="364680"/>
-          </a:xfrm>
-          <a:prstGeom prst="rect">
-            <a:avLst/>
-          </a:prstGeom>
-        </p:spPr>
-        <p:txBody>
-          <a:bodyPr anchor="ctr"/>
-          <a:p>
-            <a:pPr algn="ctr">
-              <a:lnSpc>
-                <a:spcPct val="100000"/>
-              </a:lnSpc>
+              <a:t>Sixth Outline Level</a:t>
+            </a:r>
+            <a:endParaRPr b="0" lang="en-US" sz="2000" spc="-1" strike="noStrike">
+              <a:solidFill>
+                <a:srgbClr val="000000"/>
+              </a:solidFill>
+              <a:uFill>
+                <a:solidFill>
+                  <a:srgbClr val="ffffff"/>
+                </a:solidFill>
+              </a:uFill>
+              <a:latin typeface="Arial"/>
+            </a:endParaRPr>
+          </a:p>
+          <a:p>
+            <a:pPr lvl="6" marL="3024000" indent="-216000">
+              <a:spcBef>
+                <a:spcPts val="283"/>
+              </a:spcBef>
+              <a:buClr>
+                <a:srgbClr val="000000"/>
+              </a:buClr>
+              <a:buSzPct val="45000"/>
+              <a:buFont typeface="Wingdings" charset="2"/>
+              <a:buChar char=""/>
             </a:pPr>
             <a:r>
-              <a:rPr b="0" lang="en-US" sz="1200" spc="-1" strike="noStrike">
-                <a:solidFill>
-                  <a:srgbClr val="8b8b8b"/>
+              <a:rPr b="0" lang="en-US" sz="2000" spc="-1" strike="noStrike">
+                <a:solidFill>
+                  <a:srgbClr val="000000"/>
                 </a:solidFill>
                 <a:uFill>
                   <a:solidFill>
                     <a:srgbClr val="ffffff"/>
                   </a:solidFill>
                 </a:uFill>
-                <a:latin typeface="Calibri"/>
+                <a:latin typeface="Arial"/>
               </a:rPr>
-              <a:t>מאת מיתר שוקרון וזאב מלומיאן</a:t>
+              <a:t>Seventh Outline Level</a:t>
             </a:r>
-            <a:endParaRPr b="0" lang="en-US" sz="1200" spc="-1" strike="noStrike">
-              <a:solidFill>
-                <a:srgbClr val="000000"/>
-              </a:solidFill>
-              <a:uFill>
-                <a:solidFill>
-                  <a:srgbClr val="ffffff"/>
-                </a:solidFill>
-              </a:uFill>
-              <a:latin typeface="Times New Roman"/>
-            </a:endParaRPr>
-          </a:p>
-        </p:txBody>
-      </p:sp>
-      <p:sp>
-        <p:nvSpPr>
-          <p:cNvPr id="45" name="PlaceHolder 5"/>
-          <p:cNvSpPr>
-            <a:spLocks noGrp="1"/>
-          </p:cNvSpPr>
-          <p:nvPr>
-            <p:ph type="sldNum"/>
-          </p:nvPr>
-        </p:nvSpPr>
-        <p:spPr>
-          <a:xfrm>
-            <a:off x="8610480" y="6356520"/>
-            <a:ext cx="2742840" cy="364680"/>
-          </a:xfrm>
-          <a:prstGeom prst="rect">
-            <a:avLst/>
-          </a:prstGeom>
-        </p:spPr>
-        <p:txBody>
-          <a:bodyPr anchor="ctr"/>
-          <a:p>
-            <a:pPr>
-              <a:lnSpc>
-                <a:spcPct val="100000"/>
-              </a:lnSpc>
-            </a:pPr>
-            <a:fld id="{59AAF41D-6BDE-41FA-ABCF-EB7CAAA9DA35}" type="slidenum">
-              <a:rPr b="0" lang="en-US" sz="1200" spc="-1" strike="noStrike">
-                <a:solidFill>
-                  <a:srgbClr val="8b8b8b"/>
-                </a:solidFill>
-                <a:uFill>
-                  <a:solidFill>
-                    <a:srgbClr val="ffffff"/>
-                  </a:solidFill>
-                </a:uFill>
-                <a:latin typeface="Calibri"/>
-              </a:rPr>
-              <a:t>&lt;number&gt;</a:t>
-            </a:fld>
-            <a:endParaRPr b="0" lang="en-US" sz="1200" spc="-1" strike="noStrike">
-              <a:solidFill>
-                <a:srgbClr val="000000"/>
-              </a:solidFill>
-              <a:uFill>
-                <a:solidFill>
-                  <a:srgbClr val="ffffff"/>
-                </a:solidFill>
-              </a:uFill>
-              <a:latin typeface="Times New Roman"/>
+            <a:endParaRPr b="0" lang="en-US" sz="2000" spc="-1" strike="noStrike">
+              <a:solidFill>
+                <a:srgbClr val="000000"/>
+              </a:solidFill>
+              <a:uFill>
+                <a:solidFill>
+                  <a:srgbClr val="ffffff"/>
+                </a:solidFill>
+              </a:uFill>
+              <a:latin typeface="Arial"/>
             </a:endParaRPr>
           </a:p>
         </p:txBody>
@@ -4301,14 +4050,14 @@
       </p:grpSpPr>
       <p:sp>
         <p:nvSpPr>
-          <p:cNvPr id="82" name="TextShape 1"/>
-          <p:cNvSpPr txBox="1"/>
+          <p:cNvPr id="76" name="CustomShape 1"/>
+          <p:cNvSpPr/>
           <p:nvPr/>
         </p:nvSpPr>
         <p:spPr>
           <a:xfrm>
             <a:off x="1687320" y="338760"/>
-            <a:ext cx="9143640" cy="989280"/>
+            <a:ext cx="9143280" cy="988920"/>
           </a:xfrm>
           <a:prstGeom prst="rect">
             <a:avLst/>
@@ -4318,8 +4067,14 @@
             <a:noFill/>
           </a:ln>
         </p:spPr>
-        <p:txBody>
-          <a:bodyPr anchor="b"/>
+        <p:style>
+          <a:lnRef idx="0"/>
+          <a:fillRef idx="0"/>
+          <a:effectRef idx="0"/>
+          <a:fontRef idx="minor"/>
+        </p:style>
+        <p:txBody>
+          <a:bodyPr lIns="90000" rIns="90000" tIns="45000" bIns="45000" anchor="b"/>
           <a:p>
             <a:pPr algn="ctr">
               <a:lnSpc>
@@ -4327,7 +4082,7 @@
               </a:lnSpc>
             </a:pPr>
             <a:r>
-              <a:rPr b="0" lang="he-IL" sz="6000" spc="-1" strike="noStrike">
+              <a:rPr b="0" lang="en-US" sz="6000" spc="-1" strike="noStrike">
                 <a:solidFill>
                   <a:srgbClr val="000000"/>
                 </a:solidFill>
@@ -4340,23 +4095,23 @@
               </a:rPr>
               <a:t>ms alumnium manager</a:t>
             </a:r>
-            <a:endParaRPr b="0" lang="he-IL" sz="6000" spc="-1" strike="noStrike">
-              <a:solidFill>
-                <a:srgbClr val="000000"/>
-              </a:solidFill>
-              <a:uFill>
-                <a:solidFill>
-                  <a:srgbClr val="ffffff"/>
-                </a:solidFill>
-              </a:uFill>
-              <a:latin typeface="Calibri"/>
+            <a:endParaRPr b="0" lang="en-US" sz="6000" spc="-1" strike="noStrike">
+              <a:solidFill>
+                <a:srgbClr val="000000"/>
+              </a:solidFill>
+              <a:uFill>
+                <a:solidFill>
+                  <a:srgbClr val="ffffff"/>
+                </a:solidFill>
+              </a:uFill>
+              <a:latin typeface="Arial"/>
             </a:endParaRPr>
           </a:p>
         </p:txBody>
       </p:sp>
       <p:pic>
         <p:nvPicPr>
-          <p:cNvPr id="83" name="Picture 2" descr=""/>
+          <p:cNvPr id="77" name="Picture 2" descr=""/>
           <p:cNvPicPr/>
           <p:nvPr/>
         </p:nvPicPr>
@@ -4367,7 +4122,7 @@
         <p:spPr>
           <a:xfrm>
             <a:off x="3363840" y="2220840"/>
-            <a:ext cx="5302080" cy="2982240"/>
+            <a:ext cx="5301720" cy="2981880"/>
           </a:xfrm>
           <a:prstGeom prst="rect">
             <a:avLst/>
@@ -4379,14 +4134,14 @@
       </p:pic>
       <p:sp>
         <p:nvSpPr>
-          <p:cNvPr id="84" name="TextShape 2"/>
-          <p:cNvSpPr txBox="1"/>
+          <p:cNvPr id="78" name="CustomShape 2"/>
+          <p:cNvSpPr/>
           <p:nvPr/>
         </p:nvSpPr>
         <p:spPr>
           <a:xfrm>
             <a:off x="9448920" y="0"/>
-            <a:ext cx="2742840" cy="364680"/>
+            <a:ext cx="2742480" cy="364320"/>
           </a:xfrm>
           <a:prstGeom prst="rect">
             <a:avLst/>
@@ -4396,15 +4151,21 @@
             <a:noFill/>
           </a:ln>
         </p:spPr>
-        <p:txBody>
-          <a:bodyPr anchor="ctr"/>
+        <p:style>
+          <a:lnRef idx="0"/>
+          <a:fillRef idx="0"/>
+          <a:effectRef idx="0"/>
+          <a:fontRef idx="minor"/>
+        </p:style>
+        <p:txBody>
+          <a:bodyPr lIns="90000" rIns="90000" tIns="45000" bIns="45000" anchor="ctr"/>
           <a:p>
             <a:pPr algn="r">
               <a:lnSpc>
                 <a:spcPct val="100000"/>
               </a:lnSpc>
             </a:pPr>
-            <a:fld id="{0492F532-88CE-4A75-8F7D-FB35A220C40F}" type="datetime1">
+            <a:fld id="{65B0A6E6-E2EA-40B1-AB05-DC83616719DA}" type="datetime1">
               <a:rPr b="0" lang="en-US" sz="1200" spc="-1" strike="noStrike">
                 <a:solidFill>
                   <a:srgbClr val="8b8b8b"/>
@@ -4427,21 +4188,21 @@
                   <a:srgbClr val="ffffff"/>
                 </a:solidFill>
               </a:uFill>
-              <a:latin typeface="Times New Roman"/>
-            </a:endParaRPr>
-          </a:p>
-        </p:txBody>
-      </p:sp>
-      <p:sp>
-        <p:nvSpPr>
-          <p:cNvPr id="85" name="TextShape 3"/>
-          <p:cNvSpPr txBox="1"/>
+              <a:latin typeface="Arial"/>
+            </a:endParaRPr>
+          </a:p>
+        </p:txBody>
+      </p:sp>
+      <p:sp>
+        <p:nvSpPr>
+          <p:cNvPr id="79" name="CustomShape 3"/>
+          <p:cNvSpPr/>
           <p:nvPr/>
         </p:nvSpPr>
         <p:spPr>
           <a:xfrm>
             <a:off x="4038480" y="6356520"/>
-            <a:ext cx="4114440" cy="364680"/>
+            <a:ext cx="4114080" cy="364320"/>
           </a:xfrm>
           <a:prstGeom prst="rect">
             <a:avLst/>
@@ -4451,8 +4212,14 @@
             <a:noFill/>
           </a:ln>
         </p:spPr>
-        <p:txBody>
-          <a:bodyPr anchor="ctr"/>
+        <p:style>
+          <a:lnRef idx="0"/>
+          <a:fillRef idx="0"/>
+          <a:effectRef idx="0"/>
+          <a:fontRef idx="minor"/>
+        </p:style>
+        <p:txBody>
+          <a:bodyPr lIns="90000" rIns="90000" tIns="45000" bIns="45000" anchor="ctr"/>
           <a:p>
             <a:pPr algn="ctr">
               <a:lnSpc>
@@ -4482,7 +4249,7 @@
                   <a:srgbClr val="ffffff"/>
                 </a:solidFill>
               </a:uFill>
-              <a:latin typeface="Times New Roman"/>
+              <a:latin typeface="Arial"/>
             </a:endParaRPr>
           </a:p>
         </p:txBody>
@@ -4538,14 +4305,14 @@
       </p:grpSpPr>
       <p:sp>
         <p:nvSpPr>
-          <p:cNvPr id="86" name="TextShape 1"/>
-          <p:cNvSpPr txBox="1"/>
+          <p:cNvPr id="80" name="CustomShape 1"/>
+          <p:cNvSpPr/>
           <p:nvPr/>
         </p:nvSpPr>
         <p:spPr>
           <a:xfrm>
             <a:off x="838080" y="365040"/>
-            <a:ext cx="10515240" cy="1325160"/>
+            <a:ext cx="10514880" cy="1324800"/>
           </a:xfrm>
           <a:prstGeom prst="rect">
             <a:avLst/>
@@ -4555,8 +4322,14 @@
             <a:noFill/>
           </a:ln>
         </p:spPr>
-        <p:txBody>
-          <a:bodyPr anchor="ctr"/>
+        <p:style>
+          <a:lnRef idx="0"/>
+          <a:fillRef idx="0"/>
+          <a:effectRef idx="0"/>
+          <a:fontRef idx="minor"/>
+        </p:style>
+        <p:txBody>
+          <a:bodyPr lIns="90000" rIns="90000" tIns="45000" bIns="45000" anchor="ctr"/>
           <a:p>
             <a:pPr algn="ctr">
               <a:lnSpc>
@@ -4564,7 +4337,7 @@
               </a:lnSpc>
             </a:pPr>
             <a:r>
-              <a:rPr b="0" lang="he-IL" sz="4400" spc="-1" strike="noStrike">
+              <a:rPr b="0" lang="en-US" sz="4400" spc="-1" strike="noStrike">
                 <a:solidFill>
                   <a:srgbClr val="000000"/>
                 </a:solidFill>
@@ -4577,30 +4350,30 @@
               </a:rPr>
               <a:t>מטרת הפרויקט</a:t>
             </a:r>
-            <a:endParaRPr b="0" lang="he-IL" sz="4400" spc="-1" strike="noStrike">
-              <a:solidFill>
-                <a:srgbClr val="000000"/>
-              </a:solidFill>
-              <a:uFill>
-                <a:solidFill>
-                  <a:srgbClr val="ffffff"/>
-                </a:solidFill>
-              </a:uFill>
-              <a:latin typeface="Calibri"/>
-            </a:endParaRPr>
-          </a:p>
-        </p:txBody>
-      </p:sp>
-      <p:sp>
-        <p:nvSpPr>
-          <p:cNvPr id="87" name="TextShape 2"/>
-          <p:cNvSpPr txBox="1"/>
+            <a:endParaRPr b="0" lang="en-US" sz="4400" spc="-1" strike="noStrike">
+              <a:solidFill>
+                <a:srgbClr val="000000"/>
+              </a:solidFill>
+              <a:uFill>
+                <a:solidFill>
+                  <a:srgbClr val="ffffff"/>
+                </a:solidFill>
+              </a:uFill>
+              <a:latin typeface="Arial"/>
+            </a:endParaRPr>
+          </a:p>
+        </p:txBody>
+      </p:sp>
+      <p:sp>
+        <p:nvSpPr>
+          <p:cNvPr id="81" name="CustomShape 2"/>
+          <p:cNvSpPr/>
           <p:nvPr/>
         </p:nvSpPr>
         <p:spPr>
           <a:xfrm>
             <a:off x="838080" y="1825560"/>
-            <a:ext cx="10515240" cy="4350960"/>
+            <a:ext cx="10514880" cy="4350600"/>
           </a:xfrm>
           <a:prstGeom prst="rect">
             <a:avLst/>
@@ -4610,10 +4383,16 @@
             <a:noFill/>
           </a:ln>
         </p:spPr>
-        <p:txBody>
-          <a:bodyPr/>
-          <a:p>
-            <a:pPr marL="228600" indent="-228240" algn="r" rtl="1">
+        <p:style>
+          <a:lnRef idx="0"/>
+          <a:fillRef idx="0"/>
+          <a:effectRef idx="0"/>
+          <a:fontRef idx="minor"/>
+        </p:style>
+        <p:txBody>
+          <a:bodyPr lIns="90000" rIns="90000" tIns="45000" bIns="45000"/>
+          <a:p>
+            <a:pPr marL="228600" indent="-227880" algn="r" rtl="1">
               <a:lnSpc>
                 <a:spcPct val="100000"/>
               </a:lnSpc>
@@ -4627,7 +4406,7 @@
               <a:buChar char="•"/>
             </a:pPr>
             <a:r>
-              <a:rPr b="0" lang="he-IL" sz="2800" spc="-1" strike="noStrike">
+              <a:rPr b="0" lang="en-US" sz="2800" spc="-1" strike="noStrike">
                 <a:solidFill>
                   <a:srgbClr val="000000"/>
                 </a:solidFill>
@@ -4640,30 +4419,30 @@
               </a:rPr>
               <a:t>פיתוח אפליקציית אנדרואיד שתסייע למנהלי עבודה לתת דיווח למשרדי החברה ללא תלות בחיבור לאינטרנט, התעסקות בתשתיות או שימוש בכלים מורכבים.</a:t>
             </a:r>
-            <a:endParaRPr b="0" lang="he-IL" sz="2800" spc="-1" strike="noStrike">
-              <a:solidFill>
-                <a:srgbClr val="000000"/>
-              </a:solidFill>
-              <a:uFill>
-                <a:solidFill>
-                  <a:srgbClr val="ffffff"/>
-                </a:solidFill>
-              </a:uFill>
-              <a:latin typeface="Calibri"/>
-            </a:endParaRPr>
-          </a:p>
-        </p:txBody>
-      </p:sp>
-      <p:sp>
-        <p:nvSpPr>
-          <p:cNvPr id="88" name="TextShape 3"/>
-          <p:cNvSpPr txBox="1"/>
+            <a:endParaRPr b="0" lang="en-US" sz="2800" spc="-1" strike="noStrike">
+              <a:solidFill>
+                <a:srgbClr val="000000"/>
+              </a:solidFill>
+              <a:uFill>
+                <a:solidFill>
+                  <a:srgbClr val="ffffff"/>
+                </a:solidFill>
+              </a:uFill>
+              <a:latin typeface="Arial"/>
+            </a:endParaRPr>
+          </a:p>
+        </p:txBody>
+      </p:sp>
+      <p:sp>
+        <p:nvSpPr>
+          <p:cNvPr id="82" name="CustomShape 3"/>
+          <p:cNvSpPr/>
           <p:nvPr/>
         </p:nvSpPr>
         <p:spPr>
           <a:xfrm>
             <a:off x="9378360" y="15840"/>
-            <a:ext cx="2742840" cy="364680"/>
+            <a:ext cx="2742480" cy="364320"/>
           </a:xfrm>
           <a:prstGeom prst="rect">
             <a:avLst/>
@@ -4673,15 +4452,21 @@
             <a:noFill/>
           </a:ln>
         </p:spPr>
-        <p:txBody>
-          <a:bodyPr anchor="ctr"/>
+        <p:style>
+          <a:lnRef idx="0"/>
+          <a:fillRef idx="0"/>
+          <a:effectRef idx="0"/>
+          <a:fontRef idx="minor"/>
+        </p:style>
+        <p:txBody>
+          <a:bodyPr lIns="90000" rIns="90000" tIns="45000" bIns="45000" anchor="ctr"/>
           <a:p>
             <a:pPr algn="r">
               <a:lnSpc>
                 <a:spcPct val="100000"/>
               </a:lnSpc>
             </a:pPr>
-            <a:fld id="{9AD8AF98-F4DA-470E-9FF3-64FC8D1BA48A}" type="datetime1">
+            <a:fld id="{1A9EB45F-E8AA-403C-9593-94E4E437C4A2}" type="datetime1">
               <a:rPr b="0" lang="en-US" sz="1200" spc="-1" strike="noStrike">
                 <a:solidFill>
                   <a:srgbClr val="8b8b8b"/>
@@ -4704,21 +4489,21 @@
                   <a:srgbClr val="ffffff"/>
                 </a:solidFill>
               </a:uFill>
-              <a:latin typeface="Times New Roman"/>
-            </a:endParaRPr>
-          </a:p>
-        </p:txBody>
-      </p:sp>
-      <p:sp>
-        <p:nvSpPr>
-          <p:cNvPr id="89" name="TextShape 4"/>
-          <p:cNvSpPr txBox="1"/>
+              <a:latin typeface="Arial"/>
+            </a:endParaRPr>
+          </a:p>
+        </p:txBody>
+      </p:sp>
+      <p:sp>
+        <p:nvSpPr>
+          <p:cNvPr id="83" name="CustomShape 4"/>
+          <p:cNvSpPr/>
           <p:nvPr/>
         </p:nvSpPr>
         <p:spPr>
           <a:xfrm>
             <a:off x="4038480" y="6356520"/>
-            <a:ext cx="4114440" cy="364680"/>
+            <a:ext cx="4114080" cy="364320"/>
           </a:xfrm>
           <a:prstGeom prst="rect">
             <a:avLst/>
@@ -4728,8 +4513,14 @@
             <a:noFill/>
           </a:ln>
         </p:spPr>
-        <p:txBody>
-          <a:bodyPr anchor="ctr"/>
+        <p:style>
+          <a:lnRef idx="0"/>
+          <a:fillRef idx="0"/>
+          <a:effectRef idx="0"/>
+          <a:fontRef idx="minor"/>
+        </p:style>
+        <p:txBody>
+          <a:bodyPr lIns="90000" rIns="90000" tIns="45000" bIns="45000" anchor="ctr"/>
           <a:p>
             <a:pPr algn="ctr">
               <a:lnSpc>
@@ -4759,7 +4550,7 @@
                   <a:srgbClr val="ffffff"/>
                 </a:solidFill>
               </a:uFill>
-              <a:latin typeface="Times New Roman"/>
+              <a:latin typeface="Arial"/>
             </a:endParaRPr>
           </a:p>
         </p:txBody>
@@ -4815,14 +4606,14 @@
       </p:grpSpPr>
       <p:sp>
         <p:nvSpPr>
-          <p:cNvPr id="90" name="TextShape 1"/>
-          <p:cNvSpPr txBox="1"/>
+          <p:cNvPr id="84" name="CustomShape 1"/>
+          <p:cNvSpPr/>
           <p:nvPr/>
         </p:nvSpPr>
         <p:spPr>
           <a:xfrm>
             <a:off x="838080" y="365040"/>
-            <a:ext cx="10515240" cy="1325160"/>
+            <a:ext cx="10514880" cy="1324800"/>
           </a:xfrm>
           <a:prstGeom prst="rect">
             <a:avLst/>
@@ -4832,8 +4623,14 @@
             <a:noFill/>
           </a:ln>
         </p:spPr>
-        <p:txBody>
-          <a:bodyPr anchor="ctr"/>
+        <p:style>
+          <a:lnRef idx="0"/>
+          <a:fillRef idx="0"/>
+          <a:effectRef idx="0"/>
+          <a:fontRef idx="minor"/>
+        </p:style>
+        <p:txBody>
+          <a:bodyPr lIns="90000" rIns="90000" tIns="45000" bIns="45000" anchor="ctr"/>
           <a:p>
             <a:pPr algn="ctr">
               <a:lnSpc>
@@ -4841,7 +4638,7 @@
               </a:lnSpc>
             </a:pPr>
             <a:r>
-              <a:rPr b="0" lang="he-IL" sz="4400" spc="-1" strike="noStrike">
+              <a:rPr b="0" lang="en-US" sz="4400" spc="-1" strike="noStrike">
                 <a:solidFill>
                   <a:srgbClr val="000000"/>
                 </a:solidFill>
@@ -4854,30 +4651,30 @@
               </a:rPr>
               <a:t>רקע ותיאור הבעיה</a:t>
             </a:r>
-            <a:endParaRPr b="0" lang="he-IL" sz="4400" spc="-1" strike="noStrike">
-              <a:solidFill>
-                <a:srgbClr val="000000"/>
-              </a:solidFill>
-              <a:uFill>
-                <a:solidFill>
-                  <a:srgbClr val="ffffff"/>
-                </a:solidFill>
-              </a:uFill>
-              <a:latin typeface="Calibri"/>
-            </a:endParaRPr>
-          </a:p>
-        </p:txBody>
-      </p:sp>
-      <p:sp>
-        <p:nvSpPr>
-          <p:cNvPr id="91" name="TextShape 2"/>
-          <p:cNvSpPr txBox="1"/>
+            <a:endParaRPr b="0" lang="en-US" sz="4400" spc="-1" strike="noStrike">
+              <a:solidFill>
+                <a:srgbClr val="000000"/>
+              </a:solidFill>
+              <a:uFill>
+                <a:solidFill>
+                  <a:srgbClr val="ffffff"/>
+                </a:solidFill>
+              </a:uFill>
+              <a:latin typeface="Arial"/>
+            </a:endParaRPr>
+          </a:p>
+        </p:txBody>
+      </p:sp>
+      <p:sp>
+        <p:nvSpPr>
+          <p:cNvPr id="85" name="CustomShape 2"/>
+          <p:cNvSpPr/>
           <p:nvPr/>
         </p:nvSpPr>
         <p:spPr>
           <a:xfrm>
             <a:off x="838080" y="1825560"/>
-            <a:ext cx="10515240" cy="4350960"/>
+            <a:ext cx="10514880" cy="4350600"/>
           </a:xfrm>
           <a:prstGeom prst="rect">
             <a:avLst/>
@@ -4887,10 +4684,16 @@
             <a:noFill/>
           </a:ln>
         </p:spPr>
-        <p:txBody>
-          <a:bodyPr/>
-          <a:p>
-            <a:pPr marL="228600" indent="-228240" algn="r" rtl="1">
+        <p:style>
+          <a:lnRef idx="0"/>
+          <a:fillRef idx="0"/>
+          <a:effectRef idx="0"/>
+          <a:fontRef idx="minor"/>
+        </p:style>
+        <p:txBody>
+          <a:bodyPr lIns="90000" rIns="90000" tIns="45000" bIns="45000"/>
+          <a:p>
+            <a:pPr marL="228600" indent="-227880" algn="r" rtl="1">
               <a:lnSpc>
                 <a:spcPct val="100000"/>
               </a:lnSpc>
@@ -4904,7 +4707,7 @@
               <a:buChar char="•"/>
             </a:pPr>
             <a:r>
-              <a:rPr b="0" lang="he-IL" sz="2800" spc="-1" strike="noStrike">
+              <a:rPr b="0" lang="en-US" sz="2800" spc="-1" strike="noStrike">
                 <a:solidFill>
                   <a:srgbClr val="000000"/>
                 </a:solidFill>
@@ -4915,22 +4718,22 @@
                 </a:uFill>
                 <a:latin typeface="Calibri"/>
               </a:rPr>
-              <a:t>כיום, מנהלי העבודה בחברת מ.ש אלומיניום נצרכים להסתובב באתרי הלקוחות שלהם כדי להעריך ולעדכן את מצבי הפרויקט כדי להשאיר את משרדי החברה מעודכנים בכל עת.</a:t>
+              <a:t>כיום, מנהלי העבודה בחברת מ.ש אלומיניום צריכים להסתובב באתרי הלקוחות שלהם כדי להעריך ולעדכן את מצבי הפרויקט כדי להשאיר את משרדי החברה מעודכנים בכל עת.</a:t>
             </a:r>
-            <a:endParaRPr b="0" lang="he-IL" sz="2800" spc="-1" strike="noStrike">
-              <a:solidFill>
-                <a:srgbClr val="000000"/>
-              </a:solidFill>
-              <a:uFill>
-                <a:solidFill>
-                  <a:srgbClr val="ffffff"/>
-                </a:solidFill>
-              </a:uFill>
-              <a:latin typeface="Calibri"/>
-            </a:endParaRPr>
-          </a:p>
-          <a:p>
-            <a:pPr marL="228600" indent="-228240" algn="r" rtl="1">
+            <a:endParaRPr b="0" lang="en-US" sz="2800" spc="-1" strike="noStrike">
+              <a:solidFill>
+                <a:srgbClr val="000000"/>
+              </a:solidFill>
+              <a:uFill>
+                <a:solidFill>
+                  <a:srgbClr val="ffffff"/>
+                </a:solidFill>
+              </a:uFill>
+              <a:latin typeface="Arial"/>
+            </a:endParaRPr>
+          </a:p>
+          <a:p>
+            <a:pPr marL="228600" indent="-227880" algn="r" rtl="1">
               <a:lnSpc>
                 <a:spcPct val="100000"/>
               </a:lnSpc>
@@ -4944,7 +4747,7 @@
               <a:buChar char="•"/>
             </a:pPr>
             <a:r>
-              <a:rPr b="0" lang="he-IL" sz="2800" spc="-1" strike="noStrike">
+              <a:rPr b="0" lang="en-US" sz="2800" spc="-1" strike="noStrike">
                 <a:solidFill>
                   <a:srgbClr val="000000"/>
                 </a:solidFill>
@@ -4957,20 +4760,20 @@
               </a:rPr>
               <a:t>לפעמים באתרי הלקוח קיימות בעיות תקשורת, וגם אם אין בעיות תקשורת, למנהל עבודה אין מספיק זמן לפתוח מחשב נייד כדי להתחבר לשרת הארגון כדי לשלוח דו"ח המעדכן את משרדי החברה על מצב הפרויקט אותו הוא מנהל.</a:t>
             </a:r>
-            <a:endParaRPr b="0" lang="he-IL" sz="2800" spc="-1" strike="noStrike">
-              <a:solidFill>
-                <a:srgbClr val="000000"/>
-              </a:solidFill>
-              <a:uFill>
-                <a:solidFill>
-                  <a:srgbClr val="ffffff"/>
-                </a:solidFill>
-              </a:uFill>
-              <a:latin typeface="Calibri"/>
-            </a:endParaRPr>
-          </a:p>
-          <a:p>
-            <a:pPr marL="228600" indent="-228240" algn="r" rtl="1">
+            <a:endParaRPr b="0" lang="en-US" sz="2800" spc="-1" strike="noStrike">
+              <a:solidFill>
+                <a:srgbClr val="000000"/>
+              </a:solidFill>
+              <a:uFill>
+                <a:solidFill>
+                  <a:srgbClr val="ffffff"/>
+                </a:solidFill>
+              </a:uFill>
+              <a:latin typeface="Arial"/>
+            </a:endParaRPr>
+          </a:p>
+          <a:p>
+            <a:pPr marL="228600" indent="-227880" algn="r" rtl="1">
               <a:lnSpc>
                 <a:spcPct val="100000"/>
               </a:lnSpc>
@@ -4984,7 +4787,7 @@
               <a:buChar char="•"/>
             </a:pPr>
             <a:r>
-              <a:rPr b="0" lang="he-IL" sz="2800" spc="-1" strike="noStrike">
+              <a:rPr b="0" lang="en-US" sz="2800" spc="-1" strike="noStrike">
                 <a:solidFill>
                   <a:srgbClr val="000000"/>
                 </a:solidFill>
@@ -4997,30 +4800,30 @@
               </a:rPr>
               <a:t>הכלים שמנהלי העבודה משתמשים בהם כיום פחות מותאמים לסוג הדוחות שהחברה רוצה.</a:t>
             </a:r>
-            <a:endParaRPr b="0" lang="he-IL" sz="2800" spc="-1" strike="noStrike">
-              <a:solidFill>
-                <a:srgbClr val="000000"/>
-              </a:solidFill>
-              <a:uFill>
-                <a:solidFill>
-                  <a:srgbClr val="ffffff"/>
-                </a:solidFill>
-              </a:uFill>
-              <a:latin typeface="Calibri"/>
-            </a:endParaRPr>
-          </a:p>
-        </p:txBody>
-      </p:sp>
-      <p:sp>
-        <p:nvSpPr>
-          <p:cNvPr id="92" name="TextShape 3"/>
-          <p:cNvSpPr txBox="1"/>
+            <a:endParaRPr b="0" lang="en-US" sz="2800" spc="-1" strike="noStrike">
+              <a:solidFill>
+                <a:srgbClr val="000000"/>
+              </a:solidFill>
+              <a:uFill>
+                <a:solidFill>
+                  <a:srgbClr val="ffffff"/>
+                </a:solidFill>
+              </a:uFill>
+              <a:latin typeface="Arial"/>
+            </a:endParaRPr>
+          </a:p>
+        </p:txBody>
+      </p:sp>
+      <p:sp>
+        <p:nvSpPr>
+          <p:cNvPr id="86" name="CustomShape 3"/>
+          <p:cNvSpPr/>
           <p:nvPr/>
         </p:nvSpPr>
         <p:spPr>
           <a:xfrm>
             <a:off x="9378360" y="15840"/>
-            <a:ext cx="2742840" cy="364680"/>
+            <a:ext cx="2742480" cy="364320"/>
           </a:xfrm>
           <a:prstGeom prst="rect">
             <a:avLst/>
@@ -5030,15 +4833,21 @@
             <a:noFill/>
           </a:ln>
         </p:spPr>
-        <p:txBody>
-          <a:bodyPr anchor="ctr"/>
+        <p:style>
+          <a:lnRef idx="0"/>
+          <a:fillRef idx="0"/>
+          <a:effectRef idx="0"/>
+          <a:fontRef idx="minor"/>
+        </p:style>
+        <p:txBody>
+          <a:bodyPr lIns="90000" rIns="90000" tIns="45000" bIns="45000" anchor="ctr"/>
           <a:p>
             <a:pPr algn="r">
               <a:lnSpc>
                 <a:spcPct val="100000"/>
               </a:lnSpc>
             </a:pPr>
-            <a:fld id="{58421BCB-444E-4DF4-9B51-D184D85F9686}" type="datetime1">
+            <a:fld id="{32A7FEB8-6FE5-4C95-AE9D-7CBA42A0BDEB}" type="datetime1">
               <a:rPr b="0" lang="en-US" sz="1200" spc="-1" strike="noStrike">
                 <a:solidFill>
                   <a:srgbClr val="8b8b8b"/>
@@ -5061,21 +4870,21 @@
                   <a:srgbClr val="ffffff"/>
                 </a:solidFill>
               </a:uFill>
-              <a:latin typeface="Times New Roman"/>
-            </a:endParaRPr>
-          </a:p>
-        </p:txBody>
-      </p:sp>
-      <p:sp>
-        <p:nvSpPr>
-          <p:cNvPr id="93" name="TextShape 4"/>
-          <p:cNvSpPr txBox="1"/>
+              <a:latin typeface="Arial"/>
+            </a:endParaRPr>
+          </a:p>
+        </p:txBody>
+      </p:sp>
+      <p:sp>
+        <p:nvSpPr>
+          <p:cNvPr id="87" name="CustomShape 4"/>
+          <p:cNvSpPr/>
           <p:nvPr/>
         </p:nvSpPr>
         <p:spPr>
           <a:xfrm>
             <a:off x="4038480" y="6356520"/>
-            <a:ext cx="4114440" cy="364680"/>
+            <a:ext cx="4114080" cy="364320"/>
           </a:xfrm>
           <a:prstGeom prst="rect">
             <a:avLst/>
@@ -5085,8 +4894,14 @@
             <a:noFill/>
           </a:ln>
         </p:spPr>
-        <p:txBody>
-          <a:bodyPr anchor="ctr"/>
+        <p:style>
+          <a:lnRef idx="0"/>
+          <a:fillRef idx="0"/>
+          <a:effectRef idx="0"/>
+          <a:fontRef idx="minor"/>
+        </p:style>
+        <p:txBody>
+          <a:bodyPr lIns="90000" rIns="90000" tIns="45000" bIns="45000" anchor="ctr"/>
           <a:p>
             <a:pPr algn="ctr">
               <a:lnSpc>
@@ -5116,7 +4931,7 @@
                   <a:srgbClr val="ffffff"/>
                 </a:solidFill>
               </a:uFill>
-              <a:latin typeface="Times New Roman"/>
+              <a:latin typeface="Arial"/>
             </a:endParaRPr>
           </a:p>
         </p:txBody>
@@ -5172,14 +4987,14 @@
       </p:grpSpPr>
       <p:sp>
         <p:nvSpPr>
-          <p:cNvPr id="94" name="TextShape 1"/>
-          <p:cNvSpPr txBox="1"/>
+          <p:cNvPr id="88" name="CustomShape 1"/>
+          <p:cNvSpPr/>
           <p:nvPr/>
         </p:nvSpPr>
         <p:spPr>
           <a:xfrm>
             <a:off x="4248000" y="114840"/>
-            <a:ext cx="4680000" cy="749160"/>
+            <a:ext cx="4679640" cy="748800"/>
           </a:xfrm>
           <a:prstGeom prst="rect">
             <a:avLst/>
@@ -5189,8 +5004,14 @@
             <a:noFill/>
           </a:ln>
         </p:spPr>
-        <p:txBody>
-          <a:bodyPr anchor="ctr"/>
+        <p:style>
+          <a:lnRef idx="0"/>
+          <a:fillRef idx="0"/>
+          <a:effectRef idx="0"/>
+          <a:fontRef idx="minor"/>
+        </p:style>
+        <p:txBody>
+          <a:bodyPr lIns="90000" rIns="90000" tIns="45000" bIns="45000" anchor="ctr"/>
           <a:p>
             <a:pPr algn="ctr">
               <a:lnSpc>
@@ -5198,7 +5019,7 @@
               </a:lnSpc>
             </a:pPr>
             <a:r>
-              <a:rPr b="0" lang="he-IL" sz="4400" spc="-1" strike="noStrike">
+              <a:rPr b="0" lang="en-US" sz="4400" spc="-1" strike="noStrike">
                 <a:solidFill>
                   <a:srgbClr val="000000"/>
                 </a:solidFill>
@@ -5211,30 +5032,30 @@
               </a:rPr>
               <a:t>מבוא</a:t>
             </a:r>
-            <a:endParaRPr b="0" lang="he-IL" sz="4400" spc="-1" strike="noStrike">
-              <a:solidFill>
-                <a:srgbClr val="000000"/>
-              </a:solidFill>
-              <a:uFill>
-                <a:solidFill>
-                  <a:srgbClr val="ffffff"/>
-                </a:solidFill>
-              </a:uFill>
-              <a:latin typeface="Calibri"/>
-            </a:endParaRPr>
-          </a:p>
-        </p:txBody>
-      </p:sp>
-      <p:sp>
-        <p:nvSpPr>
-          <p:cNvPr id="95" name="TextShape 2"/>
-          <p:cNvSpPr txBox="1"/>
+            <a:endParaRPr b="0" lang="en-US" sz="4400" spc="-1" strike="noStrike">
+              <a:solidFill>
+                <a:srgbClr val="000000"/>
+              </a:solidFill>
+              <a:uFill>
+                <a:solidFill>
+                  <a:srgbClr val="ffffff"/>
+                </a:solidFill>
+              </a:uFill>
+              <a:latin typeface="Arial"/>
+            </a:endParaRPr>
+          </a:p>
+        </p:txBody>
+      </p:sp>
+      <p:sp>
+        <p:nvSpPr>
+          <p:cNvPr id="89" name="CustomShape 2"/>
+          <p:cNvSpPr/>
           <p:nvPr/>
         </p:nvSpPr>
         <p:spPr>
           <a:xfrm>
             <a:off x="936000" y="818640"/>
-            <a:ext cx="10515240" cy="5013360"/>
+            <a:ext cx="10514880" cy="5013000"/>
           </a:xfrm>
           <a:prstGeom prst="rect">
             <a:avLst/>
@@ -5244,10 +5065,16 @@
             <a:noFill/>
           </a:ln>
         </p:spPr>
-        <p:txBody>
-          <a:bodyPr/>
-          <a:p>
-            <a:pPr marL="228600" indent="-228240" algn="r" rtl="1">
+        <p:style>
+          <a:lnRef idx="0"/>
+          <a:fillRef idx="0"/>
+          <a:effectRef idx="0"/>
+          <a:fontRef idx="minor"/>
+        </p:style>
+        <p:txBody>
+          <a:bodyPr lIns="90000" rIns="90000" tIns="45000" bIns="45000"/>
+          <a:p>
+            <a:pPr marL="228600" indent="-227880" algn="r" rtl="1">
               <a:lnSpc>
                 <a:spcPct val="100000"/>
               </a:lnSpc>
@@ -5261,7 +5088,7 @@
               <a:buChar char="•"/>
             </a:pPr>
             <a:r>
-              <a:rPr b="0" lang="he-IL" sz="2800" spc="-1" strike="noStrike">
+              <a:rPr b="0" lang="en-US" sz="2800" spc="-1" strike="noStrike">
                 <a:solidFill>
                   <a:srgbClr val="000000"/>
                 </a:solidFill>
@@ -5274,20 +5101,20 @@
               </a:rPr>
               <a:t>אנו רוצים לכתוב אפליקציית אנדרואיד ש:</a:t>
             </a:r>
-            <a:endParaRPr b="0" lang="he-IL" sz="2800" spc="-1" strike="noStrike">
-              <a:solidFill>
-                <a:srgbClr val="000000"/>
-              </a:solidFill>
-              <a:uFill>
-                <a:solidFill>
-                  <a:srgbClr val="ffffff"/>
-                </a:solidFill>
-              </a:uFill>
-              <a:latin typeface="Calibri"/>
-            </a:endParaRPr>
-          </a:p>
-          <a:p>
-            <a:pPr lvl="1" marL="685800" indent="-228240" algn="r" rtl="1">
+            <a:endParaRPr b="0" lang="en-US" sz="2800" spc="-1" strike="noStrike">
+              <a:solidFill>
+                <a:srgbClr val="000000"/>
+              </a:solidFill>
+              <a:uFill>
+                <a:solidFill>
+                  <a:srgbClr val="ffffff"/>
+                </a:solidFill>
+              </a:uFill>
+              <a:latin typeface="Arial"/>
+            </a:endParaRPr>
+          </a:p>
+          <a:p>
+            <a:pPr lvl="1" marL="685800" indent="-227880" algn="r" rtl="1">
               <a:lnSpc>
                 <a:spcPct val="100000"/>
               </a:lnSpc>
@@ -5301,7 +5128,7 @@
               <a:buChar char="•"/>
             </a:pPr>
             <a:r>
-              <a:rPr b="0" lang="he-IL" sz="2400" spc="-1" strike="noStrike">
+              <a:rPr b="0" lang="en-US" sz="2400" spc="-1" strike="noStrike">
                 <a:solidFill>
                   <a:srgbClr val="000000"/>
                 </a:solidFill>
@@ -5314,20 +5141,20 @@
               </a:rPr>
               <a:t>אינה תלויה בגורמי תקשורת (בדומה לווטסאפ), כאשר נשלח עדכון למסד הנתונים מהאפליקציה, העדכון נשמר ע"ג מכשיר הפלאפון וכאשר מזוהה חיבור לאינטרנט, האפליקציה תדאג אוטומטית לשלוח את העדכון מבלי התערבות מצד המשתמש.</a:t>
             </a:r>
-            <a:endParaRPr b="0" lang="he-IL" sz="2400" spc="-1" strike="noStrike">
-              <a:solidFill>
-                <a:srgbClr val="000000"/>
-              </a:solidFill>
-              <a:uFill>
-                <a:solidFill>
-                  <a:srgbClr val="ffffff"/>
-                </a:solidFill>
-              </a:uFill>
-              <a:latin typeface="Calibri"/>
-            </a:endParaRPr>
-          </a:p>
-          <a:p>
-            <a:pPr lvl="1" marL="685800" indent="-228240" algn="r" rtl="1">
+            <a:endParaRPr b="0" lang="en-US" sz="2400" spc="-1" strike="noStrike">
+              <a:solidFill>
+                <a:srgbClr val="000000"/>
+              </a:solidFill>
+              <a:uFill>
+                <a:solidFill>
+                  <a:srgbClr val="ffffff"/>
+                </a:solidFill>
+              </a:uFill>
+              <a:latin typeface="Arial"/>
+            </a:endParaRPr>
+          </a:p>
+          <a:p>
+            <a:pPr lvl="1" marL="685800" indent="-227880" algn="r" rtl="1">
               <a:lnSpc>
                 <a:spcPct val="100000"/>
               </a:lnSpc>
@@ -5341,7 +5168,7 @@
               <a:buChar char="•"/>
             </a:pPr>
             <a:r>
-              <a:rPr b="0" lang="he-IL" sz="2400" spc="-1" strike="noStrike">
+              <a:rPr b="0" lang="en-US" sz="2400" spc="-1" strike="noStrike">
                 <a:solidFill>
                   <a:srgbClr val="000000"/>
                 </a:solidFill>
@@ -5352,22 +5179,22 @@
                 </a:uFill>
                 <a:latin typeface="Calibri"/>
               </a:rPr>
-              <a:t>מותאמת באופן אישי לצרכי מנהל העבודה – אנו רוצים לספק את ממשק המשתמש הנוח ביותר שיגרום לדיווח למשרדי החברה דרך האפליקציה שלנו להראות פחות עול מאשר התהליך כיום.</a:t>
+              <a:t>מותאמת באופן אישי לצרכי מנהל העבודה – אנו רוצים לספק את ממשק המשתמש הנוח ביותר שיגרום לדיווח למשרדי החברה דרך האפליקציה שלנו להיות תהליך ידידותי יותר מאשר התהליך המוצע כיום.</a:t>
             </a:r>
-            <a:endParaRPr b="0" lang="he-IL" sz="2400" spc="-1" strike="noStrike">
-              <a:solidFill>
-                <a:srgbClr val="000000"/>
-              </a:solidFill>
-              <a:uFill>
-                <a:solidFill>
-                  <a:srgbClr val="ffffff"/>
-                </a:solidFill>
-              </a:uFill>
-              <a:latin typeface="Calibri"/>
-            </a:endParaRPr>
-          </a:p>
-          <a:p>
-            <a:pPr lvl="1" marL="685800" indent="-228240" algn="r" rtl="1">
+            <a:endParaRPr b="0" lang="en-US" sz="2400" spc="-1" strike="noStrike">
+              <a:solidFill>
+                <a:srgbClr val="000000"/>
+              </a:solidFill>
+              <a:uFill>
+                <a:solidFill>
+                  <a:srgbClr val="ffffff"/>
+                </a:solidFill>
+              </a:uFill>
+              <a:latin typeface="Arial"/>
+            </a:endParaRPr>
+          </a:p>
+          <a:p>
+            <a:pPr lvl="1" marL="685800" indent="-227880" algn="r" rtl="1">
               <a:lnSpc>
                 <a:spcPct val="100000"/>
               </a:lnSpc>
@@ -5381,7 +5208,7 @@
               <a:buChar char="•"/>
             </a:pPr>
             <a:r>
-              <a:rPr b="0" lang="he-IL" sz="2400" spc="-1" strike="noStrike">
+              <a:rPr b="0" lang="en-US" sz="2400" spc="-1" strike="noStrike">
                 <a:solidFill>
                   <a:srgbClr val="000000"/>
                 </a:solidFill>
@@ -5394,20 +5221,20 @@
               </a:rPr>
               <a:t>מאובטחת לחלוטין – כאשר אנו מתעסקים בנתוני הלקוח במכשיר הפלאפון, יש לנו חשיבות רבה לכך שבמידה ומכשיר הפלאפון יאבד, אין סכנה חד משמעית שכל נתוני הלקוח יפורסמו תוך פרק זמן קצר באינטרנט.</a:t>
             </a:r>
-            <a:endParaRPr b="0" lang="he-IL" sz="2400" spc="-1" strike="noStrike">
-              <a:solidFill>
-                <a:srgbClr val="000000"/>
-              </a:solidFill>
-              <a:uFill>
-                <a:solidFill>
-                  <a:srgbClr val="ffffff"/>
-                </a:solidFill>
-              </a:uFill>
-              <a:latin typeface="Calibri"/>
-            </a:endParaRPr>
-          </a:p>
-          <a:p>
-            <a:pPr lvl="1" marL="685800" indent="-228240" algn="r" rtl="1">
+            <a:endParaRPr b="0" lang="en-US" sz="2400" spc="-1" strike="noStrike">
+              <a:solidFill>
+                <a:srgbClr val="000000"/>
+              </a:solidFill>
+              <a:uFill>
+                <a:solidFill>
+                  <a:srgbClr val="ffffff"/>
+                </a:solidFill>
+              </a:uFill>
+              <a:latin typeface="Arial"/>
+            </a:endParaRPr>
+          </a:p>
+          <a:p>
+            <a:pPr lvl="1" marL="685800" indent="-227880" algn="r" rtl="1">
               <a:lnSpc>
                 <a:spcPct val="100000"/>
               </a:lnSpc>
@@ -5421,7 +5248,7 @@
               <a:buChar char="•"/>
             </a:pPr>
             <a:r>
-              <a:rPr b="0" lang="he-IL" sz="2400" spc="-1" strike="noStrike">
+              <a:rPr b="0" lang="en-US" sz="2400" spc="-1" strike="noStrike">
                 <a:solidFill>
                   <a:srgbClr val="000000"/>
                 </a:solidFill>
@@ -5434,43 +5261,48 @@
               </a:rPr>
               <a:t>מודולרית וניתנת לעדכון – אנו כותבים אפליקציית תשתית שאנו מודעים לכך שהלקוח ירצה "לשפר" ככל שהלקוח יצמח בשוק שלו, ולכן נספק ללקוח תיעוד ברמה גבוהה, ממשק פיתוח נוח ומובן ומודולרי בנוסף לבדיקות יחידה מספקות שהרכיבים היסודיים שאנו מספקים ללקוח עובדים כראוי.</a:t>
             </a:r>
-            <a:endParaRPr b="0" lang="he-IL" sz="2400" spc="-1" strike="noStrike">
-              <a:solidFill>
-                <a:srgbClr val="000000"/>
-              </a:solidFill>
-              <a:uFill>
-                <a:solidFill>
-                  <a:srgbClr val="ffffff"/>
-                </a:solidFill>
-              </a:uFill>
-              <a:latin typeface="Calibri"/>
-            </a:endParaRPr>
-          </a:p>
-          <a:p>
-            <a:endParaRPr b="0" lang="he-IL" sz="2400" spc="-1" strike="noStrike">
-              <a:solidFill>
-                <a:srgbClr val="000000"/>
-              </a:solidFill>
-              <a:uFill>
-                <a:solidFill>
-                  <a:srgbClr val="ffffff"/>
-                </a:solidFill>
-              </a:uFill>
-              <a:latin typeface="Calibri"/>
-            </a:endParaRPr>
-          </a:p>
-        </p:txBody>
-      </p:sp>
-      <p:sp>
-        <p:nvSpPr>
-          <p:cNvPr id="96" name="TextShape 3"/>
-          <p:cNvSpPr txBox="1"/>
+            <a:endParaRPr b="0" lang="en-US" sz="2400" spc="-1" strike="noStrike">
+              <a:solidFill>
+                <a:srgbClr val="000000"/>
+              </a:solidFill>
+              <a:uFill>
+                <a:solidFill>
+                  <a:srgbClr val="ffffff"/>
+                </a:solidFill>
+              </a:uFill>
+              <a:latin typeface="Arial"/>
+            </a:endParaRPr>
+          </a:p>
+          <a:p>
+            <a:pPr rtl="1">
+              <a:lnSpc>
+                <a:spcPct val="100000"/>
+              </a:lnSpc>
+            </a:pPr>
+            <a:endParaRPr b="0" lang="en-US" sz="2400" spc="-1" strike="noStrike">
+              <a:solidFill>
+                <a:srgbClr val="000000"/>
+              </a:solidFill>
+              <a:uFill>
+                <a:solidFill>
+                  <a:srgbClr val="ffffff"/>
+                </a:solidFill>
+              </a:uFill>
+              <a:latin typeface="Arial"/>
+            </a:endParaRPr>
+          </a:p>
+        </p:txBody>
+      </p:sp>
+      <p:sp>
+        <p:nvSpPr>
+          <p:cNvPr id="90" name="CustomShape 3"/>
+          <p:cNvSpPr/>
           <p:nvPr/>
         </p:nvSpPr>
         <p:spPr>
           <a:xfrm>
             <a:off x="9378360" y="15840"/>
-            <a:ext cx="2742840" cy="364680"/>
+            <a:ext cx="2742480" cy="364320"/>
           </a:xfrm>
           <a:prstGeom prst="rect">
             <a:avLst/>
@@ -5480,15 +5312,21 @@
             <a:noFill/>
           </a:ln>
         </p:spPr>
-        <p:txBody>
-          <a:bodyPr anchor="ctr"/>
+        <p:style>
+          <a:lnRef idx="0"/>
+          <a:fillRef idx="0"/>
+          <a:effectRef idx="0"/>
+          <a:fontRef idx="minor"/>
+        </p:style>
+        <p:txBody>
+          <a:bodyPr lIns="90000" rIns="90000" tIns="45000" bIns="45000" anchor="ctr"/>
           <a:p>
             <a:pPr algn="r">
               <a:lnSpc>
                 <a:spcPct val="100000"/>
               </a:lnSpc>
             </a:pPr>
-            <a:fld id="{999CCC09-50D6-4EB7-88B2-EB264458BCD2}" type="datetime1">
+            <a:fld id="{905771AD-C561-444B-A5FA-96CF3932F1A9}" type="datetime1">
               <a:rPr b="0" lang="en-US" sz="1200" spc="-1" strike="noStrike">
                 <a:solidFill>
                   <a:srgbClr val="8b8b8b"/>
@@ -5511,21 +5349,21 @@
                   <a:srgbClr val="ffffff"/>
                 </a:solidFill>
               </a:uFill>
-              <a:latin typeface="Times New Roman"/>
-            </a:endParaRPr>
-          </a:p>
-        </p:txBody>
-      </p:sp>
-      <p:sp>
-        <p:nvSpPr>
-          <p:cNvPr id="97" name="TextShape 4"/>
-          <p:cNvSpPr txBox="1"/>
+              <a:latin typeface="Arial"/>
+            </a:endParaRPr>
+          </a:p>
+        </p:txBody>
+      </p:sp>
+      <p:sp>
+        <p:nvSpPr>
+          <p:cNvPr id="91" name="CustomShape 4"/>
+          <p:cNvSpPr/>
           <p:nvPr/>
         </p:nvSpPr>
         <p:spPr>
           <a:xfrm>
             <a:off x="4038480" y="6356520"/>
-            <a:ext cx="4114440" cy="364680"/>
+            <a:ext cx="4114080" cy="364320"/>
           </a:xfrm>
           <a:prstGeom prst="rect">
             <a:avLst/>
@@ -5535,8 +5373,14 @@
             <a:noFill/>
           </a:ln>
         </p:spPr>
-        <p:txBody>
-          <a:bodyPr anchor="ctr"/>
+        <p:style>
+          <a:lnRef idx="0"/>
+          <a:fillRef idx="0"/>
+          <a:effectRef idx="0"/>
+          <a:fontRef idx="minor"/>
+        </p:style>
+        <p:txBody>
+          <a:bodyPr lIns="90000" rIns="90000" tIns="45000" bIns="45000" anchor="ctr"/>
           <a:p>
             <a:pPr algn="ctr">
               <a:lnSpc>
@@ -5566,7 +5410,7 @@
                   <a:srgbClr val="ffffff"/>
                 </a:solidFill>
               </a:uFill>
-              <a:latin typeface="Times New Roman"/>
+              <a:latin typeface="Arial"/>
             </a:endParaRPr>
           </a:p>
         </p:txBody>
@@ -5622,14 +5466,14 @@
       </p:grpSpPr>
       <p:sp>
         <p:nvSpPr>
-          <p:cNvPr id="98" name="TextShape 1"/>
-          <p:cNvSpPr txBox="1"/>
+          <p:cNvPr id="92" name="CustomShape 1"/>
+          <p:cNvSpPr/>
           <p:nvPr/>
         </p:nvSpPr>
         <p:spPr>
           <a:xfrm>
             <a:off x="838080" y="365040"/>
-            <a:ext cx="10515240" cy="1325160"/>
+            <a:ext cx="10514880" cy="1324800"/>
           </a:xfrm>
           <a:prstGeom prst="rect">
             <a:avLst/>
@@ -5639,8 +5483,14 @@
             <a:noFill/>
           </a:ln>
         </p:spPr>
-        <p:txBody>
-          <a:bodyPr anchor="ctr"/>
+        <p:style>
+          <a:lnRef idx="0"/>
+          <a:fillRef idx="0"/>
+          <a:effectRef idx="0"/>
+          <a:fontRef idx="minor"/>
+        </p:style>
+        <p:txBody>
+          <a:bodyPr lIns="90000" rIns="90000" tIns="45000" bIns="45000" anchor="ctr"/>
           <a:p>
             <a:pPr algn="ctr">
               <a:lnSpc>
@@ -5648,7 +5498,7 @@
               </a:lnSpc>
             </a:pPr>
             <a:r>
-              <a:rPr b="0" lang="he-IL" sz="4400" spc="-1" strike="noStrike">
+              <a:rPr b="0" lang="en-US" sz="4400" spc="-1" strike="noStrike">
                 <a:solidFill>
                   <a:srgbClr val="000000"/>
                 </a:solidFill>
@@ -5661,30 +5511,30 @@
               </a:rPr>
               <a:t>אתגרים</a:t>
             </a:r>
-            <a:endParaRPr b="0" lang="he-IL" sz="4400" spc="-1" strike="noStrike">
-              <a:solidFill>
-                <a:srgbClr val="000000"/>
-              </a:solidFill>
-              <a:uFill>
-                <a:solidFill>
-                  <a:srgbClr val="ffffff"/>
-                </a:solidFill>
-              </a:uFill>
-              <a:latin typeface="Calibri"/>
-            </a:endParaRPr>
-          </a:p>
-        </p:txBody>
-      </p:sp>
-      <p:sp>
-        <p:nvSpPr>
-          <p:cNvPr id="99" name="TextShape 2"/>
-          <p:cNvSpPr txBox="1"/>
+            <a:endParaRPr b="0" lang="en-US" sz="4400" spc="-1" strike="noStrike">
+              <a:solidFill>
+                <a:srgbClr val="000000"/>
+              </a:solidFill>
+              <a:uFill>
+                <a:solidFill>
+                  <a:srgbClr val="ffffff"/>
+                </a:solidFill>
+              </a:uFill>
+              <a:latin typeface="Arial"/>
+            </a:endParaRPr>
+          </a:p>
+        </p:txBody>
+      </p:sp>
+      <p:sp>
+        <p:nvSpPr>
+          <p:cNvPr id="93" name="CustomShape 2"/>
+          <p:cNvSpPr/>
           <p:nvPr/>
         </p:nvSpPr>
         <p:spPr>
           <a:xfrm>
             <a:off x="777960" y="1402920"/>
-            <a:ext cx="10515240" cy="4350960"/>
+            <a:ext cx="10514880" cy="4350600"/>
           </a:xfrm>
           <a:prstGeom prst="rect">
             <a:avLst/>
@@ -5694,12 +5544,18 @@
             <a:noFill/>
           </a:ln>
         </p:spPr>
-        <p:txBody>
-          <a:bodyPr>
+        <p:style>
+          <a:lnRef idx="0"/>
+          <a:fillRef idx="0"/>
+          <a:effectRef idx="0"/>
+          <a:fontRef idx="minor"/>
+        </p:style>
+        <p:txBody>
+          <a:bodyPr lIns="90000" rIns="90000" tIns="45000" bIns="45000">
             <a:normAutofit/>
           </a:bodyPr>
           <a:p>
-            <a:pPr marL="228600" indent="-228240" algn="r" rtl="1">
+            <a:pPr marL="228600" indent="-227880" algn="r" rtl="1">
               <a:lnSpc>
                 <a:spcPct val="100000"/>
               </a:lnSpc>
@@ -5713,7 +5569,7 @@
               <a:buChar char="•"/>
             </a:pPr>
             <a:r>
-              <a:rPr b="0" lang="he-IL" sz="2800" spc="-1" strike="noStrike">
+              <a:rPr b="0" lang="en-US" sz="2800" spc="-1" strike="noStrike">
                 <a:solidFill>
                   <a:srgbClr val="000000"/>
                 </a:solidFill>
@@ -5727,7 +5583,7 @@
               <a:t>האתגר הראשוני הוא עדכון מכשיר האנדרואיד בנתונים </a:t>
             </a:r>
             <a:r>
-              <a:rPr b="1" lang="he-IL" sz="2800" spc="-1" strike="noStrike">
+              <a:rPr b="1" lang="en-US" sz="2800" spc="-1" strike="noStrike">
                 <a:solidFill>
                   <a:srgbClr val="000000"/>
                 </a:solidFill>
@@ -5741,7 +5597,7 @@
               <a:t>מקומיים</a:t>
             </a:r>
             <a:r>
-              <a:rPr b="0" lang="he-IL" sz="2800" spc="-1" strike="noStrike">
+              <a:rPr b="0" lang="en-US" sz="2800" spc="-1" strike="noStrike">
                 <a:solidFill>
                   <a:srgbClr val="000000"/>
                 </a:solidFill>
@@ -5754,20 +5610,20 @@
               </a:rPr>
               <a:t> עדכניים שימנעו את הצורך מצד המשתמש לבצע תקשורות רבות מול האינטרנט ולהקטין כמה שניתן את זמן הסינכרון, ובעוד אנו רוצים לספק שכבת אבטחה שמונעת גלישה של נתונים ממשתמש אחד למשתמש שני כאשר הם משתמשים באותו מכשיר הפלאפון.</a:t>
             </a:r>
-            <a:endParaRPr b="0" lang="he-IL" sz="2800" spc="-1" strike="noStrike">
-              <a:solidFill>
-                <a:srgbClr val="000000"/>
-              </a:solidFill>
-              <a:uFill>
-                <a:solidFill>
-                  <a:srgbClr val="ffffff"/>
-                </a:solidFill>
-              </a:uFill>
-              <a:latin typeface="Calibri"/>
-            </a:endParaRPr>
-          </a:p>
-          <a:p>
-            <a:pPr marL="228600" indent="-228240" algn="r" rtl="1">
+            <a:endParaRPr b="0" lang="en-US" sz="2800" spc="-1" strike="noStrike">
+              <a:solidFill>
+                <a:srgbClr val="000000"/>
+              </a:solidFill>
+              <a:uFill>
+                <a:solidFill>
+                  <a:srgbClr val="ffffff"/>
+                </a:solidFill>
+              </a:uFill>
+              <a:latin typeface="Arial"/>
+            </a:endParaRPr>
+          </a:p>
+          <a:p>
+            <a:pPr marL="228600" indent="-227880" algn="r" rtl="1">
               <a:lnSpc>
                 <a:spcPct val="100000"/>
               </a:lnSpc>
@@ -5781,7 +5637,7 @@
               <a:buChar char="•"/>
             </a:pPr>
             <a:r>
-              <a:rPr b="0" lang="he-IL" sz="2800" spc="-1" strike="noStrike">
+              <a:rPr b="0" lang="en-US" sz="2800" spc="-1" strike="noStrike">
                 <a:solidFill>
                   <a:srgbClr val="000000"/>
                 </a:solidFill>
@@ -5794,20 +5650,20 @@
               </a:rPr>
               <a:t>האתגר השני הוא אתגר האבטחה – הלא אנו צריכים לחשוב איזה נתונים חשופים ומתי כדאי לנו לעסוק בהצפנת הנתונים ובאיזה מפתח נצטרך להשתמש?</a:t>
             </a:r>
-            <a:endParaRPr b="0" lang="he-IL" sz="2800" spc="-1" strike="noStrike">
-              <a:solidFill>
-                <a:srgbClr val="000000"/>
-              </a:solidFill>
-              <a:uFill>
-                <a:solidFill>
-                  <a:srgbClr val="ffffff"/>
-                </a:solidFill>
-              </a:uFill>
-              <a:latin typeface="Calibri"/>
-            </a:endParaRPr>
-          </a:p>
-          <a:p>
-            <a:pPr marL="228600" indent="-228240" algn="r" rtl="1">
+            <a:endParaRPr b="0" lang="en-US" sz="2800" spc="-1" strike="noStrike">
+              <a:solidFill>
+                <a:srgbClr val="000000"/>
+              </a:solidFill>
+              <a:uFill>
+                <a:solidFill>
+                  <a:srgbClr val="ffffff"/>
+                </a:solidFill>
+              </a:uFill>
+              <a:latin typeface="Arial"/>
+            </a:endParaRPr>
+          </a:p>
+          <a:p>
+            <a:pPr marL="228600" indent="-227880" algn="r" rtl="1">
               <a:lnSpc>
                 <a:spcPct val="100000"/>
               </a:lnSpc>
@@ -5821,7 +5677,7 @@
               <a:buChar char="•"/>
             </a:pPr>
             <a:r>
-              <a:rPr b="0" lang="he-IL" sz="2800" spc="-1" strike="noStrike">
+              <a:rPr b="0" lang="en-US" sz="2800" spc="-1" strike="noStrike">
                 <a:solidFill>
                   <a:srgbClr val="000000"/>
                 </a:solidFill>
@@ -5835,7 +5691,7 @@
               <a:t>האתגר השלישי הוא אתגר האינטגרציה, מחשב הלקוח מחובר באמצעות שרת </a:t>
             </a:r>
             <a:r>
-              <a:rPr b="0" lang="he-IL" sz="2800" spc="-1" strike="noStrike">
+              <a:rPr b="0" lang="en-US" sz="2800" spc="-1" strike="noStrike">
                 <a:solidFill>
                   <a:srgbClr val="000000"/>
                 </a:solidFill>
@@ -5849,7 +5705,7 @@
               <a:t>VPN</a:t>
             </a:r>
             <a:r>
-              <a:rPr b="0" lang="he-IL" sz="2800" spc="-1" strike="noStrike">
+              <a:rPr b="0" lang="en-US" sz="2800" spc="-1" strike="noStrike">
                 <a:solidFill>
                   <a:srgbClr val="000000"/>
                 </a:solidFill>
@@ -5862,20 +5718,20 @@
               </a:rPr>
               <a:t>, ובכך, תהליך האינטגרציה הוא תהליך קשה שדורש התאמות מצד התוכנה</a:t>
             </a:r>
-            <a:endParaRPr b="0" lang="he-IL" sz="2800" spc="-1" strike="noStrike">
-              <a:solidFill>
-                <a:srgbClr val="000000"/>
-              </a:solidFill>
-              <a:uFill>
-                <a:solidFill>
-                  <a:srgbClr val="ffffff"/>
-                </a:solidFill>
-              </a:uFill>
-              <a:latin typeface="Calibri"/>
-            </a:endParaRPr>
-          </a:p>
-          <a:p>
-            <a:pPr marL="228600" indent="-228240" algn="r" rtl="1">
+            <a:endParaRPr b="0" lang="en-US" sz="2800" spc="-1" strike="noStrike">
+              <a:solidFill>
+                <a:srgbClr val="000000"/>
+              </a:solidFill>
+              <a:uFill>
+                <a:solidFill>
+                  <a:srgbClr val="ffffff"/>
+                </a:solidFill>
+              </a:uFill>
+              <a:latin typeface="Arial"/>
+            </a:endParaRPr>
+          </a:p>
+          <a:p>
+            <a:pPr marL="228600" indent="-227880" algn="r" rtl="1">
               <a:lnSpc>
                 <a:spcPct val="100000"/>
               </a:lnSpc>
@@ -5889,7 +5745,7 @@
               <a:buChar char="•"/>
             </a:pPr>
             <a:r>
-              <a:rPr b="0" lang="he-IL" sz="2800" spc="-1" strike="noStrike">
+              <a:rPr b="0" lang="en-US" sz="2800" spc="-1" strike="noStrike">
                 <a:solidFill>
                   <a:srgbClr val="000000"/>
                 </a:solidFill>
@@ -5903,7 +5759,7 @@
               <a:t>האתגר הרביעי והאחרון שלנו זה החיבור לממשקים שהלקוח רוצה להשתמש בהם, ספציפית </a:t>
             </a:r>
             <a:r>
-              <a:rPr b="0" lang="he-IL" sz="2800" spc="-1" strike="noStrike">
+              <a:rPr b="0" lang="en-US" sz="2800" spc="-1" strike="noStrike">
                 <a:solidFill>
                   <a:srgbClr val="000000"/>
                 </a:solidFill>
@@ -5917,7 +5773,7 @@
               <a:t>Microsoft BI</a:t>
             </a:r>
             <a:r>
-              <a:rPr b="0" lang="he-IL" sz="2800" spc="-1" strike="noStrike">
+              <a:rPr b="0" lang="en-US" sz="2800" spc="-1" strike="noStrike">
                 <a:solidFill>
                   <a:srgbClr val="000000"/>
                 </a:solidFill>
@@ -5930,30 +5786,30 @@
               </a:rPr>
               <a:t>, ולהקרין את הנתונים שלנו לממשק הנ"ל.</a:t>
             </a:r>
-            <a:endParaRPr b="0" lang="he-IL" sz="2800" spc="-1" strike="noStrike">
-              <a:solidFill>
-                <a:srgbClr val="000000"/>
-              </a:solidFill>
-              <a:uFill>
-                <a:solidFill>
-                  <a:srgbClr val="ffffff"/>
-                </a:solidFill>
-              </a:uFill>
-              <a:latin typeface="Calibri"/>
-            </a:endParaRPr>
-          </a:p>
-        </p:txBody>
-      </p:sp>
-      <p:sp>
-        <p:nvSpPr>
-          <p:cNvPr id="100" name="TextShape 3"/>
-          <p:cNvSpPr txBox="1"/>
+            <a:endParaRPr b="0" lang="en-US" sz="2800" spc="-1" strike="noStrike">
+              <a:solidFill>
+                <a:srgbClr val="000000"/>
+              </a:solidFill>
+              <a:uFill>
+                <a:solidFill>
+                  <a:srgbClr val="ffffff"/>
+                </a:solidFill>
+              </a:uFill>
+              <a:latin typeface="Arial"/>
+            </a:endParaRPr>
+          </a:p>
+        </p:txBody>
+      </p:sp>
+      <p:sp>
+        <p:nvSpPr>
+          <p:cNvPr id="94" name="CustomShape 3"/>
+          <p:cNvSpPr/>
           <p:nvPr/>
         </p:nvSpPr>
         <p:spPr>
           <a:xfrm>
             <a:off x="9378360" y="15840"/>
-            <a:ext cx="2742840" cy="364680"/>
+            <a:ext cx="2742480" cy="364320"/>
           </a:xfrm>
           <a:prstGeom prst="rect">
             <a:avLst/>
@@ -5963,15 +5819,21 @@
             <a:noFill/>
           </a:ln>
         </p:spPr>
-        <p:txBody>
-          <a:bodyPr anchor="ctr"/>
+        <p:style>
+          <a:lnRef idx="0"/>
+          <a:fillRef idx="0"/>
+          <a:effectRef idx="0"/>
+          <a:fontRef idx="minor"/>
+        </p:style>
+        <p:txBody>
+          <a:bodyPr lIns="90000" rIns="90000" tIns="45000" bIns="45000" anchor="ctr"/>
           <a:p>
             <a:pPr algn="r">
               <a:lnSpc>
                 <a:spcPct val="100000"/>
               </a:lnSpc>
             </a:pPr>
-            <a:fld id="{743E6A78-5763-42DF-9218-6E4A7E084BC9}" type="datetime1">
+            <a:fld id="{15257B1D-3335-432F-9EF6-3403963E2030}" type="datetime1">
               <a:rPr b="0" lang="en-US" sz="1200" spc="-1" strike="noStrike">
                 <a:solidFill>
                   <a:srgbClr val="8b8b8b"/>
@@ -5994,21 +5856,21 @@
                   <a:srgbClr val="ffffff"/>
                 </a:solidFill>
               </a:uFill>
-              <a:latin typeface="Times New Roman"/>
-            </a:endParaRPr>
-          </a:p>
-        </p:txBody>
-      </p:sp>
-      <p:sp>
-        <p:nvSpPr>
-          <p:cNvPr id="101" name="TextShape 4"/>
-          <p:cNvSpPr txBox="1"/>
+              <a:latin typeface="Arial"/>
+            </a:endParaRPr>
+          </a:p>
+        </p:txBody>
+      </p:sp>
+      <p:sp>
+        <p:nvSpPr>
+          <p:cNvPr id="95" name="CustomShape 4"/>
+          <p:cNvSpPr/>
           <p:nvPr/>
         </p:nvSpPr>
         <p:spPr>
           <a:xfrm>
             <a:off x="4038480" y="6356520"/>
-            <a:ext cx="4114440" cy="364680"/>
+            <a:ext cx="4114080" cy="364320"/>
           </a:xfrm>
           <a:prstGeom prst="rect">
             <a:avLst/>
@@ -6018,8 +5880,14 @@
             <a:noFill/>
           </a:ln>
         </p:spPr>
-        <p:txBody>
-          <a:bodyPr anchor="ctr"/>
+        <p:style>
+          <a:lnRef idx="0"/>
+          <a:fillRef idx="0"/>
+          <a:effectRef idx="0"/>
+          <a:fontRef idx="minor"/>
+        </p:style>
+        <p:txBody>
+          <a:bodyPr lIns="90000" rIns="90000" tIns="45000" bIns="45000" anchor="ctr"/>
           <a:p>
             <a:pPr algn="ctr">
               <a:lnSpc>
@@ -6049,7 +5917,7 @@
                   <a:srgbClr val="ffffff"/>
                 </a:solidFill>
               </a:uFill>
-              <a:latin typeface="Times New Roman"/>
+              <a:latin typeface="Arial"/>
             </a:endParaRPr>
           </a:p>
         </p:txBody>
@@ -6105,14 +5973,14 @@
       </p:grpSpPr>
       <p:sp>
         <p:nvSpPr>
-          <p:cNvPr id="102" name="TextShape 1"/>
-          <p:cNvSpPr txBox="1"/>
+          <p:cNvPr id="96" name="CustomShape 1"/>
+          <p:cNvSpPr/>
           <p:nvPr/>
         </p:nvSpPr>
         <p:spPr>
           <a:xfrm>
             <a:off x="838080" y="365040"/>
-            <a:ext cx="10515240" cy="1325160"/>
+            <a:ext cx="10514880" cy="1324800"/>
           </a:xfrm>
           <a:prstGeom prst="rect">
             <a:avLst/>
@@ -6122,8 +5990,14 @@
             <a:noFill/>
           </a:ln>
         </p:spPr>
-        <p:txBody>
-          <a:bodyPr anchor="ctr"/>
+        <p:style>
+          <a:lnRef idx="0"/>
+          <a:fillRef idx="0"/>
+          <a:effectRef idx="0"/>
+          <a:fontRef idx="minor"/>
+        </p:style>
+        <p:txBody>
+          <a:bodyPr lIns="90000" rIns="90000" tIns="45000" bIns="45000" anchor="ctr"/>
           <a:p>
             <a:pPr algn="ctr">
               <a:lnSpc>
@@ -6131,7 +6005,7 @@
               </a:lnSpc>
             </a:pPr>
             <a:r>
-              <a:rPr b="0" lang="he-IL" sz="4400" spc="-1" strike="noStrike">
+              <a:rPr b="0" lang="en-US" sz="4400" spc="-1" strike="noStrike">
                 <a:solidFill>
                   <a:srgbClr val="000000"/>
                 </a:solidFill>
@@ -6144,30 +6018,30 @@
               </a:rPr>
               <a:t>פתרון</a:t>
             </a:r>
-            <a:endParaRPr b="0" lang="he-IL" sz="4400" spc="-1" strike="noStrike">
-              <a:solidFill>
-                <a:srgbClr val="000000"/>
-              </a:solidFill>
-              <a:uFill>
-                <a:solidFill>
-                  <a:srgbClr val="ffffff"/>
-                </a:solidFill>
-              </a:uFill>
-              <a:latin typeface="Calibri"/>
-            </a:endParaRPr>
-          </a:p>
-        </p:txBody>
-      </p:sp>
-      <p:sp>
-        <p:nvSpPr>
-          <p:cNvPr id="103" name="TextShape 2"/>
-          <p:cNvSpPr txBox="1"/>
+            <a:endParaRPr b="0" lang="en-US" sz="4400" spc="-1" strike="noStrike">
+              <a:solidFill>
+                <a:srgbClr val="000000"/>
+              </a:solidFill>
+              <a:uFill>
+                <a:solidFill>
+                  <a:srgbClr val="ffffff"/>
+                </a:solidFill>
+              </a:uFill>
+              <a:latin typeface="Arial"/>
+            </a:endParaRPr>
+          </a:p>
+        </p:txBody>
+      </p:sp>
+      <p:sp>
+        <p:nvSpPr>
+          <p:cNvPr id="97" name="CustomShape 2"/>
+          <p:cNvSpPr/>
           <p:nvPr/>
         </p:nvSpPr>
         <p:spPr>
           <a:xfrm>
             <a:off x="838080" y="1377000"/>
-            <a:ext cx="10515240" cy="4350960"/>
+            <a:ext cx="10514880" cy="4350600"/>
           </a:xfrm>
           <a:prstGeom prst="rect">
             <a:avLst/>
@@ -6177,10 +6051,16 @@
             <a:noFill/>
           </a:ln>
         </p:spPr>
-        <p:txBody>
-          <a:bodyPr/>
-          <a:p>
-            <a:pPr marL="228600" indent="-228240" algn="r" rtl="1">
+        <p:style>
+          <a:lnRef idx="0"/>
+          <a:fillRef idx="0"/>
+          <a:effectRef idx="0"/>
+          <a:fontRef idx="minor"/>
+        </p:style>
+        <p:txBody>
+          <a:bodyPr lIns="90000" rIns="90000" tIns="45000" bIns="45000"/>
+          <a:p>
+            <a:pPr marL="228600" indent="-227880" algn="r" rtl="1">
               <a:lnSpc>
                 <a:spcPct val="100000"/>
               </a:lnSpc>
@@ -6194,7 +6074,7 @@
               <a:buChar char="•"/>
             </a:pPr>
             <a:r>
-              <a:rPr b="0" lang="he-IL" sz="2800" spc="-1" strike="noStrike">
+              <a:rPr b="0" lang="en-US" sz="2800" spc="-1" strike="noStrike">
                 <a:solidFill>
                   <a:srgbClr val="000000"/>
                 </a:solidFill>
@@ -6207,20 +6087,20 @@
               </a:rPr>
               <a:t>בניית ממשק ליצירה ותפעול של מסד נתונים על גבי המכשיר.</a:t>
             </a:r>
-            <a:endParaRPr b="0" lang="he-IL" sz="2800" spc="-1" strike="noStrike">
-              <a:solidFill>
-                <a:srgbClr val="000000"/>
-              </a:solidFill>
-              <a:uFill>
-                <a:solidFill>
-                  <a:srgbClr val="ffffff"/>
-                </a:solidFill>
-              </a:uFill>
-              <a:latin typeface="Calibri"/>
-            </a:endParaRPr>
-          </a:p>
-          <a:p>
-            <a:pPr marL="228600" indent="-228240" algn="r" rtl="1">
+            <a:endParaRPr b="0" lang="en-US" sz="2800" spc="-1" strike="noStrike">
+              <a:solidFill>
+                <a:srgbClr val="000000"/>
+              </a:solidFill>
+              <a:uFill>
+                <a:solidFill>
+                  <a:srgbClr val="ffffff"/>
+                </a:solidFill>
+              </a:uFill>
+              <a:latin typeface="Arial"/>
+            </a:endParaRPr>
+          </a:p>
+          <a:p>
+            <a:pPr marL="228600" indent="-227880" algn="r" rtl="1">
               <a:lnSpc>
                 <a:spcPct val="100000"/>
               </a:lnSpc>
@@ -6234,7 +6114,7 @@
               <a:buChar char="•"/>
             </a:pPr>
             <a:r>
-              <a:rPr b="0" lang="he-IL" sz="2800" spc="-1" strike="noStrike">
+              <a:rPr b="0" lang="en-US" sz="2800" spc="-1" strike="noStrike">
                 <a:solidFill>
                   <a:srgbClr val="000000"/>
                 </a:solidFill>
@@ -6247,20 +6127,20 @@
               </a:rPr>
               <a:t>בניית ממשק לתפעול של מסד נתונים שנמצא על גבי השרת.</a:t>
             </a:r>
-            <a:endParaRPr b="0" lang="he-IL" sz="2800" spc="-1" strike="noStrike">
-              <a:solidFill>
-                <a:srgbClr val="000000"/>
-              </a:solidFill>
-              <a:uFill>
-                <a:solidFill>
-                  <a:srgbClr val="ffffff"/>
-                </a:solidFill>
-              </a:uFill>
-              <a:latin typeface="Calibri"/>
-            </a:endParaRPr>
-          </a:p>
-          <a:p>
-            <a:pPr marL="228600" indent="-228240" algn="r" rtl="1">
+            <a:endParaRPr b="0" lang="en-US" sz="2800" spc="-1" strike="noStrike">
+              <a:solidFill>
+                <a:srgbClr val="000000"/>
+              </a:solidFill>
+              <a:uFill>
+                <a:solidFill>
+                  <a:srgbClr val="ffffff"/>
+                </a:solidFill>
+              </a:uFill>
+              <a:latin typeface="Arial"/>
+            </a:endParaRPr>
+          </a:p>
+          <a:p>
+            <a:pPr marL="228600" indent="-227880" algn="r" rtl="1">
               <a:lnSpc>
                 <a:spcPct val="100000"/>
               </a:lnSpc>
@@ -6274,7 +6154,7 @@
               <a:buChar char="•"/>
             </a:pPr>
             <a:r>
-              <a:rPr b="0" lang="he-IL" sz="2800" spc="-1" strike="noStrike">
+              <a:rPr b="0" lang="en-US" sz="2800" spc="-1" strike="noStrike">
                 <a:solidFill>
                   <a:srgbClr val="000000"/>
                 </a:solidFill>
@@ -6287,20 +6167,20 @@
               </a:rPr>
               <a:t>בניית מנגנון סינכרון שדואג לשאוב את הנתונים משרת הלקוח לעדכן אותם ע"ג המכשיר</a:t>
             </a:r>
-            <a:endParaRPr b="0" lang="he-IL" sz="2800" spc="-1" strike="noStrike">
-              <a:solidFill>
-                <a:srgbClr val="000000"/>
-              </a:solidFill>
-              <a:uFill>
-                <a:solidFill>
-                  <a:srgbClr val="ffffff"/>
-                </a:solidFill>
-              </a:uFill>
-              <a:latin typeface="Calibri"/>
-            </a:endParaRPr>
-          </a:p>
-          <a:p>
-            <a:pPr marL="228600" indent="-228240" algn="r" rtl="1">
+            <a:endParaRPr b="0" lang="en-US" sz="2800" spc="-1" strike="noStrike">
+              <a:solidFill>
+                <a:srgbClr val="000000"/>
+              </a:solidFill>
+              <a:uFill>
+                <a:solidFill>
+                  <a:srgbClr val="ffffff"/>
+                </a:solidFill>
+              </a:uFill>
+              <a:latin typeface="Arial"/>
+            </a:endParaRPr>
+          </a:p>
+          <a:p>
+            <a:pPr marL="228600" indent="-227880" algn="r" rtl="1">
               <a:lnSpc>
                 <a:spcPct val="100000"/>
               </a:lnSpc>
@@ -6314,7 +6194,7 @@
               <a:buChar char="•"/>
             </a:pPr>
             <a:r>
-              <a:rPr b="0" lang="he-IL" sz="2800" spc="-1" strike="noStrike">
+              <a:rPr b="0" lang="en-US" sz="2800" spc="-1" strike="noStrike">
                 <a:solidFill>
                   <a:srgbClr val="000000"/>
                 </a:solidFill>
@@ -6327,20 +6207,20 @@
               </a:rPr>
               <a:t>בניית מנגנון אסינכרוני שדואג לאגור בקשות לשרת ולשלוח אותם כל כמה זמן או כאשר מזוהה חיבור לאינטרנט (ע"פ בחירת משתמש)</a:t>
             </a:r>
-            <a:endParaRPr b="0" lang="he-IL" sz="2800" spc="-1" strike="noStrike">
-              <a:solidFill>
-                <a:srgbClr val="000000"/>
-              </a:solidFill>
-              <a:uFill>
-                <a:solidFill>
-                  <a:srgbClr val="ffffff"/>
-                </a:solidFill>
-              </a:uFill>
-              <a:latin typeface="Calibri"/>
-            </a:endParaRPr>
-          </a:p>
-          <a:p>
-            <a:pPr marL="228600" indent="-228240" algn="r" rtl="1">
+            <a:endParaRPr b="0" lang="en-US" sz="2800" spc="-1" strike="noStrike">
+              <a:solidFill>
+                <a:srgbClr val="000000"/>
+              </a:solidFill>
+              <a:uFill>
+                <a:solidFill>
+                  <a:srgbClr val="ffffff"/>
+                </a:solidFill>
+              </a:uFill>
+              <a:latin typeface="Arial"/>
+            </a:endParaRPr>
+          </a:p>
+          <a:p>
+            <a:pPr marL="228600" indent="-227880" algn="r" rtl="1">
               <a:lnSpc>
                 <a:spcPct val="100000"/>
               </a:lnSpc>
@@ -6354,7 +6234,7 @@
               <a:buChar char="•"/>
             </a:pPr>
             <a:r>
-              <a:rPr b="0" lang="he-IL" sz="2800" spc="-1" strike="noStrike">
+              <a:rPr b="0" lang="en-US" sz="2800" spc="-1" strike="noStrike">
                 <a:solidFill>
                   <a:srgbClr val="000000"/>
                 </a:solidFill>
@@ -6367,30 +6247,30 @@
               </a:rPr>
               <a:t>בניה ותיעוד של הממשק בו ישתמש הלקוח כדי להוסיף, להסיר או לשנות את הטבלאות המסונכרנות ע"ג המכשיר משרת הלקוח.</a:t>
             </a:r>
-            <a:endParaRPr b="0" lang="he-IL" sz="2800" spc="-1" strike="noStrike">
-              <a:solidFill>
-                <a:srgbClr val="000000"/>
-              </a:solidFill>
-              <a:uFill>
-                <a:solidFill>
-                  <a:srgbClr val="ffffff"/>
-                </a:solidFill>
-              </a:uFill>
-              <a:latin typeface="Calibri"/>
-            </a:endParaRPr>
-          </a:p>
-        </p:txBody>
-      </p:sp>
-      <p:sp>
-        <p:nvSpPr>
-          <p:cNvPr id="104" name="TextShape 3"/>
-          <p:cNvSpPr txBox="1"/>
+            <a:endParaRPr b="0" lang="en-US" sz="2800" spc="-1" strike="noStrike">
+              <a:solidFill>
+                <a:srgbClr val="000000"/>
+              </a:solidFill>
+              <a:uFill>
+                <a:solidFill>
+                  <a:srgbClr val="ffffff"/>
+                </a:solidFill>
+              </a:uFill>
+              <a:latin typeface="Arial"/>
+            </a:endParaRPr>
+          </a:p>
+        </p:txBody>
+      </p:sp>
+      <p:sp>
+        <p:nvSpPr>
+          <p:cNvPr id="98" name="CustomShape 3"/>
+          <p:cNvSpPr/>
           <p:nvPr/>
         </p:nvSpPr>
         <p:spPr>
           <a:xfrm>
             <a:off x="9378360" y="15840"/>
-            <a:ext cx="2742840" cy="364680"/>
+            <a:ext cx="2742480" cy="364320"/>
           </a:xfrm>
           <a:prstGeom prst="rect">
             <a:avLst/>
@@ -6400,15 +6280,21 @@
             <a:noFill/>
           </a:ln>
         </p:spPr>
-        <p:txBody>
-          <a:bodyPr anchor="ctr"/>
+        <p:style>
+          <a:lnRef idx="0"/>
+          <a:fillRef idx="0"/>
+          <a:effectRef idx="0"/>
+          <a:fontRef idx="minor"/>
+        </p:style>
+        <p:txBody>
+          <a:bodyPr lIns="90000" rIns="90000" tIns="45000" bIns="45000" anchor="ctr"/>
           <a:p>
             <a:pPr algn="r">
               <a:lnSpc>
                 <a:spcPct val="100000"/>
               </a:lnSpc>
             </a:pPr>
-            <a:fld id="{2406AD2D-24FB-49D9-8498-2EB6D159F346}" type="datetime1">
+            <a:fld id="{C1568780-7D10-4008-97D3-287DAF3D2662}" type="datetime1">
               <a:rPr b="0" lang="en-US" sz="1200" spc="-1" strike="noStrike">
                 <a:solidFill>
                   <a:srgbClr val="8b8b8b"/>
@@ -6431,21 +6317,21 @@
                   <a:srgbClr val="ffffff"/>
                 </a:solidFill>
               </a:uFill>
-              <a:latin typeface="Times New Roman"/>
-            </a:endParaRPr>
-          </a:p>
-        </p:txBody>
-      </p:sp>
-      <p:sp>
-        <p:nvSpPr>
-          <p:cNvPr id="105" name="TextShape 4"/>
-          <p:cNvSpPr txBox="1"/>
+              <a:latin typeface="Arial"/>
+            </a:endParaRPr>
+          </a:p>
+        </p:txBody>
+      </p:sp>
+      <p:sp>
+        <p:nvSpPr>
+          <p:cNvPr id="99" name="CustomShape 4"/>
+          <p:cNvSpPr/>
           <p:nvPr/>
         </p:nvSpPr>
         <p:spPr>
           <a:xfrm>
             <a:off x="4038480" y="6356520"/>
-            <a:ext cx="4114440" cy="364680"/>
+            <a:ext cx="4114080" cy="364320"/>
           </a:xfrm>
           <a:prstGeom prst="rect">
             <a:avLst/>
@@ -6455,8 +6341,14 @@
             <a:noFill/>
           </a:ln>
         </p:spPr>
-        <p:txBody>
-          <a:bodyPr anchor="ctr"/>
+        <p:style>
+          <a:lnRef idx="0"/>
+          <a:fillRef idx="0"/>
+          <a:effectRef idx="0"/>
+          <a:fontRef idx="minor"/>
+        </p:style>
+        <p:txBody>
+          <a:bodyPr lIns="90000" rIns="90000" tIns="45000" bIns="45000" anchor="ctr"/>
           <a:p>
             <a:pPr algn="ctr">
               <a:lnSpc>
@@ -6486,7 +6378,7 @@
                   <a:srgbClr val="ffffff"/>
                 </a:solidFill>
               </a:uFill>
-              <a:latin typeface="Times New Roman"/>
+              <a:latin typeface="Arial"/>
             </a:endParaRPr>
           </a:p>
         </p:txBody>
@@ -6542,14 +6434,14 @@
       </p:grpSpPr>
       <p:sp>
         <p:nvSpPr>
-          <p:cNvPr id="106" name="TextShape 1"/>
-          <p:cNvSpPr txBox="1"/>
+          <p:cNvPr id="100" name="CustomShape 1"/>
+          <p:cNvSpPr/>
           <p:nvPr/>
         </p:nvSpPr>
         <p:spPr>
           <a:xfrm>
             <a:off x="838080" y="2539080"/>
-            <a:ext cx="10515240" cy="1325160"/>
+            <a:ext cx="10514880" cy="1324800"/>
           </a:xfrm>
           <a:prstGeom prst="rect">
             <a:avLst/>
@@ -6559,8 +6451,14 @@
             <a:noFill/>
           </a:ln>
         </p:spPr>
-        <p:txBody>
-          <a:bodyPr anchor="ctr"/>
+        <p:style>
+          <a:lnRef idx="0"/>
+          <a:fillRef idx="0"/>
+          <a:effectRef idx="0"/>
+          <a:fontRef idx="minor"/>
+        </p:style>
+        <p:txBody>
+          <a:bodyPr lIns="90000" rIns="90000" tIns="45000" bIns="45000" anchor="ctr"/>
           <a:p>
             <a:pPr algn="ctr">
               <a:lnSpc>
@@ -6568,7 +6466,7 @@
               </a:lnSpc>
             </a:pPr>
             <a:r>
-              <a:rPr b="0" lang="he-IL" sz="4400" spc="-1" strike="noStrike">
+              <a:rPr b="0" lang="en-US" sz="4400" spc="-1" strike="noStrike">
                 <a:solidFill>
                   <a:srgbClr val="000000"/>
                 </a:solidFill>
@@ -6582,7 +6480,7 @@
               <a:t>כעת נדגים לכם הרצה של האפליקציה שלנו</a:t>
             </a:r>
             <a:r>
-              <a:rPr b="0" lang="he-IL" sz="4400" spc="-1" strike="noStrike">
+              <a:rPr b="0" lang="en-US" sz="4400" spc="-1" strike="noStrike">
                 <a:solidFill>
                   <a:srgbClr val="000000"/>
                 </a:solidFill>
@@ -6596,7 +6494,7 @@
               <a:t> </a:t>
             </a:r>
             <a:r>
-              <a:rPr b="0" lang="he-IL" sz="4400" spc="-1" strike="noStrike">
+              <a:rPr b="0" lang="en-US" sz="4400" spc="-1" strike="noStrike">
                 <a:solidFill>
                   <a:srgbClr val="000000"/>
                 </a:solidFill>
@@ -6609,30 +6507,30 @@
               </a:rPr>
               <a:t>:)</a:t>
             </a:r>
-            <a:endParaRPr b="0" lang="he-IL" sz="4400" spc="-1" strike="noStrike">
-              <a:solidFill>
-                <a:srgbClr val="000000"/>
-              </a:solidFill>
-              <a:uFill>
-                <a:solidFill>
-                  <a:srgbClr val="ffffff"/>
-                </a:solidFill>
-              </a:uFill>
-              <a:latin typeface="Calibri"/>
-            </a:endParaRPr>
-          </a:p>
-        </p:txBody>
-      </p:sp>
-      <p:sp>
-        <p:nvSpPr>
-          <p:cNvPr id="107" name="TextShape 2"/>
-          <p:cNvSpPr txBox="1"/>
+            <a:endParaRPr b="0" lang="en-US" sz="4400" spc="-1" strike="noStrike">
+              <a:solidFill>
+                <a:srgbClr val="000000"/>
+              </a:solidFill>
+              <a:uFill>
+                <a:solidFill>
+                  <a:srgbClr val="ffffff"/>
+                </a:solidFill>
+              </a:uFill>
+              <a:latin typeface="Arial"/>
+            </a:endParaRPr>
+          </a:p>
+        </p:txBody>
+      </p:sp>
+      <p:sp>
+        <p:nvSpPr>
+          <p:cNvPr id="101" name="CustomShape 2"/>
+          <p:cNvSpPr/>
           <p:nvPr/>
         </p:nvSpPr>
         <p:spPr>
           <a:xfrm>
             <a:off x="9378360" y="15840"/>
-            <a:ext cx="2742840" cy="364680"/>
+            <a:ext cx="2742480" cy="364320"/>
           </a:xfrm>
           <a:prstGeom prst="rect">
             <a:avLst/>
@@ -6642,15 +6540,21 @@
             <a:noFill/>
           </a:ln>
         </p:spPr>
-        <p:txBody>
-          <a:bodyPr anchor="ctr"/>
+        <p:style>
+          <a:lnRef idx="0"/>
+          <a:fillRef idx="0"/>
+          <a:effectRef idx="0"/>
+          <a:fontRef idx="minor"/>
+        </p:style>
+        <p:txBody>
+          <a:bodyPr lIns="90000" rIns="90000" tIns="45000" bIns="45000" anchor="ctr"/>
           <a:p>
             <a:pPr algn="r">
               <a:lnSpc>
                 <a:spcPct val="100000"/>
               </a:lnSpc>
             </a:pPr>
-            <a:fld id="{296C1D82-33A4-495A-BF5C-4C8D0EB0B9EA}" type="datetime1">
+            <a:fld id="{185262AB-B832-4A6D-8FE7-9FE3C77C15F1}" type="datetime1">
               <a:rPr b="0" lang="en-US" sz="1200" spc="-1" strike="noStrike">
                 <a:solidFill>
                   <a:srgbClr val="8b8b8b"/>
@@ -6673,21 +6577,21 @@
                   <a:srgbClr val="ffffff"/>
                 </a:solidFill>
               </a:uFill>
-              <a:latin typeface="Times New Roman"/>
-            </a:endParaRPr>
-          </a:p>
-        </p:txBody>
-      </p:sp>
-      <p:sp>
-        <p:nvSpPr>
-          <p:cNvPr id="108" name="TextShape 3"/>
-          <p:cNvSpPr txBox="1"/>
+              <a:latin typeface="Arial"/>
+            </a:endParaRPr>
+          </a:p>
+        </p:txBody>
+      </p:sp>
+      <p:sp>
+        <p:nvSpPr>
+          <p:cNvPr id="102" name="CustomShape 3"/>
+          <p:cNvSpPr/>
           <p:nvPr/>
         </p:nvSpPr>
         <p:spPr>
           <a:xfrm>
             <a:off x="4038480" y="6356520"/>
-            <a:ext cx="4114440" cy="364680"/>
+            <a:ext cx="4114080" cy="364320"/>
           </a:xfrm>
           <a:prstGeom prst="rect">
             <a:avLst/>
@@ -6697,8 +6601,14 @@
             <a:noFill/>
           </a:ln>
         </p:spPr>
-        <p:txBody>
-          <a:bodyPr anchor="ctr"/>
+        <p:style>
+          <a:lnRef idx="0"/>
+          <a:fillRef idx="0"/>
+          <a:effectRef idx="0"/>
+          <a:fontRef idx="minor"/>
+        </p:style>
+        <p:txBody>
+          <a:bodyPr lIns="90000" rIns="90000" tIns="45000" bIns="45000" anchor="ctr"/>
           <a:p>
             <a:pPr algn="ctr">
               <a:lnSpc>
@@ -6728,7 +6638,7 @@
                   <a:srgbClr val="ffffff"/>
                 </a:solidFill>
               </a:uFill>
-              <a:latin typeface="Times New Roman"/>
+              <a:latin typeface="Arial"/>
             </a:endParaRPr>
           </a:p>
         </p:txBody>
@@ -6784,14 +6694,14 @@
       </p:grpSpPr>
       <p:sp>
         <p:nvSpPr>
-          <p:cNvPr id="109" name="TextShape 1"/>
-          <p:cNvSpPr txBox="1"/>
+          <p:cNvPr id="103" name="CustomShape 1"/>
+          <p:cNvSpPr/>
           <p:nvPr/>
         </p:nvSpPr>
         <p:spPr>
           <a:xfrm>
             <a:off x="838080" y="365040"/>
-            <a:ext cx="10515240" cy="1325160"/>
+            <a:ext cx="10514880" cy="1324800"/>
           </a:xfrm>
           <a:prstGeom prst="rect">
             <a:avLst/>
@@ -6801,8 +6711,14 @@
             <a:noFill/>
           </a:ln>
         </p:spPr>
-        <p:txBody>
-          <a:bodyPr anchor="ctr"/>
+        <p:style>
+          <a:lnRef idx="0"/>
+          <a:fillRef idx="0"/>
+          <a:effectRef idx="0"/>
+          <a:fontRef idx="minor"/>
+        </p:style>
+        <p:txBody>
+          <a:bodyPr lIns="90000" rIns="90000" tIns="45000" bIns="45000" anchor="ctr"/>
           <a:p>
             <a:pPr algn="ctr">
               <a:lnSpc>
@@ -6810,7 +6726,7 @@
               </a:lnSpc>
             </a:pPr>
             <a:r>
-              <a:rPr b="0" lang="he-IL" sz="4400" spc="-1" strike="noStrike">
+              <a:rPr b="0" lang="en-US" sz="4400" spc="-1" strike="noStrike">
                 <a:solidFill>
                   <a:srgbClr val="000000"/>
                 </a:solidFill>
@@ -6823,30 +6739,30 @@
               </a:rPr>
               <a:t>מטרות המשך</a:t>
             </a:r>
-            <a:endParaRPr b="0" lang="he-IL" sz="4400" spc="-1" strike="noStrike">
-              <a:solidFill>
-                <a:srgbClr val="000000"/>
-              </a:solidFill>
-              <a:uFill>
-                <a:solidFill>
-                  <a:srgbClr val="ffffff"/>
-                </a:solidFill>
-              </a:uFill>
-              <a:latin typeface="Calibri"/>
-            </a:endParaRPr>
-          </a:p>
-        </p:txBody>
-      </p:sp>
-      <p:sp>
-        <p:nvSpPr>
-          <p:cNvPr id="110" name="TextShape 2"/>
-          <p:cNvSpPr txBox="1"/>
+            <a:endParaRPr b="0" lang="en-US" sz="4400" spc="-1" strike="noStrike">
+              <a:solidFill>
+                <a:srgbClr val="000000"/>
+              </a:solidFill>
+              <a:uFill>
+                <a:solidFill>
+                  <a:srgbClr val="ffffff"/>
+                </a:solidFill>
+              </a:uFill>
+              <a:latin typeface="Arial"/>
+            </a:endParaRPr>
+          </a:p>
+        </p:txBody>
+      </p:sp>
+      <p:sp>
+        <p:nvSpPr>
+          <p:cNvPr id="104" name="CustomShape 2"/>
+          <p:cNvSpPr/>
           <p:nvPr/>
         </p:nvSpPr>
         <p:spPr>
           <a:xfrm>
             <a:off x="838080" y="1825560"/>
-            <a:ext cx="10515240" cy="4350960"/>
+            <a:ext cx="10514880" cy="4350600"/>
           </a:xfrm>
           <a:prstGeom prst="rect">
             <a:avLst/>
@@ -6856,10 +6772,16 @@
             <a:noFill/>
           </a:ln>
         </p:spPr>
-        <p:txBody>
-          <a:bodyPr/>
-          <a:p>
-            <a:pPr marL="228600" indent="-228240" algn="r" rtl="1">
+        <p:style>
+          <a:lnRef idx="0"/>
+          <a:fillRef idx="0"/>
+          <a:effectRef idx="0"/>
+          <a:fontRef idx="minor"/>
+        </p:style>
+        <p:txBody>
+          <a:bodyPr lIns="90000" rIns="90000" tIns="45000" bIns="45000"/>
+          <a:p>
+            <a:pPr marL="228600" indent="-227880" algn="r" rtl="1">
               <a:lnSpc>
                 <a:spcPct val="100000"/>
               </a:lnSpc>
@@ -6873,7 +6795,7 @@
               <a:buChar char="•"/>
             </a:pPr>
             <a:r>
-              <a:rPr b="0" lang="he-IL" sz="2800" spc="-1" strike="noStrike">
+              <a:rPr b="0" lang="en-US" sz="2800" spc="-1" strike="noStrike">
                 <a:solidFill>
                   <a:srgbClr val="000000"/>
                 </a:solidFill>
@@ -6886,20 +6808,20 @@
               </a:rPr>
               <a:t>עיסוק באבטחת המידע ע"ג המכשיר.</a:t>
             </a:r>
-            <a:endParaRPr b="0" lang="he-IL" sz="2800" spc="-1" strike="noStrike">
-              <a:solidFill>
-                <a:srgbClr val="000000"/>
-              </a:solidFill>
-              <a:uFill>
-                <a:solidFill>
-                  <a:srgbClr val="ffffff"/>
-                </a:solidFill>
-              </a:uFill>
-              <a:latin typeface="Calibri"/>
-            </a:endParaRPr>
-          </a:p>
-          <a:p>
-            <a:pPr marL="228600" indent="-228240" algn="r" rtl="1">
+            <a:endParaRPr b="0" lang="en-US" sz="2800" spc="-1" strike="noStrike">
+              <a:solidFill>
+                <a:srgbClr val="000000"/>
+              </a:solidFill>
+              <a:uFill>
+                <a:solidFill>
+                  <a:srgbClr val="ffffff"/>
+                </a:solidFill>
+              </a:uFill>
+              <a:latin typeface="Arial"/>
+            </a:endParaRPr>
+          </a:p>
+          <a:p>
+            <a:pPr marL="228600" indent="-227880" algn="r" rtl="1">
               <a:lnSpc>
                 <a:spcPct val="100000"/>
               </a:lnSpc>
@@ -6913,7 +6835,7 @@
               <a:buChar char="•"/>
             </a:pPr>
             <a:r>
-              <a:rPr b="0" lang="he-IL" sz="2800" spc="-1" strike="noStrike">
+              <a:rPr b="0" lang="en-US" sz="2800" spc="-1" strike="noStrike">
                 <a:solidFill>
                   <a:srgbClr val="000000"/>
                 </a:solidFill>
@@ -6927,7 +6849,7 @@
               <a:t>אינטגרציה של האפליקציה למחשב הלקוח – יהווה </a:t>
             </a:r>
             <a:r>
-              <a:rPr b="0" lang="he-IL" sz="2800" spc="-1" strike="noStrike">
+              <a:rPr b="0" lang="en-US" sz="2800" spc="-1" strike="noStrike">
                 <a:solidFill>
                   <a:srgbClr val="000000"/>
                 </a:solidFill>
@@ -6941,7 +6863,7 @@
               <a:t>milestone</a:t>
             </a:r>
             <a:r>
-              <a:rPr b="0" lang="he-IL" sz="2800" spc="-1" strike="noStrike">
+              <a:rPr b="0" lang="en-US" sz="2800" spc="-1" strike="noStrike">
                 <a:solidFill>
                   <a:srgbClr val="000000"/>
                 </a:solidFill>
@@ -6954,20 +6876,20 @@
               </a:rPr>
               <a:t> משמעותי לאפליקציה שלנו.</a:t>
             </a:r>
-            <a:endParaRPr b="0" lang="he-IL" sz="2800" spc="-1" strike="noStrike">
-              <a:solidFill>
-                <a:srgbClr val="000000"/>
-              </a:solidFill>
-              <a:uFill>
-                <a:solidFill>
-                  <a:srgbClr val="ffffff"/>
-                </a:solidFill>
-              </a:uFill>
-              <a:latin typeface="Calibri"/>
-            </a:endParaRPr>
-          </a:p>
-          <a:p>
-            <a:pPr marL="228600" indent="-228240" algn="r" rtl="1">
+            <a:endParaRPr b="0" lang="en-US" sz="2800" spc="-1" strike="noStrike">
+              <a:solidFill>
+                <a:srgbClr val="000000"/>
+              </a:solidFill>
+              <a:uFill>
+                <a:solidFill>
+                  <a:srgbClr val="ffffff"/>
+                </a:solidFill>
+              </a:uFill>
+              <a:latin typeface="Arial"/>
+            </a:endParaRPr>
+          </a:p>
+          <a:p>
+            <a:pPr marL="228600" indent="-227880" algn="r" rtl="1">
               <a:lnSpc>
                 <a:spcPct val="100000"/>
               </a:lnSpc>
@@ -6981,7 +6903,7 @@
               <a:buChar char="•"/>
             </a:pPr>
             <a:r>
-              <a:rPr b="0" lang="he-IL" sz="2800" spc="-1" strike="noStrike">
+              <a:rPr b="0" lang="en-US" sz="2800" spc="-1" strike="noStrike">
                 <a:solidFill>
                   <a:srgbClr val="000000"/>
                 </a:solidFill>
@@ -6995,7 +6917,7 @@
               <a:t>חיבור הממשק שלנו ל</a:t>
             </a:r>
             <a:r>
-              <a:rPr b="0" lang="he-IL" sz="2800" spc="-1" strike="noStrike">
+              <a:rPr b="0" lang="en-US" sz="2800" spc="-1" strike="noStrike">
                 <a:solidFill>
                   <a:srgbClr val="000000"/>
                 </a:solidFill>
@@ -7008,20 +6930,20 @@
               </a:rPr>
               <a:t>Microsoft BI</a:t>
             </a:r>
-            <a:endParaRPr b="0" lang="he-IL" sz="2800" spc="-1" strike="noStrike">
-              <a:solidFill>
-                <a:srgbClr val="000000"/>
-              </a:solidFill>
-              <a:uFill>
-                <a:solidFill>
-                  <a:srgbClr val="ffffff"/>
-                </a:solidFill>
-              </a:uFill>
-              <a:latin typeface="Calibri"/>
-            </a:endParaRPr>
-          </a:p>
-          <a:p>
-            <a:pPr marL="228600" indent="-228240" algn="r" rtl="1">
+            <a:endParaRPr b="0" lang="en-US" sz="2800" spc="-1" strike="noStrike">
+              <a:solidFill>
+                <a:srgbClr val="000000"/>
+              </a:solidFill>
+              <a:uFill>
+                <a:solidFill>
+                  <a:srgbClr val="ffffff"/>
+                </a:solidFill>
+              </a:uFill>
+              <a:latin typeface="Arial"/>
+            </a:endParaRPr>
+          </a:p>
+          <a:p>
+            <a:pPr marL="228600" indent="-227880" algn="r" rtl="1">
               <a:lnSpc>
                 <a:spcPct val="100000"/>
               </a:lnSpc>
@@ -7035,7 +6957,7 @@
               <a:buChar char="•"/>
             </a:pPr>
             <a:r>
-              <a:rPr b="0" lang="he-IL" sz="2800" spc="-1" strike="noStrike">
+              <a:rPr b="0" lang="en-US" sz="2800" spc="-1" strike="noStrike">
                 <a:solidFill>
                   <a:srgbClr val="000000"/>
                 </a:solidFill>
@@ -7048,20 +6970,20 @@
               </a:rPr>
               <a:t>חיבור דוחות ותצוגה מסוננים לפי דרישת הלקוח</a:t>
             </a:r>
-            <a:endParaRPr b="0" lang="he-IL" sz="2800" spc="-1" strike="noStrike">
-              <a:solidFill>
-                <a:srgbClr val="000000"/>
-              </a:solidFill>
-              <a:uFill>
-                <a:solidFill>
-                  <a:srgbClr val="ffffff"/>
-                </a:solidFill>
-              </a:uFill>
-              <a:latin typeface="Calibri"/>
-            </a:endParaRPr>
-          </a:p>
-          <a:p>
-            <a:pPr marL="228600" indent="-228240" algn="r" rtl="1">
+            <a:endParaRPr b="0" lang="en-US" sz="2800" spc="-1" strike="noStrike">
+              <a:solidFill>
+                <a:srgbClr val="000000"/>
+              </a:solidFill>
+              <a:uFill>
+                <a:solidFill>
+                  <a:srgbClr val="ffffff"/>
+                </a:solidFill>
+              </a:uFill>
+              <a:latin typeface="Arial"/>
+            </a:endParaRPr>
+          </a:p>
+          <a:p>
+            <a:pPr marL="228600" indent="-227880" algn="r" rtl="1">
               <a:lnSpc>
                 <a:spcPct val="100000"/>
               </a:lnSpc>
@@ -7075,7 +6997,7 @@
               <a:buChar char="•"/>
             </a:pPr>
             <a:r>
-              <a:rPr b="0" lang="he-IL" sz="2800" spc="-1" strike="noStrike">
+              <a:rPr b="0" lang="en-US" sz="2800" spc="-1" strike="noStrike">
                 <a:solidFill>
                   <a:srgbClr val="000000"/>
                 </a:solidFill>
@@ -7088,30 +7010,30 @@
               </a:rPr>
               <a:t>עבודה על ממשק המשתמש ותחושת האפליקציה מצד הלקוח יחד עם מנהלי העבודה.</a:t>
             </a:r>
-            <a:endParaRPr b="0" lang="he-IL" sz="2800" spc="-1" strike="noStrike">
-              <a:solidFill>
-                <a:srgbClr val="000000"/>
-              </a:solidFill>
-              <a:uFill>
-                <a:solidFill>
-                  <a:srgbClr val="ffffff"/>
-                </a:solidFill>
-              </a:uFill>
-              <a:latin typeface="Calibri"/>
-            </a:endParaRPr>
-          </a:p>
-        </p:txBody>
-      </p:sp>
-      <p:sp>
-        <p:nvSpPr>
-          <p:cNvPr id="111" name="TextShape 3"/>
-          <p:cNvSpPr txBox="1"/>
+            <a:endParaRPr b="0" lang="en-US" sz="2800" spc="-1" strike="noStrike">
+              <a:solidFill>
+                <a:srgbClr val="000000"/>
+              </a:solidFill>
+              <a:uFill>
+                <a:solidFill>
+                  <a:srgbClr val="ffffff"/>
+                </a:solidFill>
+              </a:uFill>
+              <a:latin typeface="Arial"/>
+            </a:endParaRPr>
+          </a:p>
+        </p:txBody>
+      </p:sp>
+      <p:sp>
+        <p:nvSpPr>
+          <p:cNvPr id="105" name="CustomShape 3"/>
+          <p:cNvSpPr/>
           <p:nvPr/>
         </p:nvSpPr>
         <p:spPr>
           <a:xfrm>
             <a:off x="9378360" y="15840"/>
-            <a:ext cx="2742840" cy="364680"/>
+            <a:ext cx="2742480" cy="364320"/>
           </a:xfrm>
           <a:prstGeom prst="rect">
             <a:avLst/>
@@ -7121,15 +7043,21 @@
             <a:noFill/>
           </a:ln>
         </p:spPr>
-        <p:txBody>
-          <a:bodyPr anchor="ctr"/>
+        <p:style>
+          <a:lnRef idx="0"/>
+          <a:fillRef idx="0"/>
+          <a:effectRef idx="0"/>
+          <a:fontRef idx="minor"/>
+        </p:style>
+        <p:txBody>
+          <a:bodyPr lIns="90000" rIns="90000" tIns="45000" bIns="45000" anchor="ctr"/>
           <a:p>
             <a:pPr algn="r">
               <a:lnSpc>
                 <a:spcPct val="100000"/>
               </a:lnSpc>
             </a:pPr>
-            <a:fld id="{E701A7C1-0B7A-4CE1-90F7-10EE69D97DC8}" type="datetime1">
+            <a:fld id="{D7D12A60-02B6-4488-814E-C2CE0579186C}" type="datetime1">
               <a:rPr b="0" lang="en-US" sz="1200" spc="-1" strike="noStrike">
                 <a:solidFill>
                   <a:srgbClr val="8b8b8b"/>
@@ -7152,21 +7080,21 @@
                   <a:srgbClr val="ffffff"/>
                 </a:solidFill>
               </a:uFill>
-              <a:latin typeface="Times New Roman"/>
-            </a:endParaRPr>
-          </a:p>
-        </p:txBody>
-      </p:sp>
-      <p:sp>
-        <p:nvSpPr>
-          <p:cNvPr id="112" name="TextShape 4"/>
-          <p:cNvSpPr txBox="1"/>
+              <a:latin typeface="Arial"/>
+            </a:endParaRPr>
+          </a:p>
+        </p:txBody>
+      </p:sp>
+      <p:sp>
+        <p:nvSpPr>
+          <p:cNvPr id="106" name="CustomShape 4"/>
+          <p:cNvSpPr/>
           <p:nvPr/>
         </p:nvSpPr>
         <p:spPr>
           <a:xfrm>
             <a:off x="4038480" y="6356520"/>
-            <a:ext cx="4114440" cy="364680"/>
+            <a:ext cx="4114080" cy="364320"/>
           </a:xfrm>
           <a:prstGeom prst="rect">
             <a:avLst/>
@@ -7176,8 +7104,14 @@
             <a:noFill/>
           </a:ln>
         </p:spPr>
-        <p:txBody>
-          <a:bodyPr anchor="ctr"/>
+        <p:style>
+          <a:lnRef idx="0"/>
+          <a:fillRef idx="0"/>
+          <a:effectRef idx="0"/>
+          <a:fontRef idx="minor"/>
+        </p:style>
+        <p:txBody>
+          <a:bodyPr lIns="90000" rIns="90000" tIns="45000" bIns="45000" anchor="ctr"/>
           <a:p>
             <a:pPr algn="ctr">
               <a:lnSpc>
@@ -7207,7 +7141,7 @@
                   <a:srgbClr val="ffffff"/>
                 </a:solidFill>
               </a:uFill>
-              <a:latin typeface="Times New Roman"/>
+              <a:latin typeface="Arial"/>
             </a:endParaRPr>
           </a:p>
         </p:txBody>
